--- a/doc/Presentation.pptx
+++ b/doc/Presentation.pptx
@@ -4,17 +4,24 @@
   <p:sldMasterIdLst>
     <p:sldMasterId id="2147483672" r:id="rId1"/>
   </p:sldMasterIdLst>
+  <p:notesMasterIdLst>
+    <p:notesMasterId r:id="rId16"/>
+  </p:notesMasterIdLst>
   <p:sldIdLst>
     <p:sldId id="256" r:id="rId2"/>
     <p:sldId id="257" r:id="rId3"/>
     <p:sldId id="258" r:id="rId4"/>
-    <p:sldId id="259" r:id="rId5"/>
-    <p:sldId id="260" r:id="rId6"/>
-    <p:sldId id="261" r:id="rId7"/>
-    <p:sldId id="263" r:id="rId8"/>
-    <p:sldId id="264" r:id="rId9"/>
-    <p:sldId id="265" r:id="rId10"/>
-    <p:sldId id="262" r:id="rId11"/>
+    <p:sldId id="266" r:id="rId5"/>
+    <p:sldId id="259" r:id="rId6"/>
+    <p:sldId id="260" r:id="rId7"/>
+    <p:sldId id="267" r:id="rId8"/>
+    <p:sldId id="261" r:id="rId9"/>
+    <p:sldId id="263" r:id="rId10"/>
+    <p:sldId id="264" r:id="rId11"/>
+    <p:sldId id="265" r:id="rId12"/>
+    <p:sldId id="268" r:id="rId13"/>
+    <p:sldId id="262" r:id="rId14"/>
+    <p:sldId id="269" r:id="rId15"/>
   </p:sldIdLst>
   <p:sldSz cx="12192000" cy="6858000"/>
   <p:notesSz cx="6858000" cy="9144000"/>
@@ -113,7 +120,3364 @@
       </a:defRPr>
     </a:lvl9pPr>
   </p:defaultTextStyle>
+  <p:extLst>
+    <p:ext uri="{EFAFB233-063F-42B5-8137-9DF3F51BA10A}">
+      <p15:sldGuideLst xmlns:p15="http://schemas.microsoft.com/office/powerpoint/2012/main"/>
+    </p:ext>
+  </p:extLst>
 </p:presentation>
+</file>
+
+<file path=ppt/charts/chart1.xml><?xml version="1.0" encoding="utf-8"?>
+<c:chartSpace xmlns:c="http://schemas.openxmlformats.org/drawingml/2006/chart" xmlns:a="http://schemas.openxmlformats.org/drawingml/2006/main" xmlns:r="http://schemas.openxmlformats.org/officeDocument/2006/relationships" xmlns:c16r2="http://schemas.microsoft.com/office/drawing/2015/06/chart">
+  <c:date1904 val="0"/>
+  <c:lang val="hu-HU"/>
+  <c:roundedCorners val="0"/>
+  <mc:AlternateContent xmlns:mc="http://schemas.openxmlformats.org/markup-compatibility/2006">
+    <mc:Choice xmlns:c14="http://schemas.microsoft.com/office/drawing/2007/8/2/chart" Requires="c14">
+      <c14:style val="102"/>
+    </mc:Choice>
+    <mc:Fallback>
+      <c:style val="2"/>
+    </mc:Fallback>
+  </mc:AlternateContent>
+  <c:chart>
+    <c:autoTitleDeleted val="1"/>
+    <c:plotArea>
+      <c:layout/>
+      <c:pieChart>
+        <c:varyColors val="1"/>
+        <c:ser>
+          <c:idx val="0"/>
+          <c:order val="0"/>
+          <c:tx>
+            <c:strRef>
+              <c:f>Munka1!$B$1</c:f>
+              <c:strCache>
+                <c:ptCount val="1"/>
+                <c:pt idx="0">
+                  <c:v>Értékesítés</c:v>
+                </c:pt>
+              </c:strCache>
+            </c:strRef>
+          </c:tx>
+          <c:dPt>
+            <c:idx val="0"/>
+            <c:bubble3D val="0"/>
+            <c:spPr>
+              <a:solidFill>
+                <a:srgbClr val="FF0000"/>
+              </a:solidFill>
+              <a:ln w="19050">
+                <a:solidFill>
+                  <a:schemeClr val="lt1"/>
+                </a:solidFill>
+              </a:ln>
+              <a:effectLst/>
+            </c:spPr>
+            <c:extLst>
+              <c:ext xmlns:c16="http://schemas.microsoft.com/office/drawing/2014/chart" uri="{C3380CC4-5D6E-409C-BE32-E72D297353CC}">
+                <c16:uniqueId val="{00000002-F78E-4F1A-A2D0-35C760D62D7B}"/>
+              </c:ext>
+            </c:extLst>
+          </c:dPt>
+          <c:dPt>
+            <c:idx val="1"/>
+            <c:bubble3D val="0"/>
+            <c:spPr>
+              <a:solidFill>
+                <a:srgbClr val="00B050"/>
+              </a:solidFill>
+              <a:ln w="19050">
+                <a:solidFill>
+                  <a:schemeClr val="lt1"/>
+                </a:solidFill>
+              </a:ln>
+              <a:effectLst/>
+            </c:spPr>
+            <c:extLst>
+              <c:ext xmlns:c16="http://schemas.microsoft.com/office/drawing/2014/chart" uri="{C3380CC4-5D6E-409C-BE32-E72D297353CC}">
+                <c16:uniqueId val="{00000001-F78E-4F1A-A2D0-35C760D62D7B}"/>
+              </c:ext>
+            </c:extLst>
+          </c:dPt>
+          <c:dPt>
+            <c:idx val="2"/>
+            <c:bubble3D val="0"/>
+            <c:spPr>
+              <a:solidFill>
+                <a:schemeClr val="accent3"/>
+              </a:solidFill>
+              <a:ln w="19050">
+                <a:solidFill>
+                  <a:schemeClr val="lt1"/>
+                </a:solidFill>
+              </a:ln>
+              <a:effectLst/>
+            </c:spPr>
+          </c:dPt>
+          <c:dPt>
+            <c:idx val="3"/>
+            <c:bubble3D val="0"/>
+            <c:spPr>
+              <a:solidFill>
+                <a:schemeClr val="accent4"/>
+              </a:solidFill>
+              <a:ln w="19050">
+                <a:solidFill>
+                  <a:schemeClr val="lt1"/>
+                </a:solidFill>
+              </a:ln>
+              <a:effectLst/>
+            </c:spPr>
+          </c:dPt>
+          <c:cat>
+            <c:strRef>
+              <c:f>Munka1!$A$2:$A$5</c:f>
+              <c:strCache>
+                <c:ptCount val="2"/>
+                <c:pt idx="0">
+                  <c:v>1. negyedév</c:v>
+                </c:pt>
+                <c:pt idx="1">
+                  <c:v>2. negyedév</c:v>
+                </c:pt>
+              </c:strCache>
+            </c:strRef>
+          </c:cat>
+          <c:val>
+            <c:numRef>
+              <c:f>Munka1!$B$2:$B$5</c:f>
+              <c:numCache>
+                <c:formatCode>General</c:formatCode>
+                <c:ptCount val="4"/>
+                <c:pt idx="0">
+                  <c:v>15</c:v>
+                </c:pt>
+                <c:pt idx="1">
+                  <c:v>85</c:v>
+                </c:pt>
+              </c:numCache>
+            </c:numRef>
+          </c:val>
+          <c:extLst>
+            <c:ext xmlns:c16="http://schemas.microsoft.com/office/drawing/2014/chart" uri="{C3380CC4-5D6E-409C-BE32-E72D297353CC}">
+              <c16:uniqueId val="{00000000-F78E-4F1A-A2D0-35C760D62D7B}"/>
+            </c:ext>
+          </c:extLst>
+        </c:ser>
+        <c:dLbls>
+          <c:showLegendKey val="0"/>
+          <c:showVal val="0"/>
+          <c:showCatName val="0"/>
+          <c:showSerName val="0"/>
+          <c:showPercent val="0"/>
+          <c:showBubbleSize val="0"/>
+          <c:showLeaderLines val="1"/>
+        </c:dLbls>
+        <c:firstSliceAng val="0"/>
+      </c:pieChart>
+      <c:spPr>
+        <a:noFill/>
+        <a:ln>
+          <a:noFill/>
+        </a:ln>
+        <a:effectLst/>
+      </c:spPr>
+    </c:plotArea>
+    <c:plotVisOnly val="1"/>
+    <c:dispBlanksAs val="gap"/>
+    <c:showDLblsOverMax val="0"/>
+  </c:chart>
+  <c:spPr>
+    <a:noFill/>
+    <a:ln>
+      <a:noFill/>
+    </a:ln>
+    <a:effectLst/>
+  </c:spPr>
+  <c:txPr>
+    <a:bodyPr/>
+    <a:lstStyle/>
+    <a:p>
+      <a:pPr>
+        <a:defRPr/>
+      </a:pPr>
+      <a:endParaRPr lang="hu-HU"/>
+    </a:p>
+  </c:txPr>
+  <c:externalData r:id="rId3">
+    <c:autoUpdate val="0"/>
+  </c:externalData>
+</c:chartSpace>
+</file>
+
+<file path=ppt/charts/chart2.xml><?xml version="1.0" encoding="utf-8"?>
+<c:chartSpace xmlns:c="http://schemas.openxmlformats.org/drawingml/2006/chart" xmlns:a="http://schemas.openxmlformats.org/drawingml/2006/main" xmlns:r="http://schemas.openxmlformats.org/officeDocument/2006/relationships" xmlns:c16r2="http://schemas.microsoft.com/office/drawing/2015/06/chart">
+  <c:date1904 val="0"/>
+  <c:lang val="hu-HU"/>
+  <c:roundedCorners val="0"/>
+  <mc:AlternateContent xmlns:mc="http://schemas.openxmlformats.org/markup-compatibility/2006">
+    <mc:Choice xmlns:c14="http://schemas.microsoft.com/office/drawing/2007/8/2/chart" Requires="c14">
+      <c14:style val="102"/>
+    </mc:Choice>
+    <mc:Fallback>
+      <c:style val="2"/>
+    </mc:Fallback>
+  </mc:AlternateContent>
+  <c:chart>
+    <c:autoTitleDeleted val="1"/>
+    <c:plotArea>
+      <c:layout/>
+      <c:pieChart>
+        <c:varyColors val="1"/>
+        <c:ser>
+          <c:idx val="0"/>
+          <c:order val="0"/>
+          <c:tx>
+            <c:strRef>
+              <c:f>Munka1!$B$1</c:f>
+              <c:strCache>
+                <c:ptCount val="1"/>
+                <c:pt idx="0">
+                  <c:v>Értékesítés</c:v>
+                </c:pt>
+              </c:strCache>
+            </c:strRef>
+          </c:tx>
+          <c:dPt>
+            <c:idx val="0"/>
+            <c:bubble3D val="0"/>
+            <c:spPr>
+              <a:solidFill>
+                <a:srgbClr val="FF0000"/>
+              </a:solidFill>
+              <a:ln w="19050">
+                <a:solidFill>
+                  <a:schemeClr val="lt1"/>
+                </a:solidFill>
+              </a:ln>
+              <a:effectLst/>
+            </c:spPr>
+            <c:extLst>
+              <c:ext xmlns:c16="http://schemas.microsoft.com/office/drawing/2014/chart" uri="{C3380CC4-5D6E-409C-BE32-E72D297353CC}">
+                <c16:uniqueId val="{00000001-6844-4721-BEF2-4EC11434AC4D}"/>
+              </c:ext>
+            </c:extLst>
+          </c:dPt>
+          <c:dPt>
+            <c:idx val="1"/>
+            <c:bubble3D val="0"/>
+            <c:spPr>
+              <a:solidFill>
+                <a:srgbClr val="00B050"/>
+              </a:solidFill>
+              <a:ln w="19050">
+                <a:solidFill>
+                  <a:schemeClr val="lt1"/>
+                </a:solidFill>
+              </a:ln>
+              <a:effectLst/>
+            </c:spPr>
+            <c:extLst>
+              <c:ext xmlns:c16="http://schemas.microsoft.com/office/drawing/2014/chart" uri="{C3380CC4-5D6E-409C-BE32-E72D297353CC}">
+                <c16:uniqueId val="{00000003-6844-4721-BEF2-4EC11434AC4D}"/>
+              </c:ext>
+            </c:extLst>
+          </c:dPt>
+          <c:dPt>
+            <c:idx val="2"/>
+            <c:bubble3D val="0"/>
+            <c:spPr>
+              <a:solidFill>
+                <a:schemeClr val="accent3"/>
+              </a:solidFill>
+              <a:ln w="19050">
+                <a:solidFill>
+                  <a:schemeClr val="lt1"/>
+                </a:solidFill>
+              </a:ln>
+              <a:effectLst/>
+            </c:spPr>
+            <c:extLst>
+              <c:ext xmlns:c16="http://schemas.microsoft.com/office/drawing/2014/chart" uri="{C3380CC4-5D6E-409C-BE32-E72D297353CC}">
+                <c16:uniqueId val="{00000005-6844-4721-BEF2-4EC11434AC4D}"/>
+              </c:ext>
+            </c:extLst>
+          </c:dPt>
+          <c:dPt>
+            <c:idx val="3"/>
+            <c:bubble3D val="0"/>
+            <c:spPr>
+              <a:solidFill>
+                <a:schemeClr val="accent4"/>
+              </a:solidFill>
+              <a:ln w="19050">
+                <a:solidFill>
+                  <a:schemeClr val="lt1"/>
+                </a:solidFill>
+              </a:ln>
+              <a:effectLst/>
+            </c:spPr>
+            <c:extLst>
+              <c:ext xmlns:c16="http://schemas.microsoft.com/office/drawing/2014/chart" uri="{C3380CC4-5D6E-409C-BE32-E72D297353CC}">
+                <c16:uniqueId val="{00000007-6844-4721-BEF2-4EC11434AC4D}"/>
+              </c:ext>
+            </c:extLst>
+          </c:dPt>
+          <c:cat>
+            <c:strRef>
+              <c:f>Munka1!$A$2:$A$5</c:f>
+              <c:strCache>
+                <c:ptCount val="2"/>
+                <c:pt idx="0">
+                  <c:v>1. negyedév</c:v>
+                </c:pt>
+                <c:pt idx="1">
+                  <c:v>2. negyedév</c:v>
+                </c:pt>
+              </c:strCache>
+            </c:strRef>
+          </c:cat>
+          <c:val>
+            <c:numRef>
+              <c:f>Munka1!$B$2:$B$5</c:f>
+              <c:numCache>
+                <c:formatCode>General</c:formatCode>
+                <c:ptCount val="4"/>
+                <c:pt idx="0">
+                  <c:v>30</c:v>
+                </c:pt>
+                <c:pt idx="1">
+                  <c:v>70</c:v>
+                </c:pt>
+              </c:numCache>
+            </c:numRef>
+          </c:val>
+          <c:extLst>
+            <c:ext xmlns:c16="http://schemas.microsoft.com/office/drawing/2014/chart" uri="{C3380CC4-5D6E-409C-BE32-E72D297353CC}">
+              <c16:uniqueId val="{00000008-6844-4721-BEF2-4EC11434AC4D}"/>
+            </c:ext>
+          </c:extLst>
+        </c:ser>
+        <c:dLbls>
+          <c:showLegendKey val="0"/>
+          <c:showVal val="0"/>
+          <c:showCatName val="0"/>
+          <c:showSerName val="0"/>
+          <c:showPercent val="0"/>
+          <c:showBubbleSize val="0"/>
+          <c:showLeaderLines val="1"/>
+        </c:dLbls>
+        <c:firstSliceAng val="0"/>
+      </c:pieChart>
+      <c:spPr>
+        <a:noFill/>
+        <a:ln>
+          <a:noFill/>
+        </a:ln>
+        <a:effectLst/>
+      </c:spPr>
+    </c:plotArea>
+    <c:plotVisOnly val="1"/>
+    <c:dispBlanksAs val="gap"/>
+    <c:showDLblsOverMax val="0"/>
+  </c:chart>
+  <c:spPr>
+    <a:noFill/>
+    <a:ln>
+      <a:noFill/>
+    </a:ln>
+    <a:effectLst/>
+  </c:spPr>
+  <c:txPr>
+    <a:bodyPr/>
+    <a:lstStyle/>
+    <a:p>
+      <a:pPr>
+        <a:defRPr/>
+      </a:pPr>
+      <a:endParaRPr lang="hu-HU"/>
+    </a:p>
+  </c:txPr>
+  <c:externalData r:id="rId3">
+    <c:autoUpdate val="0"/>
+  </c:externalData>
+</c:chartSpace>
+</file>
+
+<file path=ppt/charts/chart3.xml><?xml version="1.0" encoding="utf-8"?>
+<c:chartSpace xmlns:c="http://schemas.openxmlformats.org/drawingml/2006/chart" xmlns:a="http://schemas.openxmlformats.org/drawingml/2006/main" xmlns:r="http://schemas.openxmlformats.org/officeDocument/2006/relationships" xmlns:c16r2="http://schemas.microsoft.com/office/drawing/2015/06/chart">
+  <c:date1904 val="0"/>
+  <c:lang val="hu-HU"/>
+  <c:roundedCorners val="0"/>
+  <mc:AlternateContent xmlns:mc="http://schemas.openxmlformats.org/markup-compatibility/2006">
+    <mc:Choice xmlns:c14="http://schemas.microsoft.com/office/drawing/2007/8/2/chart" Requires="c14">
+      <c14:style val="102"/>
+    </mc:Choice>
+    <mc:Fallback>
+      <c:style val="2"/>
+    </mc:Fallback>
+  </mc:AlternateContent>
+  <c:chart>
+    <c:autoTitleDeleted val="1"/>
+    <c:plotArea>
+      <c:layout/>
+      <c:pieChart>
+        <c:varyColors val="1"/>
+        <c:ser>
+          <c:idx val="0"/>
+          <c:order val="0"/>
+          <c:tx>
+            <c:strRef>
+              <c:f>Munka1!$B$1</c:f>
+              <c:strCache>
+                <c:ptCount val="1"/>
+                <c:pt idx="0">
+                  <c:v>Értékesítés</c:v>
+                </c:pt>
+              </c:strCache>
+            </c:strRef>
+          </c:tx>
+          <c:dPt>
+            <c:idx val="0"/>
+            <c:bubble3D val="0"/>
+            <c:spPr>
+              <a:solidFill>
+                <a:srgbClr val="FF0000"/>
+              </a:solidFill>
+              <a:ln w="19050">
+                <a:solidFill>
+                  <a:schemeClr val="lt1"/>
+                </a:solidFill>
+              </a:ln>
+              <a:effectLst/>
+            </c:spPr>
+            <c:extLst>
+              <c:ext xmlns:c16="http://schemas.microsoft.com/office/drawing/2014/chart" uri="{C3380CC4-5D6E-409C-BE32-E72D297353CC}">
+                <c16:uniqueId val="{00000001-3612-48FA-AE83-62B8F51E72F3}"/>
+              </c:ext>
+            </c:extLst>
+          </c:dPt>
+          <c:dPt>
+            <c:idx val="1"/>
+            <c:bubble3D val="0"/>
+            <c:spPr>
+              <a:solidFill>
+                <a:srgbClr val="00B050"/>
+              </a:solidFill>
+              <a:ln w="19050">
+                <a:solidFill>
+                  <a:schemeClr val="lt1"/>
+                </a:solidFill>
+              </a:ln>
+              <a:effectLst/>
+            </c:spPr>
+            <c:extLst>
+              <c:ext xmlns:c16="http://schemas.microsoft.com/office/drawing/2014/chart" uri="{C3380CC4-5D6E-409C-BE32-E72D297353CC}">
+                <c16:uniqueId val="{00000003-3612-48FA-AE83-62B8F51E72F3}"/>
+              </c:ext>
+            </c:extLst>
+          </c:dPt>
+          <c:dPt>
+            <c:idx val="2"/>
+            <c:bubble3D val="0"/>
+            <c:spPr>
+              <a:solidFill>
+                <a:schemeClr val="accent3"/>
+              </a:solidFill>
+              <a:ln w="19050">
+                <a:solidFill>
+                  <a:schemeClr val="lt1"/>
+                </a:solidFill>
+              </a:ln>
+              <a:effectLst/>
+            </c:spPr>
+            <c:extLst>
+              <c:ext xmlns:c16="http://schemas.microsoft.com/office/drawing/2014/chart" uri="{C3380CC4-5D6E-409C-BE32-E72D297353CC}">
+                <c16:uniqueId val="{00000005-3612-48FA-AE83-62B8F51E72F3}"/>
+              </c:ext>
+            </c:extLst>
+          </c:dPt>
+          <c:dPt>
+            <c:idx val="3"/>
+            <c:bubble3D val="0"/>
+            <c:spPr>
+              <a:solidFill>
+                <a:schemeClr val="accent4"/>
+              </a:solidFill>
+              <a:ln w="19050">
+                <a:solidFill>
+                  <a:schemeClr val="lt1"/>
+                </a:solidFill>
+              </a:ln>
+              <a:effectLst/>
+            </c:spPr>
+            <c:extLst>
+              <c:ext xmlns:c16="http://schemas.microsoft.com/office/drawing/2014/chart" uri="{C3380CC4-5D6E-409C-BE32-E72D297353CC}">
+                <c16:uniqueId val="{00000007-3612-48FA-AE83-62B8F51E72F3}"/>
+              </c:ext>
+            </c:extLst>
+          </c:dPt>
+          <c:cat>
+            <c:strRef>
+              <c:f>Munka1!$A$2:$A$5</c:f>
+              <c:strCache>
+                <c:ptCount val="2"/>
+                <c:pt idx="0">
+                  <c:v>1. negyedév</c:v>
+                </c:pt>
+                <c:pt idx="1">
+                  <c:v>2. negyedév</c:v>
+                </c:pt>
+              </c:strCache>
+            </c:strRef>
+          </c:cat>
+          <c:val>
+            <c:numRef>
+              <c:f>Munka1!$B$2:$B$5</c:f>
+              <c:numCache>
+                <c:formatCode>General</c:formatCode>
+                <c:ptCount val="4"/>
+                <c:pt idx="0">
+                  <c:v>10</c:v>
+                </c:pt>
+                <c:pt idx="1">
+                  <c:v>90</c:v>
+                </c:pt>
+              </c:numCache>
+            </c:numRef>
+          </c:val>
+          <c:extLst>
+            <c:ext xmlns:c16="http://schemas.microsoft.com/office/drawing/2014/chart" uri="{C3380CC4-5D6E-409C-BE32-E72D297353CC}">
+              <c16:uniqueId val="{00000008-3612-48FA-AE83-62B8F51E72F3}"/>
+            </c:ext>
+          </c:extLst>
+        </c:ser>
+        <c:dLbls>
+          <c:showLegendKey val="0"/>
+          <c:showVal val="0"/>
+          <c:showCatName val="0"/>
+          <c:showSerName val="0"/>
+          <c:showPercent val="0"/>
+          <c:showBubbleSize val="0"/>
+          <c:showLeaderLines val="1"/>
+        </c:dLbls>
+        <c:firstSliceAng val="0"/>
+      </c:pieChart>
+      <c:spPr>
+        <a:noFill/>
+        <a:ln>
+          <a:noFill/>
+        </a:ln>
+        <a:effectLst/>
+      </c:spPr>
+    </c:plotArea>
+    <c:plotVisOnly val="1"/>
+    <c:dispBlanksAs val="gap"/>
+    <c:showDLblsOverMax val="0"/>
+  </c:chart>
+  <c:spPr>
+    <a:noFill/>
+    <a:ln>
+      <a:noFill/>
+    </a:ln>
+    <a:effectLst/>
+  </c:spPr>
+  <c:txPr>
+    <a:bodyPr/>
+    <a:lstStyle/>
+    <a:p>
+      <a:pPr>
+        <a:defRPr/>
+      </a:pPr>
+      <a:endParaRPr lang="hu-HU"/>
+    </a:p>
+  </c:txPr>
+  <c:externalData r:id="rId3">
+    <c:autoUpdate val="0"/>
+  </c:externalData>
+</c:chartSpace>
+</file>
+
+<file path=ppt/charts/chart4.xml><?xml version="1.0" encoding="utf-8"?>
+<c:chartSpace xmlns:c="http://schemas.openxmlformats.org/drawingml/2006/chart" xmlns:a="http://schemas.openxmlformats.org/drawingml/2006/main" xmlns:r="http://schemas.openxmlformats.org/officeDocument/2006/relationships" xmlns:c16r2="http://schemas.microsoft.com/office/drawing/2015/06/chart">
+  <c:date1904 val="0"/>
+  <c:lang val="hu-HU"/>
+  <c:roundedCorners val="0"/>
+  <mc:AlternateContent xmlns:mc="http://schemas.openxmlformats.org/markup-compatibility/2006">
+    <mc:Choice xmlns:c14="http://schemas.microsoft.com/office/drawing/2007/8/2/chart" Requires="c14">
+      <c14:style val="102"/>
+    </mc:Choice>
+    <mc:Fallback>
+      <c:style val="2"/>
+    </mc:Fallback>
+  </mc:AlternateContent>
+  <c:chart>
+    <c:autoTitleDeleted val="1"/>
+    <c:plotArea>
+      <c:layout/>
+      <c:pieChart>
+        <c:varyColors val="1"/>
+        <c:ser>
+          <c:idx val="0"/>
+          <c:order val="0"/>
+          <c:tx>
+            <c:strRef>
+              <c:f>Munka1!$B$1</c:f>
+              <c:strCache>
+                <c:ptCount val="1"/>
+                <c:pt idx="0">
+                  <c:v>Értékesítés</c:v>
+                </c:pt>
+              </c:strCache>
+            </c:strRef>
+          </c:tx>
+          <c:dPt>
+            <c:idx val="0"/>
+            <c:bubble3D val="0"/>
+            <c:spPr>
+              <a:solidFill>
+                <a:srgbClr val="FF0000"/>
+              </a:solidFill>
+              <a:ln w="19050">
+                <a:solidFill>
+                  <a:schemeClr val="lt1"/>
+                </a:solidFill>
+              </a:ln>
+              <a:effectLst/>
+            </c:spPr>
+            <c:extLst>
+              <c:ext xmlns:c16="http://schemas.microsoft.com/office/drawing/2014/chart" uri="{C3380CC4-5D6E-409C-BE32-E72D297353CC}">
+                <c16:uniqueId val="{00000001-B6B8-459D-8CE2-4526F8BCFA18}"/>
+              </c:ext>
+            </c:extLst>
+          </c:dPt>
+          <c:dPt>
+            <c:idx val="1"/>
+            <c:bubble3D val="0"/>
+            <c:spPr>
+              <a:solidFill>
+                <a:srgbClr val="00B050"/>
+              </a:solidFill>
+              <a:ln w="19050">
+                <a:solidFill>
+                  <a:schemeClr val="lt1"/>
+                </a:solidFill>
+              </a:ln>
+              <a:effectLst/>
+            </c:spPr>
+            <c:extLst>
+              <c:ext xmlns:c16="http://schemas.microsoft.com/office/drawing/2014/chart" uri="{C3380CC4-5D6E-409C-BE32-E72D297353CC}">
+                <c16:uniqueId val="{00000003-B6B8-459D-8CE2-4526F8BCFA18}"/>
+              </c:ext>
+            </c:extLst>
+          </c:dPt>
+          <c:dPt>
+            <c:idx val="2"/>
+            <c:bubble3D val="0"/>
+            <c:spPr>
+              <a:solidFill>
+                <a:schemeClr val="accent3"/>
+              </a:solidFill>
+              <a:ln w="19050">
+                <a:solidFill>
+                  <a:schemeClr val="lt1"/>
+                </a:solidFill>
+              </a:ln>
+              <a:effectLst/>
+            </c:spPr>
+            <c:extLst>
+              <c:ext xmlns:c16="http://schemas.microsoft.com/office/drawing/2014/chart" uri="{C3380CC4-5D6E-409C-BE32-E72D297353CC}">
+                <c16:uniqueId val="{00000005-B6B8-459D-8CE2-4526F8BCFA18}"/>
+              </c:ext>
+            </c:extLst>
+          </c:dPt>
+          <c:dPt>
+            <c:idx val="3"/>
+            <c:bubble3D val="0"/>
+            <c:spPr>
+              <a:solidFill>
+                <a:schemeClr val="accent4"/>
+              </a:solidFill>
+              <a:ln w="19050">
+                <a:solidFill>
+                  <a:schemeClr val="lt1"/>
+                </a:solidFill>
+              </a:ln>
+              <a:effectLst/>
+            </c:spPr>
+            <c:extLst>
+              <c:ext xmlns:c16="http://schemas.microsoft.com/office/drawing/2014/chart" uri="{C3380CC4-5D6E-409C-BE32-E72D297353CC}">
+                <c16:uniqueId val="{00000007-B6B8-459D-8CE2-4526F8BCFA18}"/>
+              </c:ext>
+            </c:extLst>
+          </c:dPt>
+          <c:cat>
+            <c:strRef>
+              <c:f>Munka1!$A$2:$A$5</c:f>
+              <c:strCache>
+                <c:ptCount val="2"/>
+                <c:pt idx="0">
+                  <c:v>1. negyedév</c:v>
+                </c:pt>
+                <c:pt idx="1">
+                  <c:v>2. negyedév</c:v>
+                </c:pt>
+              </c:strCache>
+            </c:strRef>
+          </c:cat>
+          <c:val>
+            <c:numRef>
+              <c:f>Munka1!$B$2:$B$5</c:f>
+              <c:numCache>
+                <c:formatCode>General</c:formatCode>
+                <c:ptCount val="4"/>
+                <c:pt idx="0">
+                  <c:v>60</c:v>
+                </c:pt>
+                <c:pt idx="1">
+                  <c:v>40</c:v>
+                </c:pt>
+              </c:numCache>
+            </c:numRef>
+          </c:val>
+          <c:extLst>
+            <c:ext xmlns:c16="http://schemas.microsoft.com/office/drawing/2014/chart" uri="{C3380CC4-5D6E-409C-BE32-E72D297353CC}">
+              <c16:uniqueId val="{00000008-B6B8-459D-8CE2-4526F8BCFA18}"/>
+            </c:ext>
+          </c:extLst>
+        </c:ser>
+        <c:dLbls>
+          <c:showLegendKey val="0"/>
+          <c:showVal val="0"/>
+          <c:showCatName val="0"/>
+          <c:showSerName val="0"/>
+          <c:showPercent val="0"/>
+          <c:showBubbleSize val="0"/>
+          <c:showLeaderLines val="1"/>
+        </c:dLbls>
+        <c:firstSliceAng val="0"/>
+      </c:pieChart>
+      <c:spPr>
+        <a:noFill/>
+        <a:ln>
+          <a:noFill/>
+        </a:ln>
+        <a:effectLst/>
+      </c:spPr>
+    </c:plotArea>
+    <c:plotVisOnly val="1"/>
+    <c:dispBlanksAs val="gap"/>
+    <c:showDLblsOverMax val="0"/>
+  </c:chart>
+  <c:spPr>
+    <a:noFill/>
+    <a:ln>
+      <a:noFill/>
+    </a:ln>
+    <a:effectLst/>
+  </c:spPr>
+  <c:txPr>
+    <a:bodyPr/>
+    <a:lstStyle/>
+    <a:p>
+      <a:pPr>
+        <a:defRPr/>
+      </a:pPr>
+      <a:endParaRPr lang="hu-HU"/>
+    </a:p>
+  </c:txPr>
+  <c:externalData r:id="rId3">
+    <c:autoUpdate val="0"/>
+  </c:externalData>
+</c:chartSpace>
+</file>
+
+<file path=ppt/charts/colors1.xml><?xml version="1.0" encoding="utf-8"?>
+<cs:colorStyle xmlns:cs="http://schemas.microsoft.com/office/drawing/2012/chartStyle" xmlns:a="http://schemas.openxmlformats.org/drawingml/2006/main" meth="cycle" id="10">
+  <a:schemeClr val="accent1"/>
+  <a:schemeClr val="accent2"/>
+  <a:schemeClr val="accent3"/>
+  <a:schemeClr val="accent4"/>
+  <a:schemeClr val="accent5"/>
+  <a:schemeClr val="accent6"/>
+  <cs:variation/>
+  <cs:variation>
+    <a:lumMod val="60000"/>
+  </cs:variation>
+  <cs:variation>
+    <a:lumMod val="80000"/>
+    <a:lumOff val="20000"/>
+  </cs:variation>
+  <cs:variation>
+    <a:lumMod val="80000"/>
+  </cs:variation>
+  <cs:variation>
+    <a:lumMod val="60000"/>
+    <a:lumOff val="40000"/>
+  </cs:variation>
+  <cs:variation>
+    <a:lumMod val="50000"/>
+  </cs:variation>
+  <cs:variation>
+    <a:lumMod val="70000"/>
+    <a:lumOff val="30000"/>
+  </cs:variation>
+  <cs:variation>
+    <a:lumMod val="70000"/>
+  </cs:variation>
+  <cs:variation>
+    <a:lumMod val="50000"/>
+    <a:lumOff val="50000"/>
+  </cs:variation>
+</cs:colorStyle>
+</file>
+
+<file path=ppt/charts/colors2.xml><?xml version="1.0" encoding="utf-8"?>
+<cs:colorStyle xmlns:cs="http://schemas.microsoft.com/office/drawing/2012/chartStyle" xmlns:a="http://schemas.openxmlformats.org/drawingml/2006/main" meth="cycle" id="10">
+  <a:schemeClr val="accent1"/>
+  <a:schemeClr val="accent2"/>
+  <a:schemeClr val="accent3"/>
+  <a:schemeClr val="accent4"/>
+  <a:schemeClr val="accent5"/>
+  <a:schemeClr val="accent6"/>
+  <cs:variation/>
+  <cs:variation>
+    <a:lumMod val="60000"/>
+  </cs:variation>
+  <cs:variation>
+    <a:lumMod val="80000"/>
+    <a:lumOff val="20000"/>
+  </cs:variation>
+  <cs:variation>
+    <a:lumMod val="80000"/>
+  </cs:variation>
+  <cs:variation>
+    <a:lumMod val="60000"/>
+    <a:lumOff val="40000"/>
+  </cs:variation>
+  <cs:variation>
+    <a:lumMod val="50000"/>
+  </cs:variation>
+  <cs:variation>
+    <a:lumMod val="70000"/>
+    <a:lumOff val="30000"/>
+  </cs:variation>
+  <cs:variation>
+    <a:lumMod val="70000"/>
+  </cs:variation>
+  <cs:variation>
+    <a:lumMod val="50000"/>
+    <a:lumOff val="50000"/>
+  </cs:variation>
+</cs:colorStyle>
+</file>
+
+<file path=ppt/charts/colors3.xml><?xml version="1.0" encoding="utf-8"?>
+<cs:colorStyle xmlns:cs="http://schemas.microsoft.com/office/drawing/2012/chartStyle" xmlns:a="http://schemas.openxmlformats.org/drawingml/2006/main" meth="cycle" id="10">
+  <a:schemeClr val="accent1"/>
+  <a:schemeClr val="accent2"/>
+  <a:schemeClr val="accent3"/>
+  <a:schemeClr val="accent4"/>
+  <a:schemeClr val="accent5"/>
+  <a:schemeClr val="accent6"/>
+  <cs:variation/>
+  <cs:variation>
+    <a:lumMod val="60000"/>
+  </cs:variation>
+  <cs:variation>
+    <a:lumMod val="80000"/>
+    <a:lumOff val="20000"/>
+  </cs:variation>
+  <cs:variation>
+    <a:lumMod val="80000"/>
+  </cs:variation>
+  <cs:variation>
+    <a:lumMod val="60000"/>
+    <a:lumOff val="40000"/>
+  </cs:variation>
+  <cs:variation>
+    <a:lumMod val="50000"/>
+  </cs:variation>
+  <cs:variation>
+    <a:lumMod val="70000"/>
+    <a:lumOff val="30000"/>
+  </cs:variation>
+  <cs:variation>
+    <a:lumMod val="70000"/>
+  </cs:variation>
+  <cs:variation>
+    <a:lumMod val="50000"/>
+    <a:lumOff val="50000"/>
+  </cs:variation>
+</cs:colorStyle>
+</file>
+
+<file path=ppt/charts/colors4.xml><?xml version="1.0" encoding="utf-8"?>
+<cs:colorStyle xmlns:cs="http://schemas.microsoft.com/office/drawing/2012/chartStyle" xmlns:a="http://schemas.openxmlformats.org/drawingml/2006/main" meth="cycle" id="10">
+  <a:schemeClr val="accent1"/>
+  <a:schemeClr val="accent2"/>
+  <a:schemeClr val="accent3"/>
+  <a:schemeClr val="accent4"/>
+  <a:schemeClr val="accent5"/>
+  <a:schemeClr val="accent6"/>
+  <cs:variation/>
+  <cs:variation>
+    <a:lumMod val="60000"/>
+  </cs:variation>
+  <cs:variation>
+    <a:lumMod val="80000"/>
+    <a:lumOff val="20000"/>
+  </cs:variation>
+  <cs:variation>
+    <a:lumMod val="80000"/>
+  </cs:variation>
+  <cs:variation>
+    <a:lumMod val="60000"/>
+    <a:lumOff val="40000"/>
+  </cs:variation>
+  <cs:variation>
+    <a:lumMod val="50000"/>
+  </cs:variation>
+  <cs:variation>
+    <a:lumMod val="70000"/>
+    <a:lumOff val="30000"/>
+  </cs:variation>
+  <cs:variation>
+    <a:lumMod val="70000"/>
+  </cs:variation>
+  <cs:variation>
+    <a:lumMod val="50000"/>
+    <a:lumOff val="50000"/>
+  </cs:variation>
+</cs:colorStyle>
+</file>
+
+<file path=ppt/charts/style1.xml><?xml version="1.0" encoding="utf-8"?>
+<cs:chartStyle xmlns:cs="http://schemas.microsoft.com/office/drawing/2012/chartStyle" xmlns:a="http://schemas.openxmlformats.org/drawingml/2006/main" id="251">
+  <cs:axisTitle>
+    <cs:lnRef idx="0"/>
+    <cs:fillRef idx="0"/>
+    <cs:effectRef idx="0"/>
+    <cs:fontRef idx="minor">
+      <a:schemeClr val="tx1">
+        <a:lumMod val="65000"/>
+        <a:lumOff val="35000"/>
+      </a:schemeClr>
+    </cs:fontRef>
+    <cs:defRPr sz="1330" kern="1200"/>
+  </cs:axisTitle>
+  <cs:categoryAxis>
+    <cs:lnRef idx="0"/>
+    <cs:fillRef idx="0"/>
+    <cs:effectRef idx="0"/>
+    <cs:fontRef idx="minor">
+      <a:schemeClr val="tx1">
+        <a:lumMod val="65000"/>
+        <a:lumOff val="35000"/>
+      </a:schemeClr>
+    </cs:fontRef>
+    <cs:spPr>
+      <a:ln w="9525" cap="flat" cmpd="sng" algn="ctr">
+        <a:solidFill>
+          <a:schemeClr val="tx1">
+            <a:lumMod val="15000"/>
+            <a:lumOff val="85000"/>
+          </a:schemeClr>
+        </a:solidFill>
+        <a:round/>
+      </a:ln>
+    </cs:spPr>
+    <cs:defRPr sz="1197" kern="1200"/>
+  </cs:categoryAxis>
+  <cs:chartArea mods="allowNoFillOverride allowNoLineOverride">
+    <cs:lnRef idx="0"/>
+    <cs:fillRef idx="0"/>
+    <cs:effectRef idx="0"/>
+    <cs:fontRef idx="minor">
+      <a:schemeClr val="tx1"/>
+    </cs:fontRef>
+    <cs:spPr>
+      <a:solidFill>
+        <a:schemeClr val="bg1"/>
+      </a:solidFill>
+      <a:ln w="9525" cap="flat" cmpd="sng" algn="ctr">
+        <a:solidFill>
+          <a:schemeClr val="tx1">
+            <a:lumMod val="15000"/>
+            <a:lumOff val="85000"/>
+          </a:schemeClr>
+        </a:solidFill>
+        <a:round/>
+      </a:ln>
+    </cs:spPr>
+    <cs:defRPr sz="1197" kern="1200"/>
+  </cs:chartArea>
+  <cs:dataLabel>
+    <cs:lnRef idx="0"/>
+    <cs:fillRef idx="0"/>
+    <cs:effectRef idx="0"/>
+    <cs:fontRef idx="minor">
+      <a:schemeClr val="tx1">
+        <a:lumMod val="75000"/>
+        <a:lumOff val="25000"/>
+      </a:schemeClr>
+    </cs:fontRef>
+    <cs:defRPr sz="1197" kern="1200"/>
+  </cs:dataLabel>
+  <cs:dataLabelCallout>
+    <cs:lnRef idx="0"/>
+    <cs:fillRef idx="0"/>
+    <cs:effectRef idx="0"/>
+    <cs:fontRef idx="minor">
+      <a:schemeClr val="dk1">
+        <a:lumMod val="65000"/>
+        <a:lumOff val="35000"/>
+      </a:schemeClr>
+    </cs:fontRef>
+    <cs:spPr>
+      <a:solidFill>
+        <a:schemeClr val="lt1"/>
+      </a:solidFill>
+      <a:ln>
+        <a:solidFill>
+          <a:schemeClr val="dk1">
+            <a:lumMod val="25000"/>
+            <a:lumOff val="75000"/>
+          </a:schemeClr>
+        </a:solidFill>
+      </a:ln>
+    </cs:spPr>
+    <cs:defRPr sz="1197" kern="1200"/>
+    <cs:bodyPr rot="0" spcFirstLastPara="1" vertOverflow="clip" horzOverflow="clip" vert="horz" wrap="square" lIns="36576" tIns="18288" rIns="36576" bIns="18288" anchor="ctr" anchorCtr="1">
+      <a:spAutoFit/>
+    </cs:bodyPr>
+  </cs:dataLabelCallout>
+  <cs:dataPoint>
+    <cs:lnRef idx="0"/>
+    <cs:fillRef idx="1">
+      <cs:styleClr val="auto"/>
+    </cs:fillRef>
+    <cs:effectRef idx="0"/>
+    <cs:fontRef idx="minor">
+      <a:schemeClr val="tx1"/>
+    </cs:fontRef>
+    <cs:spPr>
+      <a:ln w="19050">
+        <a:solidFill>
+          <a:schemeClr val="lt1"/>
+        </a:solidFill>
+      </a:ln>
+    </cs:spPr>
+  </cs:dataPoint>
+  <cs:dataPoint3D>
+    <cs:lnRef idx="0"/>
+    <cs:fillRef idx="1">
+      <cs:styleClr val="auto"/>
+    </cs:fillRef>
+    <cs:effectRef idx="0"/>
+    <cs:fontRef idx="minor">
+      <a:schemeClr val="tx1"/>
+    </cs:fontRef>
+    <cs:spPr>
+      <a:ln w="25400">
+        <a:solidFill>
+          <a:schemeClr val="lt1"/>
+        </a:solidFill>
+      </a:ln>
+    </cs:spPr>
+  </cs:dataPoint3D>
+  <cs:dataPointLine>
+    <cs:lnRef idx="0">
+      <cs:styleClr val="auto"/>
+    </cs:lnRef>
+    <cs:fillRef idx="0"/>
+    <cs:effectRef idx="0"/>
+    <cs:fontRef idx="minor">
+      <a:schemeClr val="tx1"/>
+    </cs:fontRef>
+    <cs:spPr>
+      <a:ln w="28575" cap="rnd">
+        <a:solidFill>
+          <a:schemeClr val="phClr"/>
+        </a:solidFill>
+        <a:round/>
+      </a:ln>
+    </cs:spPr>
+  </cs:dataPointLine>
+  <cs:dataPointMarker>
+    <cs:lnRef idx="0">
+      <cs:styleClr val="auto"/>
+    </cs:lnRef>
+    <cs:fillRef idx="1">
+      <cs:styleClr val="auto"/>
+    </cs:fillRef>
+    <cs:effectRef idx="0"/>
+    <cs:fontRef idx="minor">
+      <a:schemeClr val="tx1"/>
+    </cs:fontRef>
+    <cs:spPr>
+      <a:ln w="9525">
+        <a:solidFill>
+          <a:schemeClr val="phClr"/>
+        </a:solidFill>
+      </a:ln>
+    </cs:spPr>
+  </cs:dataPointMarker>
+  <cs:dataPointMarkerLayout symbol="circle" size="5"/>
+  <cs:dataPointWireframe>
+    <cs:lnRef idx="0">
+      <cs:styleClr val="auto"/>
+    </cs:lnRef>
+    <cs:fillRef idx="0"/>
+    <cs:effectRef idx="0"/>
+    <cs:fontRef idx="minor">
+      <a:schemeClr val="tx1"/>
+    </cs:fontRef>
+    <cs:spPr>
+      <a:ln w="9525" cap="rnd">
+        <a:solidFill>
+          <a:schemeClr val="phClr"/>
+        </a:solidFill>
+        <a:round/>
+      </a:ln>
+    </cs:spPr>
+  </cs:dataPointWireframe>
+  <cs:dataTable>
+    <cs:lnRef idx="0"/>
+    <cs:fillRef idx="0"/>
+    <cs:effectRef idx="0"/>
+    <cs:fontRef idx="minor">
+      <a:schemeClr val="tx1">
+        <a:lumMod val="65000"/>
+        <a:lumOff val="35000"/>
+      </a:schemeClr>
+    </cs:fontRef>
+    <cs:spPr>
+      <a:noFill/>
+      <a:ln w="9525" cap="flat" cmpd="sng" algn="ctr">
+        <a:solidFill>
+          <a:schemeClr val="tx1">
+            <a:lumMod val="15000"/>
+            <a:lumOff val="85000"/>
+          </a:schemeClr>
+        </a:solidFill>
+        <a:round/>
+      </a:ln>
+    </cs:spPr>
+    <cs:defRPr sz="1197" kern="1200"/>
+  </cs:dataTable>
+  <cs:downBar>
+    <cs:lnRef idx="0"/>
+    <cs:fillRef idx="0"/>
+    <cs:effectRef idx="0"/>
+    <cs:fontRef idx="minor">
+      <a:schemeClr val="tx1"/>
+    </cs:fontRef>
+    <cs:spPr>
+      <a:solidFill>
+        <a:schemeClr val="dk1">
+          <a:lumMod val="75000"/>
+          <a:lumOff val="25000"/>
+        </a:schemeClr>
+      </a:solidFill>
+      <a:ln w="9525" cap="flat" cmpd="sng" algn="ctr">
+        <a:solidFill>
+          <a:schemeClr val="tx1">
+            <a:lumMod val="65000"/>
+            <a:lumOff val="35000"/>
+          </a:schemeClr>
+        </a:solidFill>
+        <a:round/>
+      </a:ln>
+    </cs:spPr>
+  </cs:downBar>
+  <cs:dropLine>
+    <cs:lnRef idx="0"/>
+    <cs:fillRef idx="0"/>
+    <cs:effectRef idx="0"/>
+    <cs:fontRef idx="minor">
+      <a:schemeClr val="tx1"/>
+    </cs:fontRef>
+    <cs:spPr>
+      <a:ln w="9525" cap="flat" cmpd="sng" algn="ctr">
+        <a:solidFill>
+          <a:schemeClr val="tx1">
+            <a:lumMod val="35000"/>
+            <a:lumOff val="65000"/>
+          </a:schemeClr>
+        </a:solidFill>
+        <a:round/>
+      </a:ln>
+    </cs:spPr>
+  </cs:dropLine>
+  <cs:errorBar>
+    <cs:lnRef idx="0"/>
+    <cs:fillRef idx="0"/>
+    <cs:effectRef idx="0"/>
+    <cs:fontRef idx="minor">
+      <a:schemeClr val="tx1"/>
+    </cs:fontRef>
+    <cs:spPr>
+      <a:ln w="9525" cap="flat" cmpd="sng" algn="ctr">
+        <a:solidFill>
+          <a:schemeClr val="tx1">
+            <a:lumMod val="65000"/>
+            <a:lumOff val="35000"/>
+          </a:schemeClr>
+        </a:solidFill>
+        <a:round/>
+      </a:ln>
+    </cs:spPr>
+  </cs:errorBar>
+  <cs:floor>
+    <cs:lnRef idx="0"/>
+    <cs:fillRef idx="0"/>
+    <cs:effectRef idx="0"/>
+    <cs:fontRef idx="minor">
+      <a:schemeClr val="tx1"/>
+    </cs:fontRef>
+    <cs:spPr>
+      <a:noFill/>
+      <a:ln>
+        <a:noFill/>
+      </a:ln>
+    </cs:spPr>
+  </cs:floor>
+  <cs:gridlineMajor>
+    <cs:lnRef idx="0"/>
+    <cs:fillRef idx="0"/>
+    <cs:effectRef idx="0"/>
+    <cs:fontRef idx="minor">
+      <a:schemeClr val="tx1"/>
+    </cs:fontRef>
+    <cs:spPr>
+      <a:ln w="9525" cap="flat" cmpd="sng" algn="ctr">
+        <a:solidFill>
+          <a:schemeClr val="tx1">
+            <a:lumMod val="15000"/>
+            <a:lumOff val="85000"/>
+          </a:schemeClr>
+        </a:solidFill>
+        <a:round/>
+      </a:ln>
+    </cs:spPr>
+  </cs:gridlineMajor>
+  <cs:gridlineMinor>
+    <cs:lnRef idx="0"/>
+    <cs:fillRef idx="0"/>
+    <cs:effectRef idx="0"/>
+    <cs:fontRef idx="minor">
+      <a:schemeClr val="tx1"/>
+    </cs:fontRef>
+    <cs:spPr>
+      <a:ln w="9525" cap="flat" cmpd="sng" algn="ctr">
+        <a:solidFill>
+          <a:schemeClr val="tx1">
+            <a:lumMod val="5000"/>
+            <a:lumOff val="95000"/>
+          </a:schemeClr>
+        </a:solidFill>
+        <a:round/>
+      </a:ln>
+    </cs:spPr>
+  </cs:gridlineMinor>
+  <cs:hiLoLine>
+    <cs:lnRef idx="0"/>
+    <cs:fillRef idx="0"/>
+    <cs:effectRef idx="0"/>
+    <cs:fontRef idx="minor">
+      <a:schemeClr val="tx1"/>
+    </cs:fontRef>
+    <cs:spPr>
+      <a:ln w="9525" cap="flat" cmpd="sng" algn="ctr">
+        <a:solidFill>
+          <a:schemeClr val="tx1">
+            <a:lumMod val="50000"/>
+            <a:lumOff val="50000"/>
+          </a:schemeClr>
+        </a:solidFill>
+        <a:round/>
+      </a:ln>
+    </cs:spPr>
+  </cs:hiLoLine>
+  <cs:leaderLine>
+    <cs:lnRef idx="0"/>
+    <cs:fillRef idx="0"/>
+    <cs:effectRef idx="0"/>
+    <cs:fontRef idx="minor">
+      <a:schemeClr val="tx1"/>
+    </cs:fontRef>
+    <cs:spPr>
+      <a:ln w="9525" cap="flat" cmpd="sng" algn="ctr">
+        <a:solidFill>
+          <a:schemeClr val="tx1">
+            <a:lumMod val="35000"/>
+            <a:lumOff val="65000"/>
+          </a:schemeClr>
+        </a:solidFill>
+        <a:round/>
+      </a:ln>
+    </cs:spPr>
+  </cs:leaderLine>
+  <cs:legend>
+    <cs:lnRef idx="0"/>
+    <cs:fillRef idx="0"/>
+    <cs:effectRef idx="0"/>
+    <cs:fontRef idx="minor">
+      <a:schemeClr val="tx1">
+        <a:lumMod val="65000"/>
+        <a:lumOff val="35000"/>
+      </a:schemeClr>
+    </cs:fontRef>
+    <cs:defRPr sz="1197" kern="1200"/>
+  </cs:legend>
+  <cs:plotArea mods="allowNoFillOverride allowNoLineOverride">
+    <cs:lnRef idx="0"/>
+    <cs:fillRef idx="0"/>
+    <cs:effectRef idx="0"/>
+    <cs:fontRef idx="minor">
+      <a:schemeClr val="tx1"/>
+    </cs:fontRef>
+  </cs:plotArea>
+  <cs:plotArea3D mods="allowNoFillOverride allowNoLineOverride">
+    <cs:lnRef idx="0"/>
+    <cs:fillRef idx="0"/>
+    <cs:effectRef idx="0"/>
+    <cs:fontRef idx="minor">
+      <a:schemeClr val="tx1"/>
+    </cs:fontRef>
+  </cs:plotArea3D>
+  <cs:seriesAxis>
+    <cs:lnRef idx="0"/>
+    <cs:fillRef idx="0"/>
+    <cs:effectRef idx="0"/>
+    <cs:fontRef idx="minor">
+      <a:schemeClr val="tx1">
+        <a:lumMod val="65000"/>
+        <a:lumOff val="35000"/>
+      </a:schemeClr>
+    </cs:fontRef>
+    <cs:defRPr sz="1197" kern="1200"/>
+  </cs:seriesAxis>
+  <cs:seriesLine>
+    <cs:lnRef idx="0"/>
+    <cs:fillRef idx="0"/>
+    <cs:effectRef idx="0"/>
+    <cs:fontRef idx="minor">
+      <a:schemeClr val="tx1"/>
+    </cs:fontRef>
+    <cs:spPr>
+      <a:ln w="9525" cap="flat" cmpd="sng" algn="ctr">
+        <a:solidFill>
+          <a:schemeClr val="tx1">
+            <a:lumMod val="35000"/>
+            <a:lumOff val="65000"/>
+          </a:schemeClr>
+        </a:solidFill>
+        <a:round/>
+      </a:ln>
+    </cs:spPr>
+  </cs:seriesLine>
+  <cs:title>
+    <cs:lnRef idx="0"/>
+    <cs:fillRef idx="0"/>
+    <cs:effectRef idx="0"/>
+    <cs:fontRef idx="minor">
+      <a:schemeClr val="tx1">
+        <a:lumMod val="65000"/>
+        <a:lumOff val="35000"/>
+      </a:schemeClr>
+    </cs:fontRef>
+    <cs:defRPr sz="1862" b="0" kern="1200" spc="0" baseline="0"/>
+  </cs:title>
+  <cs:trendline>
+    <cs:lnRef idx="0">
+      <cs:styleClr val="auto"/>
+    </cs:lnRef>
+    <cs:fillRef idx="0"/>
+    <cs:effectRef idx="0"/>
+    <cs:fontRef idx="minor">
+      <a:schemeClr val="tx1"/>
+    </cs:fontRef>
+    <cs:spPr>
+      <a:ln w="19050" cap="rnd">
+        <a:solidFill>
+          <a:schemeClr val="phClr"/>
+        </a:solidFill>
+        <a:prstDash val="sysDot"/>
+      </a:ln>
+    </cs:spPr>
+  </cs:trendline>
+  <cs:trendlineLabel>
+    <cs:lnRef idx="0"/>
+    <cs:fillRef idx="0"/>
+    <cs:effectRef idx="0"/>
+    <cs:fontRef idx="minor">
+      <a:schemeClr val="tx1">
+        <a:lumMod val="65000"/>
+        <a:lumOff val="35000"/>
+      </a:schemeClr>
+    </cs:fontRef>
+    <cs:defRPr sz="1197" kern="1200"/>
+  </cs:trendlineLabel>
+  <cs:upBar>
+    <cs:lnRef idx="0"/>
+    <cs:fillRef idx="0"/>
+    <cs:effectRef idx="0"/>
+    <cs:fontRef idx="minor">
+      <a:schemeClr val="tx1"/>
+    </cs:fontRef>
+    <cs:spPr>
+      <a:solidFill>
+        <a:schemeClr val="lt1"/>
+      </a:solidFill>
+      <a:ln w="9525" cap="flat" cmpd="sng" algn="ctr">
+        <a:solidFill>
+          <a:schemeClr val="tx1">
+            <a:lumMod val="65000"/>
+            <a:lumOff val="35000"/>
+          </a:schemeClr>
+        </a:solidFill>
+        <a:round/>
+      </a:ln>
+    </cs:spPr>
+  </cs:upBar>
+  <cs:valueAxis>
+    <cs:lnRef idx="0"/>
+    <cs:fillRef idx="0"/>
+    <cs:effectRef idx="0"/>
+    <cs:fontRef idx="minor">
+      <a:schemeClr val="tx1">
+        <a:lumMod val="65000"/>
+        <a:lumOff val="35000"/>
+      </a:schemeClr>
+    </cs:fontRef>
+    <cs:defRPr sz="1197" kern="1200"/>
+  </cs:valueAxis>
+  <cs:wall>
+    <cs:lnRef idx="0"/>
+    <cs:fillRef idx="0"/>
+    <cs:effectRef idx="0"/>
+    <cs:fontRef idx="minor">
+      <a:schemeClr val="tx1"/>
+    </cs:fontRef>
+    <cs:spPr>
+      <a:noFill/>
+      <a:ln>
+        <a:noFill/>
+      </a:ln>
+    </cs:spPr>
+  </cs:wall>
+</cs:chartStyle>
+</file>
+
+<file path=ppt/charts/style2.xml><?xml version="1.0" encoding="utf-8"?>
+<cs:chartStyle xmlns:cs="http://schemas.microsoft.com/office/drawing/2012/chartStyle" xmlns:a="http://schemas.openxmlformats.org/drawingml/2006/main" id="251">
+  <cs:axisTitle>
+    <cs:lnRef idx="0"/>
+    <cs:fillRef idx="0"/>
+    <cs:effectRef idx="0"/>
+    <cs:fontRef idx="minor">
+      <a:schemeClr val="tx1">
+        <a:lumMod val="65000"/>
+        <a:lumOff val="35000"/>
+      </a:schemeClr>
+    </cs:fontRef>
+    <cs:defRPr sz="1330" kern="1200"/>
+  </cs:axisTitle>
+  <cs:categoryAxis>
+    <cs:lnRef idx="0"/>
+    <cs:fillRef idx="0"/>
+    <cs:effectRef idx="0"/>
+    <cs:fontRef idx="minor">
+      <a:schemeClr val="tx1">
+        <a:lumMod val="65000"/>
+        <a:lumOff val="35000"/>
+      </a:schemeClr>
+    </cs:fontRef>
+    <cs:spPr>
+      <a:ln w="9525" cap="flat" cmpd="sng" algn="ctr">
+        <a:solidFill>
+          <a:schemeClr val="tx1">
+            <a:lumMod val="15000"/>
+            <a:lumOff val="85000"/>
+          </a:schemeClr>
+        </a:solidFill>
+        <a:round/>
+      </a:ln>
+    </cs:spPr>
+    <cs:defRPr sz="1197" kern="1200"/>
+  </cs:categoryAxis>
+  <cs:chartArea mods="allowNoFillOverride allowNoLineOverride">
+    <cs:lnRef idx="0"/>
+    <cs:fillRef idx="0"/>
+    <cs:effectRef idx="0"/>
+    <cs:fontRef idx="minor">
+      <a:schemeClr val="tx1"/>
+    </cs:fontRef>
+    <cs:spPr>
+      <a:solidFill>
+        <a:schemeClr val="bg1"/>
+      </a:solidFill>
+      <a:ln w="9525" cap="flat" cmpd="sng" algn="ctr">
+        <a:solidFill>
+          <a:schemeClr val="tx1">
+            <a:lumMod val="15000"/>
+            <a:lumOff val="85000"/>
+          </a:schemeClr>
+        </a:solidFill>
+        <a:round/>
+      </a:ln>
+    </cs:spPr>
+    <cs:defRPr sz="1197" kern="1200"/>
+  </cs:chartArea>
+  <cs:dataLabel>
+    <cs:lnRef idx="0"/>
+    <cs:fillRef idx="0"/>
+    <cs:effectRef idx="0"/>
+    <cs:fontRef idx="minor">
+      <a:schemeClr val="tx1">
+        <a:lumMod val="75000"/>
+        <a:lumOff val="25000"/>
+      </a:schemeClr>
+    </cs:fontRef>
+    <cs:defRPr sz="1197" kern="1200"/>
+  </cs:dataLabel>
+  <cs:dataLabelCallout>
+    <cs:lnRef idx="0"/>
+    <cs:fillRef idx="0"/>
+    <cs:effectRef idx="0"/>
+    <cs:fontRef idx="minor">
+      <a:schemeClr val="dk1">
+        <a:lumMod val="65000"/>
+        <a:lumOff val="35000"/>
+      </a:schemeClr>
+    </cs:fontRef>
+    <cs:spPr>
+      <a:solidFill>
+        <a:schemeClr val="lt1"/>
+      </a:solidFill>
+      <a:ln>
+        <a:solidFill>
+          <a:schemeClr val="dk1">
+            <a:lumMod val="25000"/>
+            <a:lumOff val="75000"/>
+          </a:schemeClr>
+        </a:solidFill>
+      </a:ln>
+    </cs:spPr>
+    <cs:defRPr sz="1197" kern="1200"/>
+    <cs:bodyPr rot="0" spcFirstLastPara="1" vertOverflow="clip" horzOverflow="clip" vert="horz" wrap="square" lIns="36576" tIns="18288" rIns="36576" bIns="18288" anchor="ctr" anchorCtr="1">
+      <a:spAutoFit/>
+    </cs:bodyPr>
+  </cs:dataLabelCallout>
+  <cs:dataPoint>
+    <cs:lnRef idx="0"/>
+    <cs:fillRef idx="1">
+      <cs:styleClr val="auto"/>
+    </cs:fillRef>
+    <cs:effectRef idx="0"/>
+    <cs:fontRef idx="minor">
+      <a:schemeClr val="tx1"/>
+    </cs:fontRef>
+    <cs:spPr>
+      <a:ln w="19050">
+        <a:solidFill>
+          <a:schemeClr val="lt1"/>
+        </a:solidFill>
+      </a:ln>
+    </cs:spPr>
+  </cs:dataPoint>
+  <cs:dataPoint3D>
+    <cs:lnRef idx="0"/>
+    <cs:fillRef idx="1">
+      <cs:styleClr val="auto"/>
+    </cs:fillRef>
+    <cs:effectRef idx="0"/>
+    <cs:fontRef idx="minor">
+      <a:schemeClr val="tx1"/>
+    </cs:fontRef>
+    <cs:spPr>
+      <a:ln w="25400">
+        <a:solidFill>
+          <a:schemeClr val="lt1"/>
+        </a:solidFill>
+      </a:ln>
+    </cs:spPr>
+  </cs:dataPoint3D>
+  <cs:dataPointLine>
+    <cs:lnRef idx="0">
+      <cs:styleClr val="auto"/>
+    </cs:lnRef>
+    <cs:fillRef idx="0"/>
+    <cs:effectRef idx="0"/>
+    <cs:fontRef idx="minor">
+      <a:schemeClr val="tx1"/>
+    </cs:fontRef>
+    <cs:spPr>
+      <a:ln w="28575" cap="rnd">
+        <a:solidFill>
+          <a:schemeClr val="phClr"/>
+        </a:solidFill>
+        <a:round/>
+      </a:ln>
+    </cs:spPr>
+  </cs:dataPointLine>
+  <cs:dataPointMarker>
+    <cs:lnRef idx="0">
+      <cs:styleClr val="auto"/>
+    </cs:lnRef>
+    <cs:fillRef idx="1">
+      <cs:styleClr val="auto"/>
+    </cs:fillRef>
+    <cs:effectRef idx="0"/>
+    <cs:fontRef idx="minor">
+      <a:schemeClr val="tx1"/>
+    </cs:fontRef>
+    <cs:spPr>
+      <a:ln w="9525">
+        <a:solidFill>
+          <a:schemeClr val="phClr"/>
+        </a:solidFill>
+      </a:ln>
+    </cs:spPr>
+  </cs:dataPointMarker>
+  <cs:dataPointMarkerLayout symbol="circle" size="5"/>
+  <cs:dataPointWireframe>
+    <cs:lnRef idx="0">
+      <cs:styleClr val="auto"/>
+    </cs:lnRef>
+    <cs:fillRef idx="0"/>
+    <cs:effectRef idx="0"/>
+    <cs:fontRef idx="minor">
+      <a:schemeClr val="tx1"/>
+    </cs:fontRef>
+    <cs:spPr>
+      <a:ln w="9525" cap="rnd">
+        <a:solidFill>
+          <a:schemeClr val="phClr"/>
+        </a:solidFill>
+        <a:round/>
+      </a:ln>
+    </cs:spPr>
+  </cs:dataPointWireframe>
+  <cs:dataTable>
+    <cs:lnRef idx="0"/>
+    <cs:fillRef idx="0"/>
+    <cs:effectRef idx="0"/>
+    <cs:fontRef idx="minor">
+      <a:schemeClr val="tx1">
+        <a:lumMod val="65000"/>
+        <a:lumOff val="35000"/>
+      </a:schemeClr>
+    </cs:fontRef>
+    <cs:spPr>
+      <a:noFill/>
+      <a:ln w="9525" cap="flat" cmpd="sng" algn="ctr">
+        <a:solidFill>
+          <a:schemeClr val="tx1">
+            <a:lumMod val="15000"/>
+            <a:lumOff val="85000"/>
+          </a:schemeClr>
+        </a:solidFill>
+        <a:round/>
+      </a:ln>
+    </cs:spPr>
+    <cs:defRPr sz="1197" kern="1200"/>
+  </cs:dataTable>
+  <cs:downBar>
+    <cs:lnRef idx="0"/>
+    <cs:fillRef idx="0"/>
+    <cs:effectRef idx="0"/>
+    <cs:fontRef idx="minor">
+      <a:schemeClr val="tx1"/>
+    </cs:fontRef>
+    <cs:spPr>
+      <a:solidFill>
+        <a:schemeClr val="dk1">
+          <a:lumMod val="75000"/>
+          <a:lumOff val="25000"/>
+        </a:schemeClr>
+      </a:solidFill>
+      <a:ln w="9525" cap="flat" cmpd="sng" algn="ctr">
+        <a:solidFill>
+          <a:schemeClr val="tx1">
+            <a:lumMod val="65000"/>
+            <a:lumOff val="35000"/>
+          </a:schemeClr>
+        </a:solidFill>
+        <a:round/>
+      </a:ln>
+    </cs:spPr>
+  </cs:downBar>
+  <cs:dropLine>
+    <cs:lnRef idx="0"/>
+    <cs:fillRef idx="0"/>
+    <cs:effectRef idx="0"/>
+    <cs:fontRef idx="minor">
+      <a:schemeClr val="tx1"/>
+    </cs:fontRef>
+    <cs:spPr>
+      <a:ln w="9525" cap="flat" cmpd="sng" algn="ctr">
+        <a:solidFill>
+          <a:schemeClr val="tx1">
+            <a:lumMod val="35000"/>
+            <a:lumOff val="65000"/>
+          </a:schemeClr>
+        </a:solidFill>
+        <a:round/>
+      </a:ln>
+    </cs:spPr>
+  </cs:dropLine>
+  <cs:errorBar>
+    <cs:lnRef idx="0"/>
+    <cs:fillRef idx="0"/>
+    <cs:effectRef idx="0"/>
+    <cs:fontRef idx="minor">
+      <a:schemeClr val="tx1"/>
+    </cs:fontRef>
+    <cs:spPr>
+      <a:ln w="9525" cap="flat" cmpd="sng" algn="ctr">
+        <a:solidFill>
+          <a:schemeClr val="tx1">
+            <a:lumMod val="65000"/>
+            <a:lumOff val="35000"/>
+          </a:schemeClr>
+        </a:solidFill>
+        <a:round/>
+      </a:ln>
+    </cs:spPr>
+  </cs:errorBar>
+  <cs:floor>
+    <cs:lnRef idx="0"/>
+    <cs:fillRef idx="0"/>
+    <cs:effectRef idx="0"/>
+    <cs:fontRef idx="minor">
+      <a:schemeClr val="tx1"/>
+    </cs:fontRef>
+    <cs:spPr>
+      <a:noFill/>
+      <a:ln>
+        <a:noFill/>
+      </a:ln>
+    </cs:spPr>
+  </cs:floor>
+  <cs:gridlineMajor>
+    <cs:lnRef idx="0"/>
+    <cs:fillRef idx="0"/>
+    <cs:effectRef idx="0"/>
+    <cs:fontRef idx="minor">
+      <a:schemeClr val="tx1"/>
+    </cs:fontRef>
+    <cs:spPr>
+      <a:ln w="9525" cap="flat" cmpd="sng" algn="ctr">
+        <a:solidFill>
+          <a:schemeClr val="tx1">
+            <a:lumMod val="15000"/>
+            <a:lumOff val="85000"/>
+          </a:schemeClr>
+        </a:solidFill>
+        <a:round/>
+      </a:ln>
+    </cs:spPr>
+  </cs:gridlineMajor>
+  <cs:gridlineMinor>
+    <cs:lnRef idx="0"/>
+    <cs:fillRef idx="0"/>
+    <cs:effectRef idx="0"/>
+    <cs:fontRef idx="minor">
+      <a:schemeClr val="tx1"/>
+    </cs:fontRef>
+    <cs:spPr>
+      <a:ln w="9525" cap="flat" cmpd="sng" algn="ctr">
+        <a:solidFill>
+          <a:schemeClr val="tx1">
+            <a:lumMod val="5000"/>
+            <a:lumOff val="95000"/>
+          </a:schemeClr>
+        </a:solidFill>
+        <a:round/>
+      </a:ln>
+    </cs:spPr>
+  </cs:gridlineMinor>
+  <cs:hiLoLine>
+    <cs:lnRef idx="0"/>
+    <cs:fillRef idx="0"/>
+    <cs:effectRef idx="0"/>
+    <cs:fontRef idx="minor">
+      <a:schemeClr val="tx1"/>
+    </cs:fontRef>
+    <cs:spPr>
+      <a:ln w="9525" cap="flat" cmpd="sng" algn="ctr">
+        <a:solidFill>
+          <a:schemeClr val="tx1">
+            <a:lumMod val="50000"/>
+            <a:lumOff val="50000"/>
+          </a:schemeClr>
+        </a:solidFill>
+        <a:round/>
+      </a:ln>
+    </cs:spPr>
+  </cs:hiLoLine>
+  <cs:leaderLine>
+    <cs:lnRef idx="0"/>
+    <cs:fillRef idx="0"/>
+    <cs:effectRef idx="0"/>
+    <cs:fontRef idx="minor">
+      <a:schemeClr val="tx1"/>
+    </cs:fontRef>
+    <cs:spPr>
+      <a:ln w="9525" cap="flat" cmpd="sng" algn="ctr">
+        <a:solidFill>
+          <a:schemeClr val="tx1">
+            <a:lumMod val="35000"/>
+            <a:lumOff val="65000"/>
+          </a:schemeClr>
+        </a:solidFill>
+        <a:round/>
+      </a:ln>
+    </cs:spPr>
+  </cs:leaderLine>
+  <cs:legend>
+    <cs:lnRef idx="0"/>
+    <cs:fillRef idx="0"/>
+    <cs:effectRef idx="0"/>
+    <cs:fontRef idx="minor">
+      <a:schemeClr val="tx1">
+        <a:lumMod val="65000"/>
+        <a:lumOff val="35000"/>
+      </a:schemeClr>
+    </cs:fontRef>
+    <cs:defRPr sz="1197" kern="1200"/>
+  </cs:legend>
+  <cs:plotArea mods="allowNoFillOverride allowNoLineOverride">
+    <cs:lnRef idx="0"/>
+    <cs:fillRef idx="0"/>
+    <cs:effectRef idx="0"/>
+    <cs:fontRef idx="minor">
+      <a:schemeClr val="tx1"/>
+    </cs:fontRef>
+  </cs:plotArea>
+  <cs:plotArea3D mods="allowNoFillOverride allowNoLineOverride">
+    <cs:lnRef idx="0"/>
+    <cs:fillRef idx="0"/>
+    <cs:effectRef idx="0"/>
+    <cs:fontRef idx="minor">
+      <a:schemeClr val="tx1"/>
+    </cs:fontRef>
+  </cs:plotArea3D>
+  <cs:seriesAxis>
+    <cs:lnRef idx="0"/>
+    <cs:fillRef idx="0"/>
+    <cs:effectRef idx="0"/>
+    <cs:fontRef idx="minor">
+      <a:schemeClr val="tx1">
+        <a:lumMod val="65000"/>
+        <a:lumOff val="35000"/>
+      </a:schemeClr>
+    </cs:fontRef>
+    <cs:defRPr sz="1197" kern="1200"/>
+  </cs:seriesAxis>
+  <cs:seriesLine>
+    <cs:lnRef idx="0"/>
+    <cs:fillRef idx="0"/>
+    <cs:effectRef idx="0"/>
+    <cs:fontRef idx="minor">
+      <a:schemeClr val="tx1"/>
+    </cs:fontRef>
+    <cs:spPr>
+      <a:ln w="9525" cap="flat" cmpd="sng" algn="ctr">
+        <a:solidFill>
+          <a:schemeClr val="tx1">
+            <a:lumMod val="35000"/>
+            <a:lumOff val="65000"/>
+          </a:schemeClr>
+        </a:solidFill>
+        <a:round/>
+      </a:ln>
+    </cs:spPr>
+  </cs:seriesLine>
+  <cs:title>
+    <cs:lnRef idx="0"/>
+    <cs:fillRef idx="0"/>
+    <cs:effectRef idx="0"/>
+    <cs:fontRef idx="minor">
+      <a:schemeClr val="tx1">
+        <a:lumMod val="65000"/>
+        <a:lumOff val="35000"/>
+      </a:schemeClr>
+    </cs:fontRef>
+    <cs:defRPr sz="1862" b="0" kern="1200" spc="0" baseline="0"/>
+  </cs:title>
+  <cs:trendline>
+    <cs:lnRef idx="0">
+      <cs:styleClr val="auto"/>
+    </cs:lnRef>
+    <cs:fillRef idx="0"/>
+    <cs:effectRef idx="0"/>
+    <cs:fontRef idx="minor">
+      <a:schemeClr val="tx1"/>
+    </cs:fontRef>
+    <cs:spPr>
+      <a:ln w="19050" cap="rnd">
+        <a:solidFill>
+          <a:schemeClr val="phClr"/>
+        </a:solidFill>
+        <a:prstDash val="sysDot"/>
+      </a:ln>
+    </cs:spPr>
+  </cs:trendline>
+  <cs:trendlineLabel>
+    <cs:lnRef idx="0"/>
+    <cs:fillRef idx="0"/>
+    <cs:effectRef idx="0"/>
+    <cs:fontRef idx="minor">
+      <a:schemeClr val="tx1">
+        <a:lumMod val="65000"/>
+        <a:lumOff val="35000"/>
+      </a:schemeClr>
+    </cs:fontRef>
+    <cs:defRPr sz="1197" kern="1200"/>
+  </cs:trendlineLabel>
+  <cs:upBar>
+    <cs:lnRef idx="0"/>
+    <cs:fillRef idx="0"/>
+    <cs:effectRef idx="0"/>
+    <cs:fontRef idx="minor">
+      <a:schemeClr val="tx1"/>
+    </cs:fontRef>
+    <cs:spPr>
+      <a:solidFill>
+        <a:schemeClr val="lt1"/>
+      </a:solidFill>
+      <a:ln w="9525" cap="flat" cmpd="sng" algn="ctr">
+        <a:solidFill>
+          <a:schemeClr val="tx1">
+            <a:lumMod val="65000"/>
+            <a:lumOff val="35000"/>
+          </a:schemeClr>
+        </a:solidFill>
+        <a:round/>
+      </a:ln>
+    </cs:spPr>
+  </cs:upBar>
+  <cs:valueAxis>
+    <cs:lnRef idx="0"/>
+    <cs:fillRef idx="0"/>
+    <cs:effectRef idx="0"/>
+    <cs:fontRef idx="minor">
+      <a:schemeClr val="tx1">
+        <a:lumMod val="65000"/>
+        <a:lumOff val="35000"/>
+      </a:schemeClr>
+    </cs:fontRef>
+    <cs:defRPr sz="1197" kern="1200"/>
+  </cs:valueAxis>
+  <cs:wall>
+    <cs:lnRef idx="0"/>
+    <cs:fillRef idx="0"/>
+    <cs:effectRef idx="0"/>
+    <cs:fontRef idx="minor">
+      <a:schemeClr val="tx1"/>
+    </cs:fontRef>
+    <cs:spPr>
+      <a:noFill/>
+      <a:ln>
+        <a:noFill/>
+      </a:ln>
+    </cs:spPr>
+  </cs:wall>
+</cs:chartStyle>
+</file>
+
+<file path=ppt/charts/style3.xml><?xml version="1.0" encoding="utf-8"?>
+<cs:chartStyle xmlns:cs="http://schemas.microsoft.com/office/drawing/2012/chartStyle" xmlns:a="http://schemas.openxmlformats.org/drawingml/2006/main" id="251">
+  <cs:axisTitle>
+    <cs:lnRef idx="0"/>
+    <cs:fillRef idx="0"/>
+    <cs:effectRef idx="0"/>
+    <cs:fontRef idx="minor">
+      <a:schemeClr val="tx1">
+        <a:lumMod val="65000"/>
+        <a:lumOff val="35000"/>
+      </a:schemeClr>
+    </cs:fontRef>
+    <cs:defRPr sz="1330" kern="1200"/>
+  </cs:axisTitle>
+  <cs:categoryAxis>
+    <cs:lnRef idx="0"/>
+    <cs:fillRef idx="0"/>
+    <cs:effectRef idx="0"/>
+    <cs:fontRef idx="minor">
+      <a:schemeClr val="tx1">
+        <a:lumMod val="65000"/>
+        <a:lumOff val="35000"/>
+      </a:schemeClr>
+    </cs:fontRef>
+    <cs:spPr>
+      <a:ln w="9525" cap="flat" cmpd="sng" algn="ctr">
+        <a:solidFill>
+          <a:schemeClr val="tx1">
+            <a:lumMod val="15000"/>
+            <a:lumOff val="85000"/>
+          </a:schemeClr>
+        </a:solidFill>
+        <a:round/>
+      </a:ln>
+    </cs:spPr>
+    <cs:defRPr sz="1197" kern="1200"/>
+  </cs:categoryAxis>
+  <cs:chartArea mods="allowNoFillOverride allowNoLineOverride">
+    <cs:lnRef idx="0"/>
+    <cs:fillRef idx="0"/>
+    <cs:effectRef idx="0"/>
+    <cs:fontRef idx="minor">
+      <a:schemeClr val="tx1"/>
+    </cs:fontRef>
+    <cs:spPr>
+      <a:solidFill>
+        <a:schemeClr val="bg1"/>
+      </a:solidFill>
+      <a:ln w="9525" cap="flat" cmpd="sng" algn="ctr">
+        <a:solidFill>
+          <a:schemeClr val="tx1">
+            <a:lumMod val="15000"/>
+            <a:lumOff val="85000"/>
+          </a:schemeClr>
+        </a:solidFill>
+        <a:round/>
+      </a:ln>
+    </cs:spPr>
+    <cs:defRPr sz="1197" kern="1200"/>
+  </cs:chartArea>
+  <cs:dataLabel>
+    <cs:lnRef idx="0"/>
+    <cs:fillRef idx="0"/>
+    <cs:effectRef idx="0"/>
+    <cs:fontRef idx="minor">
+      <a:schemeClr val="tx1">
+        <a:lumMod val="75000"/>
+        <a:lumOff val="25000"/>
+      </a:schemeClr>
+    </cs:fontRef>
+    <cs:defRPr sz="1197" kern="1200"/>
+  </cs:dataLabel>
+  <cs:dataLabelCallout>
+    <cs:lnRef idx="0"/>
+    <cs:fillRef idx="0"/>
+    <cs:effectRef idx="0"/>
+    <cs:fontRef idx="minor">
+      <a:schemeClr val="dk1">
+        <a:lumMod val="65000"/>
+        <a:lumOff val="35000"/>
+      </a:schemeClr>
+    </cs:fontRef>
+    <cs:spPr>
+      <a:solidFill>
+        <a:schemeClr val="lt1"/>
+      </a:solidFill>
+      <a:ln>
+        <a:solidFill>
+          <a:schemeClr val="dk1">
+            <a:lumMod val="25000"/>
+            <a:lumOff val="75000"/>
+          </a:schemeClr>
+        </a:solidFill>
+      </a:ln>
+    </cs:spPr>
+    <cs:defRPr sz="1197" kern="1200"/>
+    <cs:bodyPr rot="0" spcFirstLastPara="1" vertOverflow="clip" horzOverflow="clip" vert="horz" wrap="square" lIns="36576" tIns="18288" rIns="36576" bIns="18288" anchor="ctr" anchorCtr="1">
+      <a:spAutoFit/>
+    </cs:bodyPr>
+  </cs:dataLabelCallout>
+  <cs:dataPoint>
+    <cs:lnRef idx="0"/>
+    <cs:fillRef idx="1">
+      <cs:styleClr val="auto"/>
+    </cs:fillRef>
+    <cs:effectRef idx="0"/>
+    <cs:fontRef idx="minor">
+      <a:schemeClr val="tx1"/>
+    </cs:fontRef>
+    <cs:spPr>
+      <a:ln w="19050">
+        <a:solidFill>
+          <a:schemeClr val="lt1"/>
+        </a:solidFill>
+      </a:ln>
+    </cs:spPr>
+  </cs:dataPoint>
+  <cs:dataPoint3D>
+    <cs:lnRef idx="0"/>
+    <cs:fillRef idx="1">
+      <cs:styleClr val="auto"/>
+    </cs:fillRef>
+    <cs:effectRef idx="0"/>
+    <cs:fontRef idx="minor">
+      <a:schemeClr val="tx1"/>
+    </cs:fontRef>
+    <cs:spPr>
+      <a:ln w="25400">
+        <a:solidFill>
+          <a:schemeClr val="lt1"/>
+        </a:solidFill>
+      </a:ln>
+    </cs:spPr>
+  </cs:dataPoint3D>
+  <cs:dataPointLine>
+    <cs:lnRef idx="0">
+      <cs:styleClr val="auto"/>
+    </cs:lnRef>
+    <cs:fillRef idx="0"/>
+    <cs:effectRef idx="0"/>
+    <cs:fontRef idx="minor">
+      <a:schemeClr val="tx1"/>
+    </cs:fontRef>
+    <cs:spPr>
+      <a:ln w="28575" cap="rnd">
+        <a:solidFill>
+          <a:schemeClr val="phClr"/>
+        </a:solidFill>
+        <a:round/>
+      </a:ln>
+    </cs:spPr>
+  </cs:dataPointLine>
+  <cs:dataPointMarker>
+    <cs:lnRef idx="0">
+      <cs:styleClr val="auto"/>
+    </cs:lnRef>
+    <cs:fillRef idx="1">
+      <cs:styleClr val="auto"/>
+    </cs:fillRef>
+    <cs:effectRef idx="0"/>
+    <cs:fontRef idx="minor">
+      <a:schemeClr val="tx1"/>
+    </cs:fontRef>
+    <cs:spPr>
+      <a:ln w="9525">
+        <a:solidFill>
+          <a:schemeClr val="phClr"/>
+        </a:solidFill>
+      </a:ln>
+    </cs:spPr>
+  </cs:dataPointMarker>
+  <cs:dataPointMarkerLayout symbol="circle" size="5"/>
+  <cs:dataPointWireframe>
+    <cs:lnRef idx="0">
+      <cs:styleClr val="auto"/>
+    </cs:lnRef>
+    <cs:fillRef idx="0"/>
+    <cs:effectRef idx="0"/>
+    <cs:fontRef idx="minor">
+      <a:schemeClr val="tx1"/>
+    </cs:fontRef>
+    <cs:spPr>
+      <a:ln w="9525" cap="rnd">
+        <a:solidFill>
+          <a:schemeClr val="phClr"/>
+        </a:solidFill>
+        <a:round/>
+      </a:ln>
+    </cs:spPr>
+  </cs:dataPointWireframe>
+  <cs:dataTable>
+    <cs:lnRef idx="0"/>
+    <cs:fillRef idx="0"/>
+    <cs:effectRef idx="0"/>
+    <cs:fontRef idx="minor">
+      <a:schemeClr val="tx1">
+        <a:lumMod val="65000"/>
+        <a:lumOff val="35000"/>
+      </a:schemeClr>
+    </cs:fontRef>
+    <cs:spPr>
+      <a:noFill/>
+      <a:ln w="9525" cap="flat" cmpd="sng" algn="ctr">
+        <a:solidFill>
+          <a:schemeClr val="tx1">
+            <a:lumMod val="15000"/>
+            <a:lumOff val="85000"/>
+          </a:schemeClr>
+        </a:solidFill>
+        <a:round/>
+      </a:ln>
+    </cs:spPr>
+    <cs:defRPr sz="1197" kern="1200"/>
+  </cs:dataTable>
+  <cs:downBar>
+    <cs:lnRef idx="0"/>
+    <cs:fillRef idx="0"/>
+    <cs:effectRef idx="0"/>
+    <cs:fontRef idx="minor">
+      <a:schemeClr val="tx1"/>
+    </cs:fontRef>
+    <cs:spPr>
+      <a:solidFill>
+        <a:schemeClr val="dk1">
+          <a:lumMod val="75000"/>
+          <a:lumOff val="25000"/>
+        </a:schemeClr>
+      </a:solidFill>
+      <a:ln w="9525" cap="flat" cmpd="sng" algn="ctr">
+        <a:solidFill>
+          <a:schemeClr val="tx1">
+            <a:lumMod val="65000"/>
+            <a:lumOff val="35000"/>
+          </a:schemeClr>
+        </a:solidFill>
+        <a:round/>
+      </a:ln>
+    </cs:spPr>
+  </cs:downBar>
+  <cs:dropLine>
+    <cs:lnRef idx="0"/>
+    <cs:fillRef idx="0"/>
+    <cs:effectRef idx="0"/>
+    <cs:fontRef idx="minor">
+      <a:schemeClr val="tx1"/>
+    </cs:fontRef>
+    <cs:spPr>
+      <a:ln w="9525" cap="flat" cmpd="sng" algn="ctr">
+        <a:solidFill>
+          <a:schemeClr val="tx1">
+            <a:lumMod val="35000"/>
+            <a:lumOff val="65000"/>
+          </a:schemeClr>
+        </a:solidFill>
+        <a:round/>
+      </a:ln>
+    </cs:spPr>
+  </cs:dropLine>
+  <cs:errorBar>
+    <cs:lnRef idx="0"/>
+    <cs:fillRef idx="0"/>
+    <cs:effectRef idx="0"/>
+    <cs:fontRef idx="minor">
+      <a:schemeClr val="tx1"/>
+    </cs:fontRef>
+    <cs:spPr>
+      <a:ln w="9525" cap="flat" cmpd="sng" algn="ctr">
+        <a:solidFill>
+          <a:schemeClr val="tx1">
+            <a:lumMod val="65000"/>
+            <a:lumOff val="35000"/>
+          </a:schemeClr>
+        </a:solidFill>
+        <a:round/>
+      </a:ln>
+    </cs:spPr>
+  </cs:errorBar>
+  <cs:floor>
+    <cs:lnRef idx="0"/>
+    <cs:fillRef idx="0"/>
+    <cs:effectRef idx="0"/>
+    <cs:fontRef idx="minor">
+      <a:schemeClr val="tx1"/>
+    </cs:fontRef>
+    <cs:spPr>
+      <a:noFill/>
+      <a:ln>
+        <a:noFill/>
+      </a:ln>
+    </cs:spPr>
+  </cs:floor>
+  <cs:gridlineMajor>
+    <cs:lnRef idx="0"/>
+    <cs:fillRef idx="0"/>
+    <cs:effectRef idx="0"/>
+    <cs:fontRef idx="minor">
+      <a:schemeClr val="tx1"/>
+    </cs:fontRef>
+    <cs:spPr>
+      <a:ln w="9525" cap="flat" cmpd="sng" algn="ctr">
+        <a:solidFill>
+          <a:schemeClr val="tx1">
+            <a:lumMod val="15000"/>
+            <a:lumOff val="85000"/>
+          </a:schemeClr>
+        </a:solidFill>
+        <a:round/>
+      </a:ln>
+    </cs:spPr>
+  </cs:gridlineMajor>
+  <cs:gridlineMinor>
+    <cs:lnRef idx="0"/>
+    <cs:fillRef idx="0"/>
+    <cs:effectRef idx="0"/>
+    <cs:fontRef idx="minor">
+      <a:schemeClr val="tx1"/>
+    </cs:fontRef>
+    <cs:spPr>
+      <a:ln w="9525" cap="flat" cmpd="sng" algn="ctr">
+        <a:solidFill>
+          <a:schemeClr val="tx1">
+            <a:lumMod val="5000"/>
+            <a:lumOff val="95000"/>
+          </a:schemeClr>
+        </a:solidFill>
+        <a:round/>
+      </a:ln>
+    </cs:spPr>
+  </cs:gridlineMinor>
+  <cs:hiLoLine>
+    <cs:lnRef idx="0"/>
+    <cs:fillRef idx="0"/>
+    <cs:effectRef idx="0"/>
+    <cs:fontRef idx="minor">
+      <a:schemeClr val="tx1"/>
+    </cs:fontRef>
+    <cs:spPr>
+      <a:ln w="9525" cap="flat" cmpd="sng" algn="ctr">
+        <a:solidFill>
+          <a:schemeClr val="tx1">
+            <a:lumMod val="50000"/>
+            <a:lumOff val="50000"/>
+          </a:schemeClr>
+        </a:solidFill>
+        <a:round/>
+      </a:ln>
+    </cs:spPr>
+  </cs:hiLoLine>
+  <cs:leaderLine>
+    <cs:lnRef idx="0"/>
+    <cs:fillRef idx="0"/>
+    <cs:effectRef idx="0"/>
+    <cs:fontRef idx="minor">
+      <a:schemeClr val="tx1"/>
+    </cs:fontRef>
+    <cs:spPr>
+      <a:ln w="9525" cap="flat" cmpd="sng" algn="ctr">
+        <a:solidFill>
+          <a:schemeClr val="tx1">
+            <a:lumMod val="35000"/>
+            <a:lumOff val="65000"/>
+          </a:schemeClr>
+        </a:solidFill>
+        <a:round/>
+      </a:ln>
+    </cs:spPr>
+  </cs:leaderLine>
+  <cs:legend>
+    <cs:lnRef idx="0"/>
+    <cs:fillRef idx="0"/>
+    <cs:effectRef idx="0"/>
+    <cs:fontRef idx="minor">
+      <a:schemeClr val="tx1">
+        <a:lumMod val="65000"/>
+        <a:lumOff val="35000"/>
+      </a:schemeClr>
+    </cs:fontRef>
+    <cs:defRPr sz="1197" kern="1200"/>
+  </cs:legend>
+  <cs:plotArea mods="allowNoFillOverride allowNoLineOverride">
+    <cs:lnRef idx="0"/>
+    <cs:fillRef idx="0"/>
+    <cs:effectRef idx="0"/>
+    <cs:fontRef idx="minor">
+      <a:schemeClr val="tx1"/>
+    </cs:fontRef>
+  </cs:plotArea>
+  <cs:plotArea3D mods="allowNoFillOverride allowNoLineOverride">
+    <cs:lnRef idx="0"/>
+    <cs:fillRef idx="0"/>
+    <cs:effectRef idx="0"/>
+    <cs:fontRef idx="minor">
+      <a:schemeClr val="tx1"/>
+    </cs:fontRef>
+  </cs:plotArea3D>
+  <cs:seriesAxis>
+    <cs:lnRef idx="0"/>
+    <cs:fillRef idx="0"/>
+    <cs:effectRef idx="0"/>
+    <cs:fontRef idx="minor">
+      <a:schemeClr val="tx1">
+        <a:lumMod val="65000"/>
+        <a:lumOff val="35000"/>
+      </a:schemeClr>
+    </cs:fontRef>
+    <cs:defRPr sz="1197" kern="1200"/>
+  </cs:seriesAxis>
+  <cs:seriesLine>
+    <cs:lnRef idx="0"/>
+    <cs:fillRef idx="0"/>
+    <cs:effectRef idx="0"/>
+    <cs:fontRef idx="minor">
+      <a:schemeClr val="tx1"/>
+    </cs:fontRef>
+    <cs:spPr>
+      <a:ln w="9525" cap="flat" cmpd="sng" algn="ctr">
+        <a:solidFill>
+          <a:schemeClr val="tx1">
+            <a:lumMod val="35000"/>
+            <a:lumOff val="65000"/>
+          </a:schemeClr>
+        </a:solidFill>
+        <a:round/>
+      </a:ln>
+    </cs:spPr>
+  </cs:seriesLine>
+  <cs:title>
+    <cs:lnRef idx="0"/>
+    <cs:fillRef idx="0"/>
+    <cs:effectRef idx="0"/>
+    <cs:fontRef idx="minor">
+      <a:schemeClr val="tx1">
+        <a:lumMod val="65000"/>
+        <a:lumOff val="35000"/>
+      </a:schemeClr>
+    </cs:fontRef>
+    <cs:defRPr sz="1862" b="0" kern="1200" spc="0" baseline="0"/>
+  </cs:title>
+  <cs:trendline>
+    <cs:lnRef idx="0">
+      <cs:styleClr val="auto"/>
+    </cs:lnRef>
+    <cs:fillRef idx="0"/>
+    <cs:effectRef idx="0"/>
+    <cs:fontRef idx="minor">
+      <a:schemeClr val="tx1"/>
+    </cs:fontRef>
+    <cs:spPr>
+      <a:ln w="19050" cap="rnd">
+        <a:solidFill>
+          <a:schemeClr val="phClr"/>
+        </a:solidFill>
+        <a:prstDash val="sysDot"/>
+      </a:ln>
+    </cs:spPr>
+  </cs:trendline>
+  <cs:trendlineLabel>
+    <cs:lnRef idx="0"/>
+    <cs:fillRef idx="0"/>
+    <cs:effectRef idx="0"/>
+    <cs:fontRef idx="minor">
+      <a:schemeClr val="tx1">
+        <a:lumMod val="65000"/>
+        <a:lumOff val="35000"/>
+      </a:schemeClr>
+    </cs:fontRef>
+    <cs:defRPr sz="1197" kern="1200"/>
+  </cs:trendlineLabel>
+  <cs:upBar>
+    <cs:lnRef idx="0"/>
+    <cs:fillRef idx="0"/>
+    <cs:effectRef idx="0"/>
+    <cs:fontRef idx="minor">
+      <a:schemeClr val="tx1"/>
+    </cs:fontRef>
+    <cs:spPr>
+      <a:solidFill>
+        <a:schemeClr val="lt1"/>
+      </a:solidFill>
+      <a:ln w="9525" cap="flat" cmpd="sng" algn="ctr">
+        <a:solidFill>
+          <a:schemeClr val="tx1">
+            <a:lumMod val="65000"/>
+            <a:lumOff val="35000"/>
+          </a:schemeClr>
+        </a:solidFill>
+        <a:round/>
+      </a:ln>
+    </cs:spPr>
+  </cs:upBar>
+  <cs:valueAxis>
+    <cs:lnRef idx="0"/>
+    <cs:fillRef idx="0"/>
+    <cs:effectRef idx="0"/>
+    <cs:fontRef idx="minor">
+      <a:schemeClr val="tx1">
+        <a:lumMod val="65000"/>
+        <a:lumOff val="35000"/>
+      </a:schemeClr>
+    </cs:fontRef>
+    <cs:defRPr sz="1197" kern="1200"/>
+  </cs:valueAxis>
+  <cs:wall>
+    <cs:lnRef idx="0"/>
+    <cs:fillRef idx="0"/>
+    <cs:effectRef idx="0"/>
+    <cs:fontRef idx="minor">
+      <a:schemeClr val="tx1"/>
+    </cs:fontRef>
+    <cs:spPr>
+      <a:noFill/>
+      <a:ln>
+        <a:noFill/>
+      </a:ln>
+    </cs:spPr>
+  </cs:wall>
+</cs:chartStyle>
+</file>
+
+<file path=ppt/charts/style4.xml><?xml version="1.0" encoding="utf-8"?>
+<cs:chartStyle xmlns:cs="http://schemas.microsoft.com/office/drawing/2012/chartStyle" xmlns:a="http://schemas.openxmlformats.org/drawingml/2006/main" id="251">
+  <cs:axisTitle>
+    <cs:lnRef idx="0"/>
+    <cs:fillRef idx="0"/>
+    <cs:effectRef idx="0"/>
+    <cs:fontRef idx="minor">
+      <a:schemeClr val="tx1">
+        <a:lumMod val="65000"/>
+        <a:lumOff val="35000"/>
+      </a:schemeClr>
+    </cs:fontRef>
+    <cs:defRPr sz="1330" kern="1200"/>
+  </cs:axisTitle>
+  <cs:categoryAxis>
+    <cs:lnRef idx="0"/>
+    <cs:fillRef idx="0"/>
+    <cs:effectRef idx="0"/>
+    <cs:fontRef idx="minor">
+      <a:schemeClr val="tx1">
+        <a:lumMod val="65000"/>
+        <a:lumOff val="35000"/>
+      </a:schemeClr>
+    </cs:fontRef>
+    <cs:spPr>
+      <a:ln w="9525" cap="flat" cmpd="sng" algn="ctr">
+        <a:solidFill>
+          <a:schemeClr val="tx1">
+            <a:lumMod val="15000"/>
+            <a:lumOff val="85000"/>
+          </a:schemeClr>
+        </a:solidFill>
+        <a:round/>
+      </a:ln>
+    </cs:spPr>
+    <cs:defRPr sz="1197" kern="1200"/>
+  </cs:categoryAxis>
+  <cs:chartArea mods="allowNoFillOverride allowNoLineOverride">
+    <cs:lnRef idx="0"/>
+    <cs:fillRef idx="0"/>
+    <cs:effectRef idx="0"/>
+    <cs:fontRef idx="minor">
+      <a:schemeClr val="tx1"/>
+    </cs:fontRef>
+    <cs:spPr>
+      <a:solidFill>
+        <a:schemeClr val="bg1"/>
+      </a:solidFill>
+      <a:ln w="9525" cap="flat" cmpd="sng" algn="ctr">
+        <a:solidFill>
+          <a:schemeClr val="tx1">
+            <a:lumMod val="15000"/>
+            <a:lumOff val="85000"/>
+          </a:schemeClr>
+        </a:solidFill>
+        <a:round/>
+      </a:ln>
+    </cs:spPr>
+    <cs:defRPr sz="1197" kern="1200"/>
+  </cs:chartArea>
+  <cs:dataLabel>
+    <cs:lnRef idx="0"/>
+    <cs:fillRef idx="0"/>
+    <cs:effectRef idx="0"/>
+    <cs:fontRef idx="minor">
+      <a:schemeClr val="tx1">
+        <a:lumMod val="75000"/>
+        <a:lumOff val="25000"/>
+      </a:schemeClr>
+    </cs:fontRef>
+    <cs:defRPr sz="1197" kern="1200"/>
+  </cs:dataLabel>
+  <cs:dataLabelCallout>
+    <cs:lnRef idx="0"/>
+    <cs:fillRef idx="0"/>
+    <cs:effectRef idx="0"/>
+    <cs:fontRef idx="minor">
+      <a:schemeClr val="dk1">
+        <a:lumMod val="65000"/>
+        <a:lumOff val="35000"/>
+      </a:schemeClr>
+    </cs:fontRef>
+    <cs:spPr>
+      <a:solidFill>
+        <a:schemeClr val="lt1"/>
+      </a:solidFill>
+      <a:ln>
+        <a:solidFill>
+          <a:schemeClr val="dk1">
+            <a:lumMod val="25000"/>
+            <a:lumOff val="75000"/>
+          </a:schemeClr>
+        </a:solidFill>
+      </a:ln>
+    </cs:spPr>
+    <cs:defRPr sz="1197" kern="1200"/>
+    <cs:bodyPr rot="0" spcFirstLastPara="1" vertOverflow="clip" horzOverflow="clip" vert="horz" wrap="square" lIns="36576" tIns="18288" rIns="36576" bIns="18288" anchor="ctr" anchorCtr="1">
+      <a:spAutoFit/>
+    </cs:bodyPr>
+  </cs:dataLabelCallout>
+  <cs:dataPoint>
+    <cs:lnRef idx="0"/>
+    <cs:fillRef idx="1">
+      <cs:styleClr val="auto"/>
+    </cs:fillRef>
+    <cs:effectRef idx="0"/>
+    <cs:fontRef idx="minor">
+      <a:schemeClr val="tx1"/>
+    </cs:fontRef>
+    <cs:spPr>
+      <a:ln w="19050">
+        <a:solidFill>
+          <a:schemeClr val="lt1"/>
+        </a:solidFill>
+      </a:ln>
+    </cs:spPr>
+  </cs:dataPoint>
+  <cs:dataPoint3D>
+    <cs:lnRef idx="0"/>
+    <cs:fillRef idx="1">
+      <cs:styleClr val="auto"/>
+    </cs:fillRef>
+    <cs:effectRef idx="0"/>
+    <cs:fontRef idx="minor">
+      <a:schemeClr val="tx1"/>
+    </cs:fontRef>
+    <cs:spPr>
+      <a:ln w="25400">
+        <a:solidFill>
+          <a:schemeClr val="lt1"/>
+        </a:solidFill>
+      </a:ln>
+    </cs:spPr>
+  </cs:dataPoint3D>
+  <cs:dataPointLine>
+    <cs:lnRef idx="0">
+      <cs:styleClr val="auto"/>
+    </cs:lnRef>
+    <cs:fillRef idx="0"/>
+    <cs:effectRef idx="0"/>
+    <cs:fontRef idx="minor">
+      <a:schemeClr val="tx1"/>
+    </cs:fontRef>
+    <cs:spPr>
+      <a:ln w="28575" cap="rnd">
+        <a:solidFill>
+          <a:schemeClr val="phClr"/>
+        </a:solidFill>
+        <a:round/>
+      </a:ln>
+    </cs:spPr>
+  </cs:dataPointLine>
+  <cs:dataPointMarker>
+    <cs:lnRef idx="0">
+      <cs:styleClr val="auto"/>
+    </cs:lnRef>
+    <cs:fillRef idx="1">
+      <cs:styleClr val="auto"/>
+    </cs:fillRef>
+    <cs:effectRef idx="0"/>
+    <cs:fontRef idx="minor">
+      <a:schemeClr val="tx1"/>
+    </cs:fontRef>
+    <cs:spPr>
+      <a:ln w="9525">
+        <a:solidFill>
+          <a:schemeClr val="phClr"/>
+        </a:solidFill>
+      </a:ln>
+    </cs:spPr>
+  </cs:dataPointMarker>
+  <cs:dataPointMarkerLayout symbol="circle" size="5"/>
+  <cs:dataPointWireframe>
+    <cs:lnRef idx="0">
+      <cs:styleClr val="auto"/>
+    </cs:lnRef>
+    <cs:fillRef idx="0"/>
+    <cs:effectRef idx="0"/>
+    <cs:fontRef idx="minor">
+      <a:schemeClr val="tx1"/>
+    </cs:fontRef>
+    <cs:spPr>
+      <a:ln w="9525" cap="rnd">
+        <a:solidFill>
+          <a:schemeClr val="phClr"/>
+        </a:solidFill>
+        <a:round/>
+      </a:ln>
+    </cs:spPr>
+  </cs:dataPointWireframe>
+  <cs:dataTable>
+    <cs:lnRef idx="0"/>
+    <cs:fillRef idx="0"/>
+    <cs:effectRef idx="0"/>
+    <cs:fontRef idx="minor">
+      <a:schemeClr val="tx1">
+        <a:lumMod val="65000"/>
+        <a:lumOff val="35000"/>
+      </a:schemeClr>
+    </cs:fontRef>
+    <cs:spPr>
+      <a:noFill/>
+      <a:ln w="9525" cap="flat" cmpd="sng" algn="ctr">
+        <a:solidFill>
+          <a:schemeClr val="tx1">
+            <a:lumMod val="15000"/>
+            <a:lumOff val="85000"/>
+          </a:schemeClr>
+        </a:solidFill>
+        <a:round/>
+      </a:ln>
+    </cs:spPr>
+    <cs:defRPr sz="1197" kern="1200"/>
+  </cs:dataTable>
+  <cs:downBar>
+    <cs:lnRef idx="0"/>
+    <cs:fillRef idx="0"/>
+    <cs:effectRef idx="0"/>
+    <cs:fontRef idx="minor">
+      <a:schemeClr val="tx1"/>
+    </cs:fontRef>
+    <cs:spPr>
+      <a:solidFill>
+        <a:schemeClr val="dk1">
+          <a:lumMod val="75000"/>
+          <a:lumOff val="25000"/>
+        </a:schemeClr>
+      </a:solidFill>
+      <a:ln w="9525" cap="flat" cmpd="sng" algn="ctr">
+        <a:solidFill>
+          <a:schemeClr val="tx1">
+            <a:lumMod val="65000"/>
+            <a:lumOff val="35000"/>
+          </a:schemeClr>
+        </a:solidFill>
+        <a:round/>
+      </a:ln>
+    </cs:spPr>
+  </cs:downBar>
+  <cs:dropLine>
+    <cs:lnRef idx="0"/>
+    <cs:fillRef idx="0"/>
+    <cs:effectRef idx="0"/>
+    <cs:fontRef idx="minor">
+      <a:schemeClr val="tx1"/>
+    </cs:fontRef>
+    <cs:spPr>
+      <a:ln w="9525" cap="flat" cmpd="sng" algn="ctr">
+        <a:solidFill>
+          <a:schemeClr val="tx1">
+            <a:lumMod val="35000"/>
+            <a:lumOff val="65000"/>
+          </a:schemeClr>
+        </a:solidFill>
+        <a:round/>
+      </a:ln>
+    </cs:spPr>
+  </cs:dropLine>
+  <cs:errorBar>
+    <cs:lnRef idx="0"/>
+    <cs:fillRef idx="0"/>
+    <cs:effectRef idx="0"/>
+    <cs:fontRef idx="minor">
+      <a:schemeClr val="tx1"/>
+    </cs:fontRef>
+    <cs:spPr>
+      <a:ln w="9525" cap="flat" cmpd="sng" algn="ctr">
+        <a:solidFill>
+          <a:schemeClr val="tx1">
+            <a:lumMod val="65000"/>
+            <a:lumOff val="35000"/>
+          </a:schemeClr>
+        </a:solidFill>
+        <a:round/>
+      </a:ln>
+    </cs:spPr>
+  </cs:errorBar>
+  <cs:floor>
+    <cs:lnRef idx="0"/>
+    <cs:fillRef idx="0"/>
+    <cs:effectRef idx="0"/>
+    <cs:fontRef idx="minor">
+      <a:schemeClr val="tx1"/>
+    </cs:fontRef>
+    <cs:spPr>
+      <a:noFill/>
+      <a:ln>
+        <a:noFill/>
+      </a:ln>
+    </cs:spPr>
+  </cs:floor>
+  <cs:gridlineMajor>
+    <cs:lnRef idx="0"/>
+    <cs:fillRef idx="0"/>
+    <cs:effectRef idx="0"/>
+    <cs:fontRef idx="minor">
+      <a:schemeClr val="tx1"/>
+    </cs:fontRef>
+    <cs:spPr>
+      <a:ln w="9525" cap="flat" cmpd="sng" algn="ctr">
+        <a:solidFill>
+          <a:schemeClr val="tx1">
+            <a:lumMod val="15000"/>
+            <a:lumOff val="85000"/>
+          </a:schemeClr>
+        </a:solidFill>
+        <a:round/>
+      </a:ln>
+    </cs:spPr>
+  </cs:gridlineMajor>
+  <cs:gridlineMinor>
+    <cs:lnRef idx="0"/>
+    <cs:fillRef idx="0"/>
+    <cs:effectRef idx="0"/>
+    <cs:fontRef idx="minor">
+      <a:schemeClr val="tx1"/>
+    </cs:fontRef>
+    <cs:spPr>
+      <a:ln w="9525" cap="flat" cmpd="sng" algn="ctr">
+        <a:solidFill>
+          <a:schemeClr val="tx1">
+            <a:lumMod val="5000"/>
+            <a:lumOff val="95000"/>
+          </a:schemeClr>
+        </a:solidFill>
+        <a:round/>
+      </a:ln>
+    </cs:spPr>
+  </cs:gridlineMinor>
+  <cs:hiLoLine>
+    <cs:lnRef idx="0"/>
+    <cs:fillRef idx="0"/>
+    <cs:effectRef idx="0"/>
+    <cs:fontRef idx="minor">
+      <a:schemeClr val="tx1"/>
+    </cs:fontRef>
+    <cs:spPr>
+      <a:ln w="9525" cap="flat" cmpd="sng" algn="ctr">
+        <a:solidFill>
+          <a:schemeClr val="tx1">
+            <a:lumMod val="50000"/>
+            <a:lumOff val="50000"/>
+          </a:schemeClr>
+        </a:solidFill>
+        <a:round/>
+      </a:ln>
+    </cs:spPr>
+  </cs:hiLoLine>
+  <cs:leaderLine>
+    <cs:lnRef idx="0"/>
+    <cs:fillRef idx="0"/>
+    <cs:effectRef idx="0"/>
+    <cs:fontRef idx="minor">
+      <a:schemeClr val="tx1"/>
+    </cs:fontRef>
+    <cs:spPr>
+      <a:ln w="9525" cap="flat" cmpd="sng" algn="ctr">
+        <a:solidFill>
+          <a:schemeClr val="tx1">
+            <a:lumMod val="35000"/>
+            <a:lumOff val="65000"/>
+          </a:schemeClr>
+        </a:solidFill>
+        <a:round/>
+      </a:ln>
+    </cs:spPr>
+  </cs:leaderLine>
+  <cs:legend>
+    <cs:lnRef idx="0"/>
+    <cs:fillRef idx="0"/>
+    <cs:effectRef idx="0"/>
+    <cs:fontRef idx="minor">
+      <a:schemeClr val="tx1">
+        <a:lumMod val="65000"/>
+        <a:lumOff val="35000"/>
+      </a:schemeClr>
+    </cs:fontRef>
+    <cs:defRPr sz="1197" kern="1200"/>
+  </cs:legend>
+  <cs:plotArea mods="allowNoFillOverride allowNoLineOverride">
+    <cs:lnRef idx="0"/>
+    <cs:fillRef idx="0"/>
+    <cs:effectRef idx="0"/>
+    <cs:fontRef idx="minor">
+      <a:schemeClr val="tx1"/>
+    </cs:fontRef>
+  </cs:plotArea>
+  <cs:plotArea3D mods="allowNoFillOverride allowNoLineOverride">
+    <cs:lnRef idx="0"/>
+    <cs:fillRef idx="0"/>
+    <cs:effectRef idx="0"/>
+    <cs:fontRef idx="minor">
+      <a:schemeClr val="tx1"/>
+    </cs:fontRef>
+  </cs:plotArea3D>
+  <cs:seriesAxis>
+    <cs:lnRef idx="0"/>
+    <cs:fillRef idx="0"/>
+    <cs:effectRef idx="0"/>
+    <cs:fontRef idx="minor">
+      <a:schemeClr val="tx1">
+        <a:lumMod val="65000"/>
+        <a:lumOff val="35000"/>
+      </a:schemeClr>
+    </cs:fontRef>
+    <cs:defRPr sz="1197" kern="1200"/>
+  </cs:seriesAxis>
+  <cs:seriesLine>
+    <cs:lnRef idx="0"/>
+    <cs:fillRef idx="0"/>
+    <cs:effectRef idx="0"/>
+    <cs:fontRef idx="minor">
+      <a:schemeClr val="tx1"/>
+    </cs:fontRef>
+    <cs:spPr>
+      <a:ln w="9525" cap="flat" cmpd="sng" algn="ctr">
+        <a:solidFill>
+          <a:schemeClr val="tx1">
+            <a:lumMod val="35000"/>
+            <a:lumOff val="65000"/>
+          </a:schemeClr>
+        </a:solidFill>
+        <a:round/>
+      </a:ln>
+    </cs:spPr>
+  </cs:seriesLine>
+  <cs:title>
+    <cs:lnRef idx="0"/>
+    <cs:fillRef idx="0"/>
+    <cs:effectRef idx="0"/>
+    <cs:fontRef idx="minor">
+      <a:schemeClr val="tx1">
+        <a:lumMod val="65000"/>
+        <a:lumOff val="35000"/>
+      </a:schemeClr>
+    </cs:fontRef>
+    <cs:defRPr sz="1862" b="0" kern="1200" spc="0" baseline="0"/>
+  </cs:title>
+  <cs:trendline>
+    <cs:lnRef idx="0">
+      <cs:styleClr val="auto"/>
+    </cs:lnRef>
+    <cs:fillRef idx="0"/>
+    <cs:effectRef idx="0"/>
+    <cs:fontRef idx="minor">
+      <a:schemeClr val="tx1"/>
+    </cs:fontRef>
+    <cs:spPr>
+      <a:ln w="19050" cap="rnd">
+        <a:solidFill>
+          <a:schemeClr val="phClr"/>
+        </a:solidFill>
+        <a:prstDash val="sysDot"/>
+      </a:ln>
+    </cs:spPr>
+  </cs:trendline>
+  <cs:trendlineLabel>
+    <cs:lnRef idx="0"/>
+    <cs:fillRef idx="0"/>
+    <cs:effectRef idx="0"/>
+    <cs:fontRef idx="minor">
+      <a:schemeClr val="tx1">
+        <a:lumMod val="65000"/>
+        <a:lumOff val="35000"/>
+      </a:schemeClr>
+    </cs:fontRef>
+    <cs:defRPr sz="1197" kern="1200"/>
+  </cs:trendlineLabel>
+  <cs:upBar>
+    <cs:lnRef idx="0"/>
+    <cs:fillRef idx="0"/>
+    <cs:effectRef idx="0"/>
+    <cs:fontRef idx="minor">
+      <a:schemeClr val="tx1"/>
+    </cs:fontRef>
+    <cs:spPr>
+      <a:solidFill>
+        <a:schemeClr val="lt1"/>
+      </a:solidFill>
+      <a:ln w="9525" cap="flat" cmpd="sng" algn="ctr">
+        <a:solidFill>
+          <a:schemeClr val="tx1">
+            <a:lumMod val="65000"/>
+            <a:lumOff val="35000"/>
+          </a:schemeClr>
+        </a:solidFill>
+        <a:round/>
+      </a:ln>
+    </cs:spPr>
+  </cs:upBar>
+  <cs:valueAxis>
+    <cs:lnRef idx="0"/>
+    <cs:fillRef idx="0"/>
+    <cs:effectRef idx="0"/>
+    <cs:fontRef idx="minor">
+      <a:schemeClr val="tx1">
+        <a:lumMod val="65000"/>
+        <a:lumOff val="35000"/>
+      </a:schemeClr>
+    </cs:fontRef>
+    <cs:defRPr sz="1197" kern="1200"/>
+  </cs:valueAxis>
+  <cs:wall>
+    <cs:lnRef idx="0"/>
+    <cs:fillRef idx="0"/>
+    <cs:effectRef idx="0"/>
+    <cs:fontRef idx="minor">
+      <a:schemeClr val="tx1"/>
+    </cs:fontRef>
+    <cs:spPr>
+      <a:noFill/>
+      <a:ln>
+        <a:noFill/>
+      </a:ln>
+    </cs:spPr>
+  </cs:wall>
+</cs:chartStyle>
+</file>
+
+<file path=ppt/notesMasters/notesMaster1.xml><?xml version="1.0" encoding="utf-8"?>
+<p:notesMaster xmlns:a="http://schemas.openxmlformats.org/drawingml/2006/main" xmlns:r="http://schemas.openxmlformats.org/officeDocument/2006/relationships" xmlns:p="http://schemas.openxmlformats.org/presentationml/2006/main">
+  <p:cSld>
+    <p:bg>
+      <p:bgRef idx="1001">
+        <a:schemeClr val="bg1"/>
+      </p:bgRef>
+    </p:bg>
+    <p:spTree>
+      <p:nvGrpSpPr>
+        <p:cNvPr id="1" name=""/>
+        <p:cNvGrpSpPr/>
+        <p:nvPr/>
+      </p:nvGrpSpPr>
+      <p:grpSpPr>
+        <a:xfrm>
+          <a:off x="0" y="0"/>
+          <a:ext cx="0" cy="0"/>
+          <a:chOff x="0" y="0"/>
+          <a:chExt cx="0" cy="0"/>
+        </a:xfrm>
+      </p:grpSpPr>
+      <p:sp>
+        <p:nvSpPr>
+          <p:cNvPr id="2" name="Élőfej helye 1"/>
+          <p:cNvSpPr>
+            <a:spLocks noGrp="1"/>
+          </p:cNvSpPr>
+          <p:nvPr>
+            <p:ph type="hdr" sz="quarter"/>
+          </p:nvPr>
+        </p:nvSpPr>
+        <p:spPr>
+          <a:xfrm>
+            <a:off x="0" y="0"/>
+            <a:ext cx="2971800" cy="458788"/>
+          </a:xfrm>
+          <a:prstGeom prst="rect">
+            <a:avLst/>
+          </a:prstGeom>
+        </p:spPr>
+        <p:txBody>
+          <a:bodyPr vert="horz" lIns="91440" tIns="45720" rIns="91440" bIns="45720" rtlCol="0"/>
+          <a:lstStyle>
+            <a:lvl1pPr algn="l">
+              <a:defRPr sz="1200"/>
+            </a:lvl1pPr>
+          </a:lstStyle>
+          <a:p>
+            <a:endParaRPr lang="hu-HU"/>
+          </a:p>
+        </p:txBody>
+      </p:sp>
+      <p:sp>
+        <p:nvSpPr>
+          <p:cNvPr id="3" name="Dátum helye 2"/>
+          <p:cNvSpPr>
+            <a:spLocks noGrp="1"/>
+          </p:cNvSpPr>
+          <p:nvPr>
+            <p:ph type="dt" idx="1"/>
+          </p:nvPr>
+        </p:nvSpPr>
+        <p:spPr>
+          <a:xfrm>
+            <a:off x="3884613" y="0"/>
+            <a:ext cx="2971800" cy="458788"/>
+          </a:xfrm>
+          <a:prstGeom prst="rect">
+            <a:avLst/>
+          </a:prstGeom>
+        </p:spPr>
+        <p:txBody>
+          <a:bodyPr vert="horz" lIns="91440" tIns="45720" rIns="91440" bIns="45720" rtlCol="0"/>
+          <a:lstStyle>
+            <a:lvl1pPr algn="r">
+              <a:defRPr sz="1200"/>
+            </a:lvl1pPr>
+          </a:lstStyle>
+          <a:p>
+            <a:fld id="{D9002661-EC1E-47CC-B041-D1A5BD8C0F0B}" type="datetimeFigureOut">
+              <a:rPr lang="hu-HU" smtClean="0"/>
+              <a:t>2018. 05. 15.</a:t>
+            </a:fld>
+            <a:endParaRPr lang="hu-HU"/>
+          </a:p>
+        </p:txBody>
+      </p:sp>
+      <p:sp>
+        <p:nvSpPr>
+          <p:cNvPr id="4" name="Diakép helye 3"/>
+          <p:cNvSpPr>
+            <a:spLocks noGrp="1" noRot="1" noChangeAspect="1"/>
+          </p:cNvSpPr>
+          <p:nvPr>
+            <p:ph type="sldImg" idx="2"/>
+          </p:nvPr>
+        </p:nvSpPr>
+        <p:spPr>
+          <a:xfrm>
+            <a:off x="685800" y="1143000"/>
+            <a:ext cx="5486400" cy="3086100"/>
+          </a:xfrm>
+          <a:prstGeom prst="rect">
+            <a:avLst/>
+          </a:prstGeom>
+          <a:noFill/>
+          <a:ln w="12700">
+            <a:solidFill>
+              <a:prstClr val="black"/>
+            </a:solidFill>
+          </a:ln>
+        </p:spPr>
+        <p:txBody>
+          <a:bodyPr vert="horz" lIns="91440" tIns="45720" rIns="91440" bIns="45720" rtlCol="0" anchor="ctr"/>
+          <a:lstStyle/>
+          <a:p>
+            <a:endParaRPr lang="hu-HU"/>
+          </a:p>
+        </p:txBody>
+      </p:sp>
+      <p:sp>
+        <p:nvSpPr>
+          <p:cNvPr id="5" name="Jegyzetek helye 4"/>
+          <p:cNvSpPr>
+            <a:spLocks noGrp="1"/>
+          </p:cNvSpPr>
+          <p:nvPr>
+            <p:ph type="body" sz="quarter" idx="3"/>
+          </p:nvPr>
+        </p:nvSpPr>
+        <p:spPr>
+          <a:xfrm>
+            <a:off x="685800" y="4400550"/>
+            <a:ext cx="5486400" cy="3600450"/>
+          </a:xfrm>
+          <a:prstGeom prst="rect">
+            <a:avLst/>
+          </a:prstGeom>
+        </p:spPr>
+        <p:txBody>
+          <a:bodyPr vert="horz" lIns="91440" tIns="45720" rIns="91440" bIns="45720" rtlCol="0"/>
+          <a:lstStyle/>
+          <a:p>
+            <a:pPr lvl="0"/>
+            <a:r>
+              <a:rPr lang="hu-HU" smtClean="0"/>
+              <a:t>Mintaszöveg szerkesztése</a:t>
+            </a:r>
+          </a:p>
+          <a:p>
+            <a:pPr lvl="1"/>
+            <a:r>
+              <a:rPr lang="hu-HU" smtClean="0"/>
+              <a:t>Második szint</a:t>
+            </a:r>
+          </a:p>
+          <a:p>
+            <a:pPr lvl="2"/>
+            <a:r>
+              <a:rPr lang="hu-HU" smtClean="0"/>
+              <a:t>Harmadik szint</a:t>
+            </a:r>
+          </a:p>
+          <a:p>
+            <a:pPr lvl="3"/>
+            <a:r>
+              <a:rPr lang="hu-HU" smtClean="0"/>
+              <a:t>Negyedik szint</a:t>
+            </a:r>
+          </a:p>
+          <a:p>
+            <a:pPr lvl="4"/>
+            <a:r>
+              <a:rPr lang="hu-HU" smtClean="0"/>
+              <a:t>Ötödik szint</a:t>
+            </a:r>
+            <a:endParaRPr lang="hu-HU"/>
+          </a:p>
+        </p:txBody>
+      </p:sp>
+      <p:sp>
+        <p:nvSpPr>
+          <p:cNvPr id="6" name="Élőláb helye 5"/>
+          <p:cNvSpPr>
+            <a:spLocks noGrp="1"/>
+          </p:cNvSpPr>
+          <p:nvPr>
+            <p:ph type="ftr" sz="quarter" idx="4"/>
+          </p:nvPr>
+        </p:nvSpPr>
+        <p:spPr>
+          <a:xfrm>
+            <a:off x="0" y="8685213"/>
+            <a:ext cx="2971800" cy="458787"/>
+          </a:xfrm>
+          <a:prstGeom prst="rect">
+            <a:avLst/>
+          </a:prstGeom>
+        </p:spPr>
+        <p:txBody>
+          <a:bodyPr vert="horz" lIns="91440" tIns="45720" rIns="91440" bIns="45720" rtlCol="0" anchor="b"/>
+          <a:lstStyle>
+            <a:lvl1pPr algn="l">
+              <a:defRPr sz="1200"/>
+            </a:lvl1pPr>
+          </a:lstStyle>
+          <a:p>
+            <a:endParaRPr lang="hu-HU"/>
+          </a:p>
+        </p:txBody>
+      </p:sp>
+      <p:sp>
+        <p:nvSpPr>
+          <p:cNvPr id="7" name="Dia számának helye 6"/>
+          <p:cNvSpPr>
+            <a:spLocks noGrp="1"/>
+          </p:cNvSpPr>
+          <p:nvPr>
+            <p:ph type="sldNum" sz="quarter" idx="5"/>
+          </p:nvPr>
+        </p:nvSpPr>
+        <p:spPr>
+          <a:xfrm>
+            <a:off x="3884613" y="8685213"/>
+            <a:ext cx="2971800" cy="458787"/>
+          </a:xfrm>
+          <a:prstGeom prst="rect">
+            <a:avLst/>
+          </a:prstGeom>
+        </p:spPr>
+        <p:txBody>
+          <a:bodyPr vert="horz" lIns="91440" tIns="45720" rIns="91440" bIns="45720" rtlCol="0" anchor="b"/>
+          <a:lstStyle>
+            <a:lvl1pPr algn="r">
+              <a:defRPr sz="1200"/>
+            </a:lvl1pPr>
+          </a:lstStyle>
+          <a:p>
+            <a:fld id="{0DCBAB07-81EE-4AA2-8F8A-62225497AE6F}" type="slidenum">
+              <a:rPr lang="hu-HU" smtClean="0"/>
+              <a:t>‹#›</a:t>
+            </a:fld>
+            <a:endParaRPr lang="hu-HU"/>
+          </a:p>
+        </p:txBody>
+      </p:sp>
+    </p:spTree>
+    <p:extLst>
+      <p:ext uri="{BB962C8B-B14F-4D97-AF65-F5344CB8AC3E}">
+        <p14:creationId xmlns:p14="http://schemas.microsoft.com/office/powerpoint/2010/main" val="2325176407"/>
+      </p:ext>
+    </p:extLst>
+  </p:cSld>
+  <p:clrMap bg1="lt1" tx1="dk1" bg2="lt2" tx2="dk2" accent1="accent1" accent2="accent2" accent3="accent3" accent4="accent4" accent5="accent5" accent6="accent6" hlink="hlink" folHlink="folHlink"/>
+  <p:notesStyle>
+    <a:lvl1pPr marL="0" algn="l" defTabSz="914400" rtl="0" eaLnBrk="1" latinLnBrk="0" hangingPunct="1">
+      <a:defRPr sz="1200" kern="1200">
+        <a:solidFill>
+          <a:schemeClr val="tx1"/>
+        </a:solidFill>
+        <a:latin typeface="+mn-lt"/>
+        <a:ea typeface="+mn-ea"/>
+        <a:cs typeface="+mn-cs"/>
+      </a:defRPr>
+    </a:lvl1pPr>
+    <a:lvl2pPr marL="457200" algn="l" defTabSz="914400" rtl="0" eaLnBrk="1" latinLnBrk="0" hangingPunct="1">
+      <a:defRPr sz="1200" kern="1200">
+        <a:solidFill>
+          <a:schemeClr val="tx1"/>
+        </a:solidFill>
+        <a:latin typeface="+mn-lt"/>
+        <a:ea typeface="+mn-ea"/>
+        <a:cs typeface="+mn-cs"/>
+      </a:defRPr>
+    </a:lvl2pPr>
+    <a:lvl3pPr marL="914400" algn="l" defTabSz="914400" rtl="0" eaLnBrk="1" latinLnBrk="0" hangingPunct="1">
+      <a:defRPr sz="1200" kern="1200">
+        <a:solidFill>
+          <a:schemeClr val="tx1"/>
+        </a:solidFill>
+        <a:latin typeface="+mn-lt"/>
+        <a:ea typeface="+mn-ea"/>
+        <a:cs typeface="+mn-cs"/>
+      </a:defRPr>
+    </a:lvl3pPr>
+    <a:lvl4pPr marL="1371600" algn="l" defTabSz="914400" rtl="0" eaLnBrk="1" latinLnBrk="0" hangingPunct="1">
+      <a:defRPr sz="1200" kern="1200">
+        <a:solidFill>
+          <a:schemeClr val="tx1"/>
+        </a:solidFill>
+        <a:latin typeface="+mn-lt"/>
+        <a:ea typeface="+mn-ea"/>
+        <a:cs typeface="+mn-cs"/>
+      </a:defRPr>
+    </a:lvl4pPr>
+    <a:lvl5pPr marL="1828800" algn="l" defTabSz="914400" rtl="0" eaLnBrk="1" latinLnBrk="0" hangingPunct="1">
+      <a:defRPr sz="1200" kern="1200">
+        <a:solidFill>
+          <a:schemeClr val="tx1"/>
+        </a:solidFill>
+        <a:latin typeface="+mn-lt"/>
+        <a:ea typeface="+mn-ea"/>
+        <a:cs typeface="+mn-cs"/>
+      </a:defRPr>
+    </a:lvl5pPr>
+    <a:lvl6pPr marL="2286000" algn="l" defTabSz="914400" rtl="0" eaLnBrk="1" latinLnBrk="0" hangingPunct="1">
+      <a:defRPr sz="1200" kern="1200">
+        <a:solidFill>
+          <a:schemeClr val="tx1"/>
+        </a:solidFill>
+        <a:latin typeface="+mn-lt"/>
+        <a:ea typeface="+mn-ea"/>
+        <a:cs typeface="+mn-cs"/>
+      </a:defRPr>
+    </a:lvl6pPr>
+    <a:lvl7pPr marL="2743200" algn="l" defTabSz="914400" rtl="0" eaLnBrk="1" latinLnBrk="0" hangingPunct="1">
+      <a:defRPr sz="1200" kern="1200">
+        <a:solidFill>
+          <a:schemeClr val="tx1"/>
+        </a:solidFill>
+        <a:latin typeface="+mn-lt"/>
+        <a:ea typeface="+mn-ea"/>
+        <a:cs typeface="+mn-cs"/>
+      </a:defRPr>
+    </a:lvl7pPr>
+    <a:lvl8pPr marL="3200400" algn="l" defTabSz="914400" rtl="0" eaLnBrk="1" latinLnBrk="0" hangingPunct="1">
+      <a:defRPr sz="1200" kern="1200">
+        <a:solidFill>
+          <a:schemeClr val="tx1"/>
+        </a:solidFill>
+        <a:latin typeface="+mn-lt"/>
+        <a:ea typeface="+mn-ea"/>
+        <a:cs typeface="+mn-cs"/>
+      </a:defRPr>
+    </a:lvl8pPr>
+    <a:lvl9pPr marL="3657600" algn="l" defTabSz="914400" rtl="0" eaLnBrk="1" latinLnBrk="0" hangingPunct="1">
+      <a:defRPr sz="1200" kern="1200">
+        <a:solidFill>
+          <a:schemeClr val="tx1"/>
+        </a:solidFill>
+        <a:latin typeface="+mn-lt"/>
+        <a:ea typeface="+mn-ea"/>
+        <a:cs typeface="+mn-cs"/>
+      </a:defRPr>
+    </a:lvl9pPr>
+  </p:notesStyle>
+</p:notesMaster>
 </file>
 
 <file path=ppt/slideLayouts/slideLayout1.xml><?xml version="1.0" encoding="utf-8"?>
@@ -340,9 +3704,9 @@
           <a:bodyPr/>
           <a:lstStyle/>
           <a:p>
-            <a:fld id="{D8E6A9EE-27F0-4A79-9A16-277C4B7ED7A2}" type="datetimeFigureOut">
+            <a:fld id="{7DE324DC-BD96-44AE-BF4F-F822FDF0445D}" type="datetime1">
               <a:rPr lang="hu-HU" smtClean="0"/>
-              <a:t>2018. 05. 08.</a:t>
+              <a:t>2018. 05. 15.</a:t>
             </a:fld>
             <a:endParaRPr lang="hu-HU"/>
           </a:p>
@@ -548,9 +3912,9 @@
           <a:bodyPr/>
           <a:lstStyle/>
           <a:p>
-            <a:fld id="{D8E6A9EE-27F0-4A79-9A16-277C4B7ED7A2}" type="datetimeFigureOut">
+            <a:fld id="{37E7059A-6ECE-43B9-99E7-FEFCCC144F1E}" type="datetime1">
               <a:rPr lang="hu-HU" smtClean="0"/>
-              <a:t>2018. 05. 08.</a:t>
+              <a:t>2018. 05. 15.</a:t>
             </a:fld>
             <a:endParaRPr lang="hu-HU"/>
           </a:p>
@@ -804,9 +4168,9 @@
           <a:bodyPr/>
           <a:lstStyle/>
           <a:p>
-            <a:fld id="{D8E6A9EE-27F0-4A79-9A16-277C4B7ED7A2}" type="datetimeFigureOut">
+            <a:fld id="{0208E2CA-E437-4BD9-AE57-7F5CCD7E3ED1}" type="datetime1">
               <a:rPr lang="hu-HU" smtClean="0"/>
-              <a:t>2018. 05. 08.</a:t>
+              <a:t>2018. 05. 15.</a:t>
             </a:fld>
             <a:endParaRPr lang="hu-HU"/>
           </a:p>
@@ -974,9 +4338,9 @@
           <a:bodyPr/>
           <a:lstStyle/>
           <a:p>
-            <a:fld id="{D8E6A9EE-27F0-4A79-9A16-277C4B7ED7A2}" type="datetimeFigureOut">
+            <a:fld id="{42A934AE-3FF9-4856-94B5-96B8BAE539C3}" type="datetime1">
               <a:rPr lang="hu-HU" smtClean="0"/>
-              <a:t>2018. 05. 08.</a:t>
+              <a:t>2018. 05. 15.</a:t>
             </a:fld>
             <a:endParaRPr lang="hu-HU"/>
           </a:p>
@@ -1317,9 +4681,9 @@
           <a:bodyPr/>
           <a:lstStyle/>
           <a:p>
-            <a:fld id="{D8E6A9EE-27F0-4A79-9A16-277C4B7ED7A2}" type="datetimeFigureOut">
+            <a:fld id="{B50CA0A0-0F98-404D-A801-15D294A39BC3}" type="datetime1">
               <a:rPr lang="hu-HU" smtClean="0"/>
-              <a:t>2018. 05. 08.</a:t>
+              <a:t>2018. 05. 15.</a:t>
             </a:fld>
             <a:endParaRPr lang="hu-HU"/>
           </a:p>
@@ -1592,9 +4956,9 @@
           <a:bodyPr/>
           <a:lstStyle/>
           <a:p>
-            <a:fld id="{D8E6A9EE-27F0-4A79-9A16-277C4B7ED7A2}" type="datetimeFigureOut">
+            <a:fld id="{5BCA3103-2081-49F7-A2B6-59C078B780F2}" type="datetime1">
               <a:rPr lang="hu-HU" smtClean="0"/>
-              <a:t>2018. 05. 08.</a:t>
+              <a:t>2018. 05. 15.</a:t>
             </a:fld>
             <a:endParaRPr lang="hu-HU"/>
           </a:p>
@@ -1971,9 +5335,9 @@
           <a:bodyPr/>
           <a:lstStyle/>
           <a:p>
-            <a:fld id="{D8E6A9EE-27F0-4A79-9A16-277C4B7ED7A2}" type="datetimeFigureOut">
+            <a:fld id="{C02CCFE5-89E8-45C8-8753-EC86499F6243}" type="datetime1">
               <a:rPr lang="hu-HU" smtClean="0"/>
-              <a:t>2018. 05. 08.</a:t>
+              <a:t>2018. 05. 15.</a:t>
             </a:fld>
             <a:endParaRPr lang="hu-HU"/>
           </a:p>
@@ -2089,9 +5453,9 @@
           <a:bodyPr/>
           <a:lstStyle/>
           <a:p>
-            <a:fld id="{D8E6A9EE-27F0-4A79-9A16-277C4B7ED7A2}" type="datetimeFigureOut">
+            <a:fld id="{78BCF78F-0621-435D-9551-E4E9DA714DB4}" type="datetime1">
               <a:rPr lang="hu-HU" smtClean="0"/>
-              <a:t>2018. 05. 08.</a:t>
+              <a:t>2018. 05. 15.</a:t>
             </a:fld>
             <a:endParaRPr lang="hu-HU"/>
           </a:p>
@@ -2260,9 +5624,9 @@
           <a:bodyPr/>
           <a:lstStyle/>
           <a:p>
-            <a:fld id="{D8E6A9EE-27F0-4A79-9A16-277C4B7ED7A2}" type="datetimeFigureOut">
+            <a:fld id="{6233E2D8-A259-4C66-974A-B49E17708936}" type="datetime1">
               <a:rPr lang="hu-HU" smtClean="0"/>
-              <a:t>2018. 05. 08.</a:t>
+              <a:t>2018. 05. 15.</a:t>
             </a:fld>
             <a:endParaRPr lang="hu-HU"/>
           </a:p>
@@ -2614,9 +5978,9 @@
             </a:lvl1pPr>
           </a:lstStyle>
           <a:p>
-            <a:fld id="{D8E6A9EE-27F0-4A79-9A16-277C4B7ED7A2}" type="datetimeFigureOut">
+            <a:fld id="{316DD24A-E5C8-4720-9DC9-E0460E200283}" type="datetime1">
               <a:rPr lang="hu-HU" smtClean="0"/>
-              <a:t>2018. 05. 08.</a:t>
+              <a:t>2018. 05. 15.</a:t>
             </a:fld>
             <a:endParaRPr lang="hu-HU"/>
           </a:p>
@@ -2991,9 +6355,9 @@
           <a:bodyPr/>
           <a:lstStyle/>
           <a:p>
-            <a:fld id="{D8E6A9EE-27F0-4A79-9A16-277C4B7ED7A2}" type="datetimeFigureOut">
+            <a:fld id="{3A642D0C-5437-4967-9D88-8FF0F334622B}" type="datetime1">
               <a:rPr lang="hu-HU" smtClean="0"/>
-              <a:t>2018. 05. 08.</a:t>
+              <a:t>2018. 05. 15.</a:t>
             </a:fld>
             <a:endParaRPr lang="hu-HU"/>
           </a:p>
@@ -3278,9 +6642,9 @@
             </a:lvl1pPr>
           </a:lstStyle>
           <a:p>
-            <a:fld id="{D8E6A9EE-27F0-4A79-9A16-277C4B7ED7A2}" type="datetimeFigureOut">
+            <a:fld id="{DC713782-5F0B-4FBD-AE27-17A005577F5F}" type="datetime1">
               <a:rPr lang="hu-HU" smtClean="0"/>
-              <a:t>2018. 05. 08.</a:t>
+              <a:t>2018. 05. 15.</a:t>
             </a:fld>
             <a:endParaRPr lang="hu-HU"/>
           </a:p>
@@ -3419,6 +6783,7 @@
     <p:sldLayoutId id="2147483682" r:id="rId10"/>
     <p:sldLayoutId id="2147483683" r:id="rId11"/>
   </p:sldLayoutIdLst>
+  <p:hf hdr="0" ftr="0" dt="0"/>
   <p:txStyles>
     <p:titleStyle>
       <a:lvl1pPr algn="l" defTabSz="914400" rtl="0" eaLnBrk="1" latinLnBrk="0" hangingPunct="1">
@@ -3831,8 +7196,13 @@
             </a:r>
             <a:r>
               <a:rPr lang="hu-HU" sz="4800" dirty="0"/>
-              <a:t>MÓDSZEREK ALKALMAZÁSÁVAL PYTHON NYELVEN</a:t>
-            </a:r>
+              <a:t>MÓDSZEREK </a:t>
+            </a:r>
+            <a:r>
+              <a:rPr lang="hu-HU" sz="4800" dirty="0" smtClean="0"/>
+              <a:t>ALKALMAZÁSÁVAL</a:t>
+            </a:r>
+            <a:endParaRPr lang="hu-HU" sz="4800" dirty="0"/>
           </a:p>
         </p:txBody>
       </p:sp>
@@ -3848,36 +7218,102 @@
         </p:nvSpPr>
         <p:spPr/>
         <p:txBody>
+          <a:bodyPr>
+            <a:normAutofit fontScale="85000" lnSpcReduction="20000"/>
+          </a:bodyPr>
+          <a:lstStyle/>
+          <a:p>
+            <a:r>
+              <a:rPr lang="hu-HU" dirty="0" smtClean="0"/>
+              <a:t>Önálló laborgyakorlat</a:t>
+            </a:r>
+          </a:p>
+          <a:p>
+            <a:r>
+              <a:rPr lang="hu-HU" dirty="0" smtClean="0"/>
+              <a:t>Készítette: </a:t>
+            </a:r>
+            <a:r>
+              <a:rPr lang="hu-HU" dirty="0" err="1" smtClean="0"/>
+              <a:t>Köő</a:t>
+            </a:r>
+            <a:r>
+              <a:rPr lang="hu-HU" dirty="0" smtClean="0"/>
+              <a:t> </a:t>
+            </a:r>
+            <a:r>
+              <a:rPr lang="hu-HU" dirty="0" smtClean="0"/>
+              <a:t>József</a:t>
+            </a:r>
+          </a:p>
+          <a:p>
+            <a:r>
+              <a:rPr lang="hu-HU" dirty="0" smtClean="0"/>
+              <a:t>Témavezető: </a:t>
+            </a:r>
+            <a:r>
+              <a:rPr lang="hu-HU" dirty="0" err="1" smtClean="0"/>
+              <a:t>Czúni</a:t>
+            </a:r>
+            <a:r>
+              <a:rPr lang="hu-HU" dirty="0" smtClean="0"/>
+              <a:t> </a:t>
+            </a:r>
+            <a:r>
+              <a:rPr lang="hu-HU" dirty="0" err="1" smtClean="0"/>
+              <a:t>lászló</a:t>
+            </a:r>
+            <a:endParaRPr lang="hu-HU" dirty="0"/>
+          </a:p>
+        </p:txBody>
+      </p:sp>
+      <p:sp>
+        <p:nvSpPr>
+          <p:cNvPr id="5" name="Dia számának helye 4"/>
+          <p:cNvSpPr>
+            <a:spLocks noGrp="1"/>
+          </p:cNvSpPr>
+          <p:nvPr>
+            <p:ph type="sldNum" sz="quarter" idx="12"/>
+          </p:nvPr>
+        </p:nvSpPr>
+        <p:spPr/>
+        <p:txBody>
           <a:bodyPr/>
           <a:lstStyle/>
           <a:p>
-            <a:r>
-              <a:rPr lang="hu-HU" dirty="0" err="1" smtClean="0"/>
-              <a:t>Köő</a:t>
-            </a:r>
+            <a:fld id="{F28FD2EF-1A87-4BCB-A5DC-2FA9CDA63250}" type="slidenum">
+              <a:rPr lang="hu-HU" smtClean="0"/>
+              <a:t>1</a:t>
+            </a:fld>
             <a:r>
               <a:rPr lang="hu-HU" dirty="0" smtClean="0"/>
-              <a:t> József</a:t>
-            </a:r>
-          </a:p>
-          <a:p>
-            <a:r>
-              <a:rPr lang="hu-HU" dirty="0" smtClean="0"/>
-              <a:t>Témavezető: </a:t>
-            </a:r>
-            <a:r>
-              <a:rPr lang="hu-HU" dirty="0" err="1" smtClean="0"/>
-              <a:t>Czúni</a:t>
-            </a:r>
-            <a:r>
-              <a:rPr lang="hu-HU" dirty="0" smtClean="0"/>
-              <a:t> </a:t>
-            </a:r>
-            <a:r>
-              <a:rPr lang="hu-HU" dirty="0" err="1" smtClean="0"/>
-              <a:t>lászló</a:t>
+              <a:t>/14</a:t>
             </a:r>
             <a:endParaRPr lang="hu-HU" dirty="0"/>
+          </a:p>
+        </p:txBody>
+      </p:sp>
+      <p:sp>
+        <p:nvSpPr>
+          <p:cNvPr id="6" name="Dátum helye 5"/>
+          <p:cNvSpPr>
+            <a:spLocks noGrp="1"/>
+          </p:cNvSpPr>
+          <p:nvPr>
+            <p:ph type="dt" sz="half" idx="10"/>
+          </p:nvPr>
+        </p:nvSpPr>
+        <p:spPr/>
+        <p:txBody>
+          <a:bodyPr/>
+          <a:lstStyle/>
+          <a:p>
+            <a:fld id="{A900962E-946B-4CDF-A1E7-6D92F0901E2E}" type="datetime1">
+              <a:rPr lang="hu-HU" smtClean="0"/>
+              <a:t>2018. 05. 15.</a:t>
+            </a:fld>
+            <a:endParaRPr lang="hu-HU"/>
           </a:p>
         </p:txBody>
       </p:sp>
@@ -3927,12 +7363,8 @@
           <a:lstStyle/>
           <a:p>
             <a:r>
-              <a:rPr lang="hu-HU" dirty="0"/>
-              <a:t>Elért </a:t>
-            </a:r>
-            <a:r>
               <a:rPr lang="hu-HU" dirty="0" smtClean="0"/>
-              <a:t>eredmények</a:t>
+              <a:t>SVM - tanítás</a:t>
             </a:r>
             <a:endParaRPr lang="hu-HU" dirty="0"/>
           </a:p>
@@ -3950,47 +7382,758 @@
         </p:nvSpPr>
         <p:spPr/>
         <p:txBody>
+          <a:bodyPr>
+            <a:normAutofit/>
+          </a:bodyPr>
+          <a:lstStyle/>
+          <a:p>
+            <a:pPr lvl="1"/>
+            <a:r>
+              <a:rPr lang="hu-HU" sz="2000" dirty="0" smtClean="0"/>
+              <a:t>Veszteségfüggvény kiszámítása</a:t>
+            </a:r>
+          </a:p>
+          <a:p>
+            <a:pPr lvl="1"/>
+            <a:r>
+              <a:rPr lang="hu-HU" sz="2000" dirty="0" smtClean="0"/>
+              <a:t>Veszteségek minimalizálása</a:t>
+            </a:r>
+          </a:p>
+          <a:p>
+            <a:pPr lvl="1"/>
+            <a:endParaRPr lang="hu-HU" sz="2000" dirty="0" smtClean="0"/>
+          </a:p>
+          <a:p>
+            <a:pPr lvl="1"/>
+            <a:endParaRPr lang="hu-HU" sz="2000" dirty="0"/>
+          </a:p>
+          <a:p>
+            <a:pPr lvl="1"/>
+            <a:r>
+              <a:rPr lang="hu-HU" sz="2000" dirty="0" smtClean="0"/>
+              <a:t>Véletlen W értékek</a:t>
+            </a:r>
+          </a:p>
+          <a:p>
+            <a:pPr lvl="1"/>
+            <a:r>
+              <a:rPr lang="hu-HU" sz="2000" dirty="0" smtClean="0"/>
+              <a:t>Gradiens módszer</a:t>
+            </a:r>
+            <a:endParaRPr lang="hu-HU" sz="2000" dirty="0"/>
+          </a:p>
+        </p:txBody>
+      </p:sp>
+      <p:pic>
+        <p:nvPicPr>
+          <p:cNvPr id="4" name="Kép 3"/>
+          <p:cNvPicPr>
+            <a:picLocks noChangeAspect="1"/>
+          </p:cNvPicPr>
+          <p:nvPr/>
+        </p:nvPicPr>
+        <p:blipFill>
+          <a:blip r:embed="rId2"/>
+          <a:stretch>
+            <a:fillRect/>
+          </a:stretch>
+        </p:blipFill>
+        <p:spPr>
+          <a:xfrm>
+            <a:off x="5344584" y="1845734"/>
+            <a:ext cx="6847416" cy="3821468"/>
+          </a:xfrm>
+          <a:prstGeom prst="rect">
+            <a:avLst/>
+          </a:prstGeom>
+          <a:solidFill>
+            <a:srgbClr val="FFFFFF">
+              <a:shade val="85000"/>
+            </a:srgbClr>
+          </a:solidFill>
+          <a:ln w="88900" cap="sq">
+            <a:solidFill>
+              <a:srgbClr val="FFFFFF"/>
+            </a:solidFill>
+            <a:miter lim="800000"/>
+          </a:ln>
+          <a:effectLst>
+            <a:outerShdw blurRad="55000" dist="18000" dir="5400000" algn="tl" rotWithShape="0">
+              <a:srgbClr val="000000">
+                <a:alpha val="40000"/>
+              </a:srgbClr>
+            </a:outerShdw>
+          </a:effectLst>
+          <a:scene3d>
+            <a:camera prst="orthographicFront"/>
+            <a:lightRig rig="twoPt" dir="t">
+              <a:rot lat="0" lon="0" rev="7200000"/>
+            </a:lightRig>
+          </a:scene3d>
+          <a:sp3d>
+            <a:bevelT w="25400" h="19050"/>
+            <a:contourClr>
+              <a:srgbClr val="FFFFFF"/>
+            </a:contourClr>
+          </a:sp3d>
+        </p:spPr>
+      </p:pic>
+      <p:pic>
+        <p:nvPicPr>
+          <p:cNvPr id="5" name="Kép 4"/>
+          <p:cNvPicPr/>
+          <p:nvPr/>
+        </p:nvPicPr>
+        <p:blipFill>
+          <a:blip r:embed="rId3"/>
+          <a:stretch>
+            <a:fillRect/>
+          </a:stretch>
+        </p:blipFill>
+        <p:spPr>
+          <a:xfrm>
+            <a:off x="1171670" y="4971677"/>
+            <a:ext cx="3136594" cy="695525"/>
+          </a:xfrm>
+          <a:prstGeom prst="rect">
+            <a:avLst/>
+          </a:prstGeom>
+        </p:spPr>
+      </p:pic>
+      <p:sp>
+        <p:nvSpPr>
+          <p:cNvPr id="6" name="Dia számának helye 5"/>
+          <p:cNvSpPr>
+            <a:spLocks noGrp="1"/>
+          </p:cNvSpPr>
+          <p:nvPr>
+            <p:ph type="sldNum" sz="quarter" idx="12"/>
+          </p:nvPr>
+        </p:nvSpPr>
+        <p:spPr/>
+        <p:txBody>
           <a:bodyPr/>
           <a:lstStyle/>
           <a:p>
+            <a:fld id="{F28FD2EF-1A87-4BCB-A5DC-2FA9CDA63250}" type="slidenum">
+              <a:rPr lang="hu-HU" smtClean="0"/>
+              <a:t>10</a:t>
+            </a:fld>
             <a:r>
               <a:rPr lang="hu-HU" dirty="0"/>
+              <a:t>/14</a:t>
+            </a:r>
+            <a:endParaRPr lang="hu-HU" dirty="0"/>
+          </a:p>
+        </p:txBody>
+      </p:sp>
+    </p:spTree>
+    <p:extLst>
+      <p:ext uri="{BB962C8B-B14F-4D97-AF65-F5344CB8AC3E}">
+        <p14:creationId xmlns:p14="http://schemas.microsoft.com/office/powerpoint/2010/main" val="3112536188"/>
+      </p:ext>
+    </p:extLst>
+  </p:cSld>
+  <p:clrMapOvr>
+    <a:masterClrMapping/>
+  </p:clrMapOvr>
+</p:sld>
+</file>
+
+<file path=ppt/slides/slide11.xml><?xml version="1.0" encoding="utf-8"?>
+<p:sld xmlns:a="http://schemas.openxmlformats.org/drawingml/2006/main" xmlns:r="http://schemas.openxmlformats.org/officeDocument/2006/relationships" xmlns:p="http://schemas.openxmlformats.org/presentationml/2006/main">
+  <p:cSld>
+    <p:spTree>
+      <p:nvGrpSpPr>
+        <p:cNvPr id="1" name=""/>
+        <p:cNvGrpSpPr/>
+        <p:nvPr/>
+      </p:nvGrpSpPr>
+      <p:grpSpPr>
+        <a:xfrm>
+          <a:off x="0" y="0"/>
+          <a:ext cx="0" cy="0"/>
+          <a:chOff x="0" y="0"/>
+          <a:chExt cx="0" cy="0"/>
+        </a:xfrm>
+      </p:grpSpPr>
+      <p:sp>
+        <p:nvSpPr>
+          <p:cNvPr id="2" name="Cím 1"/>
+          <p:cNvSpPr>
+            <a:spLocks noGrp="1"/>
+          </p:cNvSpPr>
+          <p:nvPr>
+            <p:ph type="title"/>
+          </p:nvPr>
+        </p:nvSpPr>
+        <p:spPr>
+          <a:xfrm>
+            <a:off x="1097280" y="2910"/>
+            <a:ext cx="10058400" cy="1450757"/>
+          </a:xfrm>
+        </p:spPr>
+        <p:txBody>
+          <a:bodyPr/>
+          <a:lstStyle/>
+          <a:p>
+            <a:r>
+              <a:rPr lang="hu-HU" dirty="0" smtClean="0"/>
+              <a:t>Neuron</a:t>
+            </a:r>
+            <a:endParaRPr lang="hu-HU" dirty="0"/>
+          </a:p>
+        </p:txBody>
+      </p:sp>
+      <p:sp>
+        <p:nvSpPr>
+          <p:cNvPr id="3" name="Tartalom helye 2"/>
+          <p:cNvSpPr>
+            <a:spLocks noGrp="1"/>
+          </p:cNvSpPr>
+          <p:nvPr>
+            <p:ph idx="1"/>
+          </p:nvPr>
+        </p:nvSpPr>
+        <p:spPr/>
+        <p:txBody>
+          <a:bodyPr/>
+          <a:lstStyle/>
+          <a:p>
+            <a:endParaRPr lang="hu-HU" dirty="0"/>
+          </a:p>
+        </p:txBody>
+      </p:sp>
+      <p:pic>
+        <p:nvPicPr>
+          <p:cNvPr id="4" name="Kép 3"/>
+          <p:cNvPicPr>
+            <a:picLocks noChangeAspect="1"/>
+          </p:cNvPicPr>
+          <p:nvPr/>
+        </p:nvPicPr>
+        <p:blipFill>
+          <a:blip r:embed="rId2"/>
+          <a:stretch>
+            <a:fillRect/>
+          </a:stretch>
+        </p:blipFill>
+        <p:spPr>
+          <a:xfrm>
+            <a:off x="769545" y="1584355"/>
+            <a:ext cx="7955766" cy="2448813"/>
+          </a:xfrm>
+          <a:prstGeom prst="rect">
+            <a:avLst/>
+          </a:prstGeom>
+        </p:spPr>
+      </p:pic>
+      <p:pic>
+        <p:nvPicPr>
+          <p:cNvPr id="5" name="Kép 4"/>
+          <p:cNvPicPr>
+            <a:picLocks noChangeAspect="1"/>
+          </p:cNvPicPr>
+          <p:nvPr/>
+        </p:nvPicPr>
+        <p:blipFill>
+          <a:blip r:embed="rId3"/>
+          <a:stretch>
+            <a:fillRect/>
+          </a:stretch>
+        </p:blipFill>
+        <p:spPr>
+          <a:xfrm>
+            <a:off x="4101220" y="4211182"/>
+            <a:ext cx="7941002" cy="1835925"/>
+          </a:xfrm>
+          <a:prstGeom prst="rect">
+            <a:avLst/>
+          </a:prstGeom>
+        </p:spPr>
+      </p:pic>
+      <p:sp>
+        <p:nvSpPr>
+          <p:cNvPr id="6" name="Dia számának helye 5"/>
+          <p:cNvSpPr>
+            <a:spLocks noGrp="1"/>
+          </p:cNvSpPr>
+          <p:nvPr>
+            <p:ph type="sldNum" sz="quarter" idx="12"/>
+          </p:nvPr>
+        </p:nvSpPr>
+        <p:spPr/>
+        <p:txBody>
+          <a:bodyPr/>
+          <a:lstStyle/>
+          <a:p>
+            <a:fld id="{F28FD2EF-1A87-4BCB-A5DC-2FA9CDA63250}" type="slidenum">
+              <a:rPr lang="hu-HU" smtClean="0"/>
+              <a:t>11</a:t>
+            </a:fld>
+            <a:r>
+              <a:rPr lang="hu-HU" dirty="0"/>
+              <a:t>/14</a:t>
+            </a:r>
+            <a:endParaRPr lang="hu-HU" dirty="0"/>
+          </a:p>
+        </p:txBody>
+      </p:sp>
+    </p:spTree>
+    <p:extLst>
+      <p:ext uri="{BB962C8B-B14F-4D97-AF65-F5344CB8AC3E}">
+        <p14:creationId xmlns:p14="http://schemas.microsoft.com/office/powerpoint/2010/main" val="3301667505"/>
+      </p:ext>
+    </p:extLst>
+  </p:cSld>
+  <p:clrMapOvr>
+    <a:masterClrMapping/>
+  </p:clrMapOvr>
+</p:sld>
+</file>
+
+<file path=ppt/slides/slide12.xml><?xml version="1.0" encoding="utf-8"?>
+<p:sld xmlns:a="http://schemas.openxmlformats.org/drawingml/2006/main" xmlns:r="http://schemas.openxmlformats.org/officeDocument/2006/relationships" xmlns:p="http://schemas.openxmlformats.org/presentationml/2006/main">
+  <p:cSld>
+    <p:spTree>
+      <p:nvGrpSpPr>
+        <p:cNvPr id="1" name=""/>
+        <p:cNvGrpSpPr/>
+        <p:nvPr/>
+      </p:nvGrpSpPr>
+      <p:grpSpPr>
+        <a:xfrm>
+          <a:off x="0" y="0"/>
+          <a:ext cx="0" cy="0"/>
+          <a:chOff x="0" y="0"/>
+          <a:chExt cx="0" cy="0"/>
+        </a:xfrm>
+      </p:grpSpPr>
+      <p:sp>
+        <p:nvSpPr>
+          <p:cNvPr id="2" name="Cím 1"/>
+          <p:cNvSpPr>
+            <a:spLocks noGrp="1"/>
+          </p:cNvSpPr>
+          <p:nvPr>
+            <p:ph type="title"/>
+          </p:nvPr>
+        </p:nvSpPr>
+        <p:spPr/>
+        <p:txBody>
+          <a:bodyPr/>
+          <a:lstStyle/>
+          <a:p>
+            <a:r>
+              <a:rPr lang="hu-HU" dirty="0" smtClean="0"/>
+              <a:t>Neurális hálók</a:t>
+            </a:r>
+            <a:endParaRPr lang="en-GB" dirty="0"/>
+          </a:p>
+        </p:txBody>
+      </p:sp>
+      <p:sp>
+        <p:nvSpPr>
+          <p:cNvPr id="3" name="Tartalom helye 2"/>
+          <p:cNvSpPr>
+            <a:spLocks noGrp="1"/>
+          </p:cNvSpPr>
+          <p:nvPr>
+            <p:ph idx="1"/>
+          </p:nvPr>
+        </p:nvSpPr>
+        <p:spPr/>
+        <p:txBody>
+          <a:bodyPr/>
+          <a:lstStyle/>
+          <a:p>
+            <a:r>
+              <a:rPr lang="hu-HU" sz="2800" dirty="0" err="1" smtClean="0"/>
+              <a:t>Konvolúciós</a:t>
+            </a:r>
+            <a:r>
+              <a:rPr lang="hu-HU" sz="2800" dirty="0" smtClean="0"/>
+              <a:t> hálók</a:t>
+            </a:r>
+          </a:p>
+          <a:p>
+            <a:pPr lvl="1"/>
+            <a:r>
+              <a:rPr lang="hu-HU" sz="2400" dirty="0" smtClean="0"/>
+              <a:t>Képfeldolgozás</a:t>
+            </a:r>
+          </a:p>
+          <a:p>
+            <a:pPr lvl="1"/>
+            <a:r>
+              <a:rPr lang="hu-HU" sz="2400" dirty="0" smtClean="0"/>
+              <a:t>Objektumfelismerés</a:t>
+            </a:r>
+          </a:p>
+          <a:p>
+            <a:r>
+              <a:rPr lang="hu-HU" sz="2800" dirty="0" smtClean="0"/>
+              <a:t>LSTM hálók </a:t>
+            </a:r>
+            <a:r>
+              <a:rPr lang="hu-HU" dirty="0" smtClean="0"/>
+              <a:t>(Long-</a:t>
+            </a:r>
+            <a:r>
+              <a:rPr lang="hu-HU" dirty="0" err="1" smtClean="0"/>
+              <a:t>short</a:t>
+            </a:r>
+            <a:r>
+              <a:rPr lang="hu-HU" dirty="0" smtClean="0"/>
+              <a:t> </a:t>
+            </a:r>
+            <a:r>
+              <a:rPr lang="hu-HU" dirty="0" err="1" smtClean="0"/>
+              <a:t>term</a:t>
+            </a:r>
+            <a:r>
+              <a:rPr lang="hu-HU" dirty="0" smtClean="0"/>
+              <a:t> </a:t>
+            </a:r>
+            <a:r>
+              <a:rPr lang="hu-HU" dirty="0" err="1" smtClean="0"/>
+              <a:t>memory</a:t>
+            </a:r>
+            <a:r>
+              <a:rPr lang="hu-HU" dirty="0" smtClean="0"/>
+              <a:t>)</a:t>
+            </a:r>
+          </a:p>
+          <a:p>
+            <a:pPr lvl="1"/>
+            <a:r>
+              <a:rPr lang="hu-HU" sz="2400" dirty="0" smtClean="0"/>
+              <a:t>Időbeli sorozat jóslata</a:t>
+            </a:r>
+          </a:p>
+          <a:p>
+            <a:pPr lvl="1"/>
+            <a:r>
+              <a:rPr lang="hu-HU" sz="2400" dirty="0" smtClean="0"/>
+              <a:t>Ritmus tanulás</a:t>
+            </a:r>
+          </a:p>
+          <a:p>
+            <a:endParaRPr lang="en-GB" dirty="0"/>
+          </a:p>
+        </p:txBody>
+      </p:sp>
+      <p:pic>
+        <p:nvPicPr>
+          <p:cNvPr id="4" name="Kép 3"/>
+          <p:cNvPicPr>
+            <a:picLocks noChangeAspect="1"/>
+          </p:cNvPicPr>
+          <p:nvPr/>
+        </p:nvPicPr>
+        <p:blipFill>
+          <a:blip r:embed="rId2"/>
+          <a:stretch>
+            <a:fillRect/>
+          </a:stretch>
+        </p:blipFill>
+        <p:spPr>
+          <a:xfrm>
+            <a:off x="8120958" y="1845734"/>
+            <a:ext cx="3136460" cy="2173891"/>
+          </a:xfrm>
+          <a:prstGeom prst="rect">
+            <a:avLst/>
+          </a:prstGeom>
+        </p:spPr>
+      </p:pic>
+      <p:pic>
+        <p:nvPicPr>
+          <p:cNvPr id="5" name="Kép 4"/>
+          <p:cNvPicPr>
+            <a:picLocks noChangeAspect="1"/>
+          </p:cNvPicPr>
+          <p:nvPr/>
+        </p:nvPicPr>
+        <p:blipFill>
+          <a:blip r:embed="rId3"/>
+          <a:stretch>
+            <a:fillRect/>
+          </a:stretch>
+        </p:blipFill>
+        <p:spPr>
+          <a:xfrm>
+            <a:off x="4873377" y="4019625"/>
+            <a:ext cx="3634306" cy="2061066"/>
+          </a:xfrm>
+          <a:prstGeom prst="rect">
+            <a:avLst/>
+          </a:prstGeom>
+        </p:spPr>
+      </p:pic>
+      <p:sp>
+        <p:nvSpPr>
+          <p:cNvPr id="6" name="Dia számának helye 5"/>
+          <p:cNvSpPr>
+            <a:spLocks noGrp="1"/>
+          </p:cNvSpPr>
+          <p:nvPr>
+            <p:ph type="sldNum" sz="quarter" idx="12"/>
+          </p:nvPr>
+        </p:nvSpPr>
+        <p:spPr/>
+        <p:txBody>
+          <a:bodyPr/>
+          <a:lstStyle/>
+          <a:p>
+            <a:fld id="{F28FD2EF-1A87-4BCB-A5DC-2FA9CDA63250}" type="slidenum">
+              <a:rPr lang="hu-HU" smtClean="0"/>
+              <a:t>12</a:t>
+            </a:fld>
+            <a:r>
+              <a:rPr lang="hu-HU" dirty="0"/>
+              <a:t>/14</a:t>
+            </a:r>
+            <a:endParaRPr lang="hu-HU" dirty="0"/>
+          </a:p>
+        </p:txBody>
+      </p:sp>
+    </p:spTree>
+    <p:extLst>
+      <p:ext uri="{BB962C8B-B14F-4D97-AF65-F5344CB8AC3E}">
+        <p14:creationId xmlns:p14="http://schemas.microsoft.com/office/powerpoint/2010/main" val="74609691"/>
+      </p:ext>
+    </p:extLst>
+  </p:cSld>
+  <p:clrMapOvr>
+    <a:masterClrMapping/>
+  </p:clrMapOvr>
+</p:sld>
+</file>
+
+<file path=ppt/slides/slide13.xml><?xml version="1.0" encoding="utf-8"?>
+<p:sld xmlns:a="http://schemas.openxmlformats.org/drawingml/2006/main" xmlns:r="http://schemas.openxmlformats.org/officeDocument/2006/relationships" xmlns:p="http://schemas.openxmlformats.org/presentationml/2006/main">
+  <p:cSld>
+    <p:spTree>
+      <p:nvGrpSpPr>
+        <p:cNvPr id="1" name=""/>
+        <p:cNvGrpSpPr/>
+        <p:nvPr/>
+      </p:nvGrpSpPr>
+      <p:grpSpPr>
+        <a:xfrm>
+          <a:off x="0" y="0"/>
+          <a:ext cx="0" cy="0"/>
+          <a:chOff x="0" y="0"/>
+          <a:chExt cx="0" cy="0"/>
+        </a:xfrm>
+      </p:grpSpPr>
+      <p:sp>
+        <p:nvSpPr>
+          <p:cNvPr id="2" name="Cím 1"/>
+          <p:cNvSpPr>
+            <a:spLocks noGrp="1"/>
+          </p:cNvSpPr>
+          <p:nvPr>
+            <p:ph type="title"/>
+          </p:nvPr>
+        </p:nvSpPr>
+        <p:spPr/>
+        <p:txBody>
+          <a:bodyPr/>
+          <a:lstStyle/>
+          <a:p>
+            <a:r>
+              <a:rPr lang="hu-HU" dirty="0"/>
+              <a:t>Elért </a:t>
+            </a:r>
+            <a:r>
+              <a:rPr lang="hu-HU" dirty="0" smtClean="0"/>
+              <a:t>eredmények</a:t>
+            </a:r>
+            <a:endParaRPr lang="hu-HU" dirty="0"/>
+          </a:p>
+        </p:txBody>
+      </p:sp>
+      <p:sp>
+        <p:nvSpPr>
+          <p:cNvPr id="3" name="Tartalom helye 2"/>
+          <p:cNvSpPr>
+            <a:spLocks noGrp="1"/>
+          </p:cNvSpPr>
+          <p:nvPr>
+            <p:ph idx="1"/>
+          </p:nvPr>
+        </p:nvSpPr>
+        <p:spPr/>
+        <p:txBody>
+          <a:bodyPr/>
+          <a:lstStyle/>
+          <a:p>
+            <a:pPr>
+              <a:lnSpc>
+                <a:spcPct val="200000"/>
+              </a:lnSpc>
+            </a:pPr>
+            <a:r>
+              <a:rPr lang="hu-HU" sz="2400" dirty="0"/>
               <a:t>Gépi tanulási eljárások megismerése</a:t>
             </a:r>
           </a:p>
           <a:p>
+            <a:pPr>
+              <a:lnSpc>
+                <a:spcPct val="200000"/>
+              </a:lnSpc>
+            </a:pPr>
+            <a:r>
+              <a:rPr lang="hu-HU" sz="2400" dirty="0"/>
+              <a:t>Megvalósításuk</a:t>
+            </a:r>
+          </a:p>
+          <a:p>
+            <a:pPr>
+              <a:lnSpc>
+                <a:spcPct val="200000"/>
+              </a:lnSpc>
+            </a:pPr>
+            <a:r>
+              <a:rPr lang="hu-HU" sz="2400" dirty="0"/>
+              <a:t>Kapcsolódó eszköztárral való ismerkedés</a:t>
+            </a:r>
+          </a:p>
+          <a:p>
+            <a:pPr>
+              <a:lnSpc>
+                <a:spcPct val="200000"/>
+              </a:lnSpc>
+            </a:pPr>
+            <a:r>
+              <a:rPr lang="hu-HU" sz="2400" dirty="0"/>
+              <a:t>Tananyag </a:t>
+            </a:r>
+            <a:r>
+              <a:rPr lang="hu-HU" sz="2400" dirty="0" smtClean="0"/>
+              <a:t>feldolgozása</a:t>
+            </a:r>
+          </a:p>
+          <a:p>
+            <a:endParaRPr lang="hu-HU" dirty="0"/>
+          </a:p>
+        </p:txBody>
+      </p:sp>
+      <p:graphicFrame>
+        <p:nvGraphicFramePr>
+          <p:cNvPr id="6" name="Diagram 5"/>
+          <p:cNvGraphicFramePr/>
+          <p:nvPr>
+            <p:extLst>
+              <p:ext uri="{D42A27DB-BD31-4B8C-83A1-F6EECF244321}">
+                <p14:modId xmlns:p14="http://schemas.microsoft.com/office/powerpoint/2010/main" val="2033988682"/>
+              </p:ext>
+            </p:extLst>
+          </p:nvPr>
+        </p:nvGraphicFramePr>
+        <p:xfrm>
+          <a:off x="6358198" y="1634068"/>
+          <a:ext cx="1178962" cy="1154400"/>
+        </p:xfrm>
+        <a:graphic>
+          <a:graphicData uri="http://schemas.openxmlformats.org/drawingml/2006/chart">
+            <c:chart xmlns:c="http://schemas.openxmlformats.org/drawingml/2006/chart" xmlns:r="http://schemas.openxmlformats.org/officeDocument/2006/relationships" r:id="rId2"/>
+          </a:graphicData>
+        </a:graphic>
+      </p:graphicFrame>
+      <p:graphicFrame>
+        <p:nvGraphicFramePr>
+          <p:cNvPr id="7" name="Diagram 6"/>
+          <p:cNvGraphicFramePr/>
+          <p:nvPr>
+            <p:extLst>
+              <p:ext uri="{D42A27DB-BD31-4B8C-83A1-F6EECF244321}">
+                <p14:modId xmlns:p14="http://schemas.microsoft.com/office/powerpoint/2010/main" val="245030737"/>
+              </p:ext>
+            </p:extLst>
+          </p:nvPr>
+        </p:nvGraphicFramePr>
+        <p:xfrm>
+          <a:off x="3994087" y="2714147"/>
+          <a:ext cx="1178962" cy="1154400"/>
+        </p:xfrm>
+        <a:graphic>
+          <a:graphicData uri="http://schemas.openxmlformats.org/drawingml/2006/chart">
+            <c:chart xmlns:c="http://schemas.openxmlformats.org/drawingml/2006/chart" xmlns:r="http://schemas.openxmlformats.org/officeDocument/2006/relationships" r:id="rId3"/>
+          </a:graphicData>
+        </a:graphic>
+      </p:graphicFrame>
+      <p:graphicFrame>
+        <p:nvGraphicFramePr>
+          <p:cNvPr id="8" name="Diagram 7"/>
+          <p:cNvGraphicFramePr/>
+          <p:nvPr>
+            <p:extLst>
+              <p:ext uri="{D42A27DB-BD31-4B8C-83A1-F6EECF244321}">
+                <p14:modId xmlns:p14="http://schemas.microsoft.com/office/powerpoint/2010/main" val="2087655892"/>
+              </p:ext>
+            </p:extLst>
+          </p:nvPr>
+        </p:nvGraphicFramePr>
+        <p:xfrm>
+          <a:off x="6427457" y="3558733"/>
+          <a:ext cx="1178962" cy="1154400"/>
+        </p:xfrm>
+        <a:graphic>
+          <a:graphicData uri="http://schemas.openxmlformats.org/drawingml/2006/chart">
+            <c:chart xmlns:c="http://schemas.openxmlformats.org/drawingml/2006/chart" xmlns:r="http://schemas.openxmlformats.org/officeDocument/2006/relationships" r:id="rId4"/>
+          </a:graphicData>
+        </a:graphic>
+      </p:graphicFrame>
+      <p:graphicFrame>
+        <p:nvGraphicFramePr>
+          <p:cNvPr id="9" name="Diagram 8"/>
+          <p:cNvGraphicFramePr/>
+          <p:nvPr>
+            <p:extLst>
+              <p:ext uri="{D42A27DB-BD31-4B8C-83A1-F6EECF244321}">
+                <p14:modId xmlns:p14="http://schemas.microsoft.com/office/powerpoint/2010/main" val="3994465909"/>
+              </p:ext>
+            </p:extLst>
+          </p:nvPr>
+        </p:nvGraphicFramePr>
+        <p:xfrm>
+          <a:off x="3994087" y="4499934"/>
+          <a:ext cx="1178962" cy="1154400"/>
+        </p:xfrm>
+        <a:graphic>
+          <a:graphicData uri="http://schemas.openxmlformats.org/drawingml/2006/chart">
+            <c:chart xmlns:c="http://schemas.openxmlformats.org/drawingml/2006/chart" xmlns:r="http://schemas.openxmlformats.org/officeDocument/2006/relationships" r:id="rId5"/>
+          </a:graphicData>
+        </a:graphic>
+      </p:graphicFrame>
+      <p:sp>
+        <p:nvSpPr>
+          <p:cNvPr id="10" name="Dia számának helye 9"/>
+          <p:cNvSpPr>
+            <a:spLocks noGrp="1"/>
+          </p:cNvSpPr>
+          <p:nvPr>
+            <p:ph type="sldNum" sz="quarter" idx="12"/>
+          </p:nvPr>
+        </p:nvSpPr>
+        <p:spPr/>
+        <p:txBody>
+          <a:bodyPr/>
+          <a:lstStyle/>
+          <a:p>
+            <a:fld id="{F28FD2EF-1A87-4BCB-A5DC-2FA9CDA63250}" type="slidenum">
+              <a:rPr lang="hu-HU" smtClean="0"/>
+              <a:t>13</a:t>
+            </a:fld>
             <a:r>
               <a:rPr lang="hu-HU" dirty="0"/>
-              <a:t>Megvalósításuk</a:t>
-            </a:r>
-          </a:p>
-          <a:p>
-            <a:r>
-              <a:rPr lang="hu-HU" dirty="0"/>
-              <a:t>Kapcsolódó eszköztárral való ismerkedés</a:t>
-            </a:r>
-          </a:p>
-          <a:p>
-            <a:r>
-              <a:rPr lang="hu-HU" dirty="0"/>
-              <a:t>Tananyag </a:t>
-            </a:r>
-            <a:r>
-              <a:rPr lang="hu-HU" dirty="0" smtClean="0"/>
-              <a:t>feldolgozása</a:t>
-            </a:r>
-          </a:p>
-          <a:p>
-            <a:endParaRPr lang="hu-HU" dirty="0"/>
-          </a:p>
-          <a:p>
-            <a:r>
-              <a:rPr lang="hu-HU" dirty="0" smtClean="0"/>
-              <a:t>„Itt leírni hogy mi kb. hány százalékban sikerült”</a:t>
-            </a:r>
-            <a:endParaRPr lang="hu-HU" dirty="0"/>
-          </a:p>
-          <a:p>
+              <a:t>/14</a:t>
+            </a:r>
             <a:endParaRPr lang="hu-HU" dirty="0"/>
           </a:p>
         </p:txBody>
@@ -3999,6 +8142,176 @@
     <p:extLst>
       <p:ext uri="{BB962C8B-B14F-4D97-AF65-F5344CB8AC3E}">
         <p14:creationId xmlns:p14="http://schemas.microsoft.com/office/powerpoint/2010/main" val="3442340932"/>
+      </p:ext>
+    </p:extLst>
+  </p:cSld>
+  <p:clrMapOvr>
+    <a:masterClrMapping/>
+  </p:clrMapOvr>
+</p:sld>
+</file>
+
+<file path=ppt/slides/slide14.xml><?xml version="1.0" encoding="utf-8"?>
+<p:sld xmlns:a="http://schemas.openxmlformats.org/drawingml/2006/main" xmlns:r="http://schemas.openxmlformats.org/officeDocument/2006/relationships" xmlns:p="http://schemas.openxmlformats.org/presentationml/2006/main">
+  <p:cSld>
+    <p:spTree>
+      <p:nvGrpSpPr>
+        <p:cNvPr id="1" name=""/>
+        <p:cNvGrpSpPr/>
+        <p:nvPr/>
+      </p:nvGrpSpPr>
+      <p:grpSpPr>
+        <a:xfrm>
+          <a:off x="0" y="0"/>
+          <a:ext cx="0" cy="0"/>
+          <a:chOff x="0" y="0"/>
+          <a:chExt cx="0" cy="0"/>
+        </a:xfrm>
+      </p:grpSpPr>
+      <p:sp>
+        <p:nvSpPr>
+          <p:cNvPr id="2" name="Cím 1"/>
+          <p:cNvSpPr>
+            <a:spLocks noGrp="1"/>
+          </p:cNvSpPr>
+          <p:nvPr>
+            <p:ph type="title"/>
+          </p:nvPr>
+        </p:nvSpPr>
+        <p:spPr/>
+        <p:txBody>
+          <a:bodyPr/>
+          <a:lstStyle/>
+          <a:p>
+            <a:r>
+              <a:rPr lang="hu-HU" dirty="0" smtClean="0"/>
+              <a:t>Köszönöm a figyelmet!</a:t>
+            </a:r>
+            <a:endParaRPr lang="hu-HU" dirty="0"/>
+          </a:p>
+        </p:txBody>
+      </p:sp>
+      <p:sp>
+        <p:nvSpPr>
+          <p:cNvPr id="3" name="Tartalom helye 2"/>
+          <p:cNvSpPr>
+            <a:spLocks noGrp="1"/>
+          </p:cNvSpPr>
+          <p:nvPr>
+            <p:ph idx="1"/>
+          </p:nvPr>
+        </p:nvSpPr>
+        <p:spPr>
+          <a:xfrm>
+            <a:off x="1097280" y="2233061"/>
+            <a:ext cx="10058400" cy="3636033"/>
+          </a:xfrm>
+        </p:spPr>
+        <p:txBody>
+          <a:bodyPr/>
+          <a:lstStyle/>
+          <a:p>
+            <a:endParaRPr lang="hu-HU" dirty="0" smtClean="0"/>
+          </a:p>
+          <a:p>
+            <a:r>
+              <a:rPr lang="hu-HU" dirty="0"/>
+              <a:t>Kurzus link: </a:t>
+            </a:r>
+            <a:r>
+              <a:rPr lang="hu-HU" b="1" dirty="0">
+                <a:hlinkClick r:id="rId2"/>
+              </a:rPr>
+              <a:t>http://</a:t>
+            </a:r>
+            <a:r>
+              <a:rPr lang="hu-HU" b="1" dirty="0" smtClean="0">
+                <a:hlinkClick r:id="rId2"/>
+              </a:rPr>
+              <a:t>cs231n.stanford.edu/syllabus.html</a:t>
+            </a:r>
+            <a:endParaRPr lang="hu-HU" b="1" dirty="0" smtClean="0"/>
+          </a:p>
+          <a:p>
+            <a:endParaRPr lang="hu-HU" b="1" dirty="0"/>
+          </a:p>
+          <a:p>
+            <a:r>
+              <a:rPr lang="hu-HU" dirty="0"/>
+              <a:t>Projekt elérhetősége: </a:t>
+            </a:r>
+            <a:r>
+              <a:rPr lang="hu-HU" b="1" dirty="0">
+                <a:hlinkClick r:id="rId3"/>
+              </a:rPr>
+              <a:t>https://</a:t>
+            </a:r>
+            <a:r>
+              <a:rPr lang="hu-HU" b="1" dirty="0" smtClean="0">
+                <a:hlinkClick r:id="rId3"/>
+              </a:rPr>
+              <a:t>github.com/koojozsef/AI-project-for-university</a:t>
+            </a:r>
+            <a:endParaRPr lang="hu-HU" b="1" dirty="0" smtClean="0"/>
+          </a:p>
+          <a:p>
+            <a:endParaRPr lang="hu-HU" dirty="0" smtClean="0"/>
+          </a:p>
+          <a:p>
+            <a:r>
+              <a:rPr lang="hu-HU" dirty="0"/>
+              <a:t>CIFAR-10 adatbázis: </a:t>
+            </a:r>
+            <a:r>
+              <a:rPr lang="hu-HU" b="1" dirty="0">
+                <a:hlinkClick r:id="rId4"/>
+              </a:rPr>
+              <a:t>https://www.cs.toronto.edu/~</a:t>
+            </a:r>
+            <a:r>
+              <a:rPr lang="hu-HU" b="1" dirty="0" smtClean="0">
+                <a:hlinkClick r:id="rId4"/>
+              </a:rPr>
+              <a:t>kriz/cifar.html</a:t>
+            </a:r>
+            <a:endParaRPr lang="hu-HU" b="1" dirty="0" smtClean="0"/>
+          </a:p>
+          <a:p>
+            <a:endParaRPr lang="hu-HU" b="1" dirty="0"/>
+          </a:p>
+        </p:txBody>
+      </p:sp>
+      <p:sp>
+        <p:nvSpPr>
+          <p:cNvPr id="4" name="Dia számának helye 3"/>
+          <p:cNvSpPr>
+            <a:spLocks noGrp="1"/>
+          </p:cNvSpPr>
+          <p:nvPr>
+            <p:ph type="sldNum" sz="quarter" idx="12"/>
+          </p:nvPr>
+        </p:nvSpPr>
+        <p:spPr/>
+        <p:txBody>
+          <a:bodyPr/>
+          <a:lstStyle/>
+          <a:p>
+            <a:fld id="{F28FD2EF-1A87-4BCB-A5DC-2FA9CDA63250}" type="slidenum">
+              <a:rPr lang="hu-HU" smtClean="0"/>
+              <a:t>14</a:t>
+            </a:fld>
+            <a:r>
+              <a:rPr lang="hu-HU" dirty="0"/>
+              <a:t>/14</a:t>
+            </a:r>
+            <a:endParaRPr lang="hu-HU" dirty="0"/>
+          </a:p>
+        </p:txBody>
+      </p:sp>
+    </p:spTree>
+    <p:extLst>
+      <p:ext uri="{BB962C8B-B14F-4D97-AF65-F5344CB8AC3E}">
+        <p14:creationId xmlns:p14="http://schemas.microsoft.com/office/powerpoint/2010/main" val="2178749338"/>
       </p:ext>
     </p:extLst>
   </p:cSld>
@@ -4042,7 +8355,7 @@
           <a:p>
             <a:r>
               <a:rPr lang="hu-HU" dirty="0" smtClean="0"/>
-              <a:t>Bevezetés</a:t>
+              <a:t>Áttekintés</a:t>
             </a:r>
             <a:endParaRPr lang="hu-HU" dirty="0"/>
           </a:p>
@@ -4070,35 +8383,113 @@
           </a:bodyPr>
           <a:lstStyle/>
           <a:p>
+            <a:pPr>
+              <a:buFont typeface="Arial" panose="020B0604020202020204" pitchFamily="34" charset="0"/>
+              <a:buChar char="•"/>
+            </a:pPr>
             <a:r>
               <a:rPr lang="hu-HU" sz="2800" dirty="0" smtClean="0"/>
-              <a:t>Célkitűzés</a:t>
-            </a:r>
-          </a:p>
-          <a:p>
+              <a:t>  Célkitűzés</a:t>
+            </a:r>
+            <a:endParaRPr lang="hu-HU" sz="2800" dirty="0" smtClean="0"/>
+          </a:p>
+          <a:p>
+            <a:pPr>
+              <a:buFont typeface="Arial" panose="020B0604020202020204" pitchFamily="34" charset="0"/>
+              <a:buChar char="•"/>
+            </a:pPr>
             <a:r>
               <a:rPr lang="hu-HU" sz="2800" dirty="0" smtClean="0"/>
-              <a:t>Fejlesztői eszközök</a:t>
-            </a:r>
-          </a:p>
-          <a:p>
+              <a:t>  Gépi </a:t>
+            </a:r>
             <a:r>
               <a:rPr lang="hu-HU" sz="2800" dirty="0" smtClean="0"/>
-              <a:t>Felhasznált adatforrások</a:t>
-            </a:r>
-          </a:p>
-          <a:p>
+              <a:t>tanulás áttekintése</a:t>
+            </a:r>
+          </a:p>
+          <a:p>
+            <a:pPr>
+              <a:buFont typeface="Arial" panose="020B0604020202020204" pitchFamily="34" charset="0"/>
+              <a:buChar char="•"/>
+            </a:pPr>
             <a:r>
               <a:rPr lang="hu-HU" sz="2800" dirty="0" smtClean="0"/>
-              <a:t>Osztályozó algoritmusok bemutatása</a:t>
-            </a:r>
-          </a:p>
-          <a:p>
+              <a:t>  Fejlesztői </a:t>
+            </a:r>
             <a:r>
               <a:rPr lang="hu-HU" sz="2800" dirty="0" smtClean="0"/>
-              <a:t>Elért eredmények</a:t>
+              <a:t>eszközök</a:t>
+            </a:r>
+          </a:p>
+          <a:p>
+            <a:pPr>
+              <a:buFont typeface="Arial" panose="020B0604020202020204" pitchFamily="34" charset="0"/>
+              <a:buChar char="•"/>
+            </a:pPr>
+            <a:r>
+              <a:rPr lang="hu-HU" sz="2800" dirty="0" smtClean="0"/>
+              <a:t>  Felhasznált </a:t>
+            </a:r>
+            <a:r>
+              <a:rPr lang="hu-HU" sz="2800" dirty="0" smtClean="0"/>
+              <a:t>adatforrások</a:t>
+            </a:r>
+          </a:p>
+          <a:p>
+            <a:pPr>
+              <a:buFont typeface="Arial" panose="020B0604020202020204" pitchFamily="34" charset="0"/>
+              <a:buChar char="•"/>
+            </a:pPr>
+            <a:r>
+              <a:rPr lang="hu-HU" sz="2800" dirty="0" smtClean="0"/>
+              <a:t>  Osztályozó </a:t>
+            </a:r>
+            <a:r>
+              <a:rPr lang="hu-HU" sz="2800" dirty="0" smtClean="0"/>
+              <a:t>algoritmusok bemutatása</a:t>
+            </a:r>
+          </a:p>
+          <a:p>
+            <a:pPr>
+              <a:buFont typeface="Arial" panose="020B0604020202020204" pitchFamily="34" charset="0"/>
+              <a:buChar char="•"/>
+            </a:pPr>
+            <a:r>
+              <a:rPr lang="hu-HU" sz="2800" dirty="0" smtClean="0"/>
+              <a:t>  Elért </a:t>
+            </a:r>
+            <a:r>
+              <a:rPr lang="hu-HU" sz="2800" dirty="0" smtClean="0"/>
+              <a:t>eredmények</a:t>
             </a:r>
             <a:endParaRPr lang="hu-HU" sz="2800" dirty="0"/>
+          </a:p>
+        </p:txBody>
+      </p:sp>
+      <p:sp>
+        <p:nvSpPr>
+          <p:cNvPr id="4" name="Dia számának helye 3"/>
+          <p:cNvSpPr>
+            <a:spLocks noGrp="1"/>
+          </p:cNvSpPr>
+          <p:nvPr>
+            <p:ph type="sldNum" sz="quarter" idx="12"/>
+          </p:nvPr>
+        </p:nvSpPr>
+        <p:spPr/>
+        <p:txBody>
+          <a:bodyPr/>
+          <a:lstStyle/>
+          <a:p>
+            <a:fld id="{F28FD2EF-1A87-4BCB-A5DC-2FA9CDA63250}" type="slidenum">
+              <a:rPr lang="hu-HU" smtClean="0"/>
+              <a:t>2</a:t>
+            </a:fld>
+            <a:r>
+              <a:rPr lang="hu-HU" dirty="0"/>
+              <a:t>/14</a:t>
+            </a:r>
+            <a:endParaRPr lang="hu-HU" dirty="0"/>
           </a:p>
         </p:txBody>
       </p:sp>
@@ -4171,30 +8562,135 @@
           </a:xfrm>
         </p:spPr>
         <p:txBody>
+          <a:bodyPr>
+            <a:normAutofit/>
+          </a:bodyPr>
+          <a:lstStyle/>
+          <a:p>
+            <a:r>
+              <a:rPr lang="hu-HU" sz="2800" dirty="0" smtClean="0"/>
+              <a:t>Gépi tanulási eljárások </a:t>
+            </a:r>
+            <a:r>
+              <a:rPr lang="hu-HU" sz="2800" dirty="0" smtClean="0"/>
+              <a:t>megismerése, </a:t>
+            </a:r>
+            <a:r>
+              <a:rPr lang="hu-HU" sz="2800" dirty="0" smtClean="0"/>
+              <a:t>m</a:t>
+            </a:r>
+            <a:r>
+              <a:rPr lang="hu-HU" sz="2800" dirty="0" smtClean="0"/>
+              <a:t>egvalósítása</a:t>
+            </a:r>
+          </a:p>
+          <a:p>
+            <a:endParaRPr lang="hu-HU" sz="2800" dirty="0" smtClean="0"/>
+          </a:p>
+          <a:p>
+            <a:r>
+              <a:rPr lang="hu-HU" sz="2800" dirty="0" smtClean="0"/>
+              <a:t>Kapcsolódó eszköztárral való ismerkedés</a:t>
+            </a:r>
+          </a:p>
+          <a:p>
+            <a:endParaRPr lang="hu-HU" sz="2800" dirty="0" smtClean="0"/>
+          </a:p>
+          <a:p>
+            <a:r>
+              <a:rPr lang="hu-HU" sz="2800" dirty="0" smtClean="0"/>
+              <a:t>Tananyag </a:t>
+            </a:r>
+            <a:r>
+              <a:rPr lang="hu-HU" sz="2800" dirty="0" smtClean="0"/>
+              <a:t>feldolgozása – </a:t>
+            </a:r>
+            <a:r>
+              <a:rPr lang="hu-HU" sz="2800" dirty="0" smtClean="0"/>
+              <a:t>CS231n </a:t>
+            </a:r>
+            <a:r>
+              <a:rPr lang="hu-HU" sz="2800" dirty="0" err="1" smtClean="0"/>
+              <a:t>Course</a:t>
+            </a:r>
+            <a:r>
+              <a:rPr lang="hu-HU" sz="2800" dirty="0" smtClean="0"/>
+              <a:t>, Stanford University</a:t>
+            </a:r>
+            <a:endParaRPr lang="hu-HU" sz="2800" dirty="0"/>
+          </a:p>
+        </p:txBody>
+      </p:sp>
+      <p:pic>
+        <p:nvPicPr>
+          <p:cNvPr id="4" name="Kép 3"/>
+          <p:cNvPicPr>
+            <a:picLocks noChangeAspect="1"/>
+          </p:cNvPicPr>
+          <p:nvPr/>
+        </p:nvPicPr>
+        <p:blipFill>
+          <a:blip r:embed="rId2"/>
+          <a:stretch>
+            <a:fillRect/>
+          </a:stretch>
+        </p:blipFill>
+        <p:spPr>
+          <a:xfrm>
+            <a:off x="9970975" y="4251966"/>
+            <a:ext cx="594417" cy="891626"/>
+          </a:xfrm>
+          <a:prstGeom prst="rect">
+            <a:avLst/>
+          </a:prstGeom>
+        </p:spPr>
+      </p:pic>
+      <p:pic>
+        <p:nvPicPr>
+          <p:cNvPr id="5" name="Kép 4"/>
+          <p:cNvPicPr>
+            <a:picLocks noChangeAspect="1"/>
+          </p:cNvPicPr>
+          <p:nvPr/>
+        </p:nvPicPr>
+        <p:blipFill>
+          <a:blip r:embed="rId3"/>
+          <a:stretch>
+            <a:fillRect/>
+          </a:stretch>
+        </p:blipFill>
+        <p:spPr>
+          <a:xfrm>
+            <a:off x="7230324" y="2736834"/>
+            <a:ext cx="1954250" cy="1319119"/>
+          </a:xfrm>
+          <a:prstGeom prst="rect">
+            <a:avLst/>
+          </a:prstGeom>
+        </p:spPr>
+      </p:pic>
+      <p:sp>
+        <p:nvSpPr>
+          <p:cNvPr id="6" name="Dia számának helye 5"/>
+          <p:cNvSpPr>
+            <a:spLocks noGrp="1"/>
+          </p:cNvSpPr>
+          <p:nvPr>
+            <p:ph type="sldNum" sz="quarter" idx="12"/>
+          </p:nvPr>
+        </p:nvSpPr>
+        <p:spPr/>
+        <p:txBody>
           <a:bodyPr/>
           <a:lstStyle/>
           <a:p>
-            <a:r>
-              <a:rPr lang="hu-HU" dirty="0" smtClean="0"/>
-              <a:t>Gépi tanulási eljárások megismerése</a:t>
-            </a:r>
-          </a:p>
-          <a:p>
-            <a:r>
-              <a:rPr lang="hu-HU" dirty="0" smtClean="0"/>
-              <a:t>Megvalósításuk</a:t>
-            </a:r>
-          </a:p>
-          <a:p>
-            <a:r>
-              <a:rPr lang="hu-HU" dirty="0" smtClean="0"/>
-              <a:t>Kapcsolódó eszköztárral való ismerkedés</a:t>
-            </a:r>
-          </a:p>
-          <a:p>
-            <a:r>
-              <a:rPr lang="hu-HU" dirty="0" smtClean="0"/>
-              <a:t>Tananyag feldolgozása</a:t>
+            <a:fld id="{F28FD2EF-1A87-4BCB-A5DC-2FA9CDA63250}" type="slidenum">
+              <a:rPr lang="hu-HU" smtClean="0"/>
+              <a:t>3</a:t>
+            </a:fld>
+            <a:r>
+              <a:rPr lang="hu-HU" dirty="0"/>
+              <a:t>/14</a:t>
             </a:r>
             <a:endParaRPr lang="hu-HU" dirty="0"/>
           </a:p>
@@ -4246,14 +8742,10 @@
           <a:lstStyle/>
           <a:p>
             <a:r>
-              <a:rPr lang="hu-HU" dirty="0"/>
-              <a:t>Fejlesztői </a:t>
-            </a:r>
-            <a:r>
               <a:rPr lang="hu-HU" dirty="0" smtClean="0"/>
-              <a:t>eszközök</a:t>
-            </a:r>
-            <a:endParaRPr lang="hu-HU" dirty="0"/>
+              <a:t>Gépi tanulás</a:t>
+            </a:r>
+            <a:endParaRPr lang="en-GB" dirty="0"/>
           </a:p>
         </p:txBody>
       </p:sp>
@@ -4267,38 +8759,545 @@
             <p:ph idx="1"/>
           </p:nvPr>
         </p:nvSpPr>
+        <p:spPr>
+          <a:xfrm>
+            <a:off x="2735957" y="2135444"/>
+            <a:ext cx="7087053" cy="951788"/>
+          </a:xfrm>
+          <a:prstGeom prst="roundRect">
+            <a:avLst/>
+          </a:prstGeom>
+          <a:solidFill>
+            <a:schemeClr val="bg1">
+              <a:lumMod val="95000"/>
+            </a:schemeClr>
+          </a:solidFill>
+        </p:spPr>
+        <p:style>
+          <a:lnRef idx="2">
+            <a:schemeClr val="dk1"/>
+          </a:lnRef>
+          <a:fillRef idx="1">
+            <a:schemeClr val="lt1"/>
+          </a:fillRef>
+          <a:effectRef idx="0">
+            <a:schemeClr val="dk1"/>
+          </a:effectRef>
+          <a:fontRef idx="minor">
+            <a:schemeClr val="dk1"/>
+          </a:fontRef>
+        </p:style>
+        <p:txBody>
+          <a:bodyPr>
+            <a:normAutofit lnSpcReduction="10000"/>
+          </a:bodyPr>
+          <a:lstStyle/>
+          <a:p>
+            <a:pPr algn="ctr"/>
+            <a:r>
+              <a:rPr lang="hu-HU" i="1" dirty="0" smtClean="0"/>
+              <a:t>„A gépi tanulás a számítástudomány azon ágazata amely a számítástechnikai eszközöket ruházza fel a </a:t>
+            </a:r>
+            <a:r>
+              <a:rPr lang="hu-HU" b="1" i="1" dirty="0" smtClean="0"/>
+              <a:t>tanulás</a:t>
+            </a:r>
+            <a:r>
+              <a:rPr lang="hu-HU" i="1" dirty="0" smtClean="0"/>
+              <a:t> képességével adatok alapján, </a:t>
+            </a:r>
+            <a:r>
+              <a:rPr lang="hu-HU" b="1" i="1" dirty="0" smtClean="0"/>
+              <a:t>közvetlen programozás nélkül</a:t>
+            </a:r>
+            <a:r>
+              <a:rPr lang="hu-HU" i="1" dirty="0" smtClean="0"/>
+              <a:t>.”</a:t>
+            </a:r>
+          </a:p>
+          <a:p>
+            <a:endParaRPr lang="hu-HU" dirty="0" smtClean="0"/>
+          </a:p>
+        </p:txBody>
+      </p:sp>
+      <p:sp>
+        <p:nvSpPr>
+          <p:cNvPr id="4" name="Szövegdoboz 3"/>
+          <p:cNvSpPr txBox="1"/>
+          <p:nvPr/>
+        </p:nvSpPr>
+        <p:spPr>
+          <a:xfrm>
+            <a:off x="6862526" y="3675707"/>
+            <a:ext cx="4679807" cy="923330"/>
+          </a:xfrm>
+          <a:prstGeom prst="rect">
+            <a:avLst/>
+          </a:prstGeom>
+          <a:noFill/>
+        </p:spPr>
+        <p:txBody>
+          <a:bodyPr wrap="none" rtlCol="0">
+            <a:spAutoFit/>
+          </a:bodyPr>
+          <a:lstStyle/>
+          <a:p>
+            <a:r>
+              <a:rPr lang="hu-HU" b="1" dirty="0" smtClean="0"/>
+              <a:t>Tanulási algoritmusok</a:t>
+            </a:r>
+          </a:p>
+          <a:p>
+            <a:endParaRPr lang="hu-HU" dirty="0"/>
+          </a:p>
+          <a:p>
+            <a:pPr lvl="1"/>
+            <a:r>
+              <a:rPr lang="hu-HU" dirty="0"/>
+              <a:t>Döntési </a:t>
+            </a:r>
+            <a:r>
+              <a:rPr lang="hu-HU" dirty="0" smtClean="0"/>
+              <a:t>fa	   Mesterséges </a:t>
+            </a:r>
+            <a:r>
+              <a:rPr lang="hu-HU" dirty="0"/>
+              <a:t>neurális </a:t>
+            </a:r>
+            <a:r>
+              <a:rPr lang="hu-HU" dirty="0" smtClean="0"/>
+              <a:t>háló </a:t>
+            </a:r>
+            <a:endParaRPr lang="hu-HU" dirty="0"/>
+          </a:p>
+        </p:txBody>
+      </p:sp>
+      <p:sp>
+        <p:nvSpPr>
+          <p:cNvPr id="5" name="Szövegdoboz 4"/>
+          <p:cNvSpPr txBox="1"/>
+          <p:nvPr/>
+        </p:nvSpPr>
+        <p:spPr>
+          <a:xfrm>
+            <a:off x="668119" y="3095007"/>
+            <a:ext cx="1871025" cy="369332"/>
+          </a:xfrm>
+          <a:prstGeom prst="rect">
+            <a:avLst/>
+          </a:prstGeom>
+          <a:noFill/>
+        </p:spPr>
+        <p:txBody>
+          <a:bodyPr wrap="none" rtlCol="0">
+            <a:spAutoFit/>
+          </a:bodyPr>
+          <a:lstStyle/>
+          <a:p>
+            <a:r>
+              <a:rPr lang="hu-HU" b="1" dirty="0"/>
+              <a:t>Biológiai </a:t>
+            </a:r>
+            <a:r>
+              <a:rPr lang="hu-HU" b="1" dirty="0" smtClean="0"/>
+              <a:t>analógia</a:t>
+            </a:r>
+            <a:endParaRPr lang="hu-HU" b="1" dirty="0"/>
+          </a:p>
+        </p:txBody>
+      </p:sp>
+      <p:sp>
+        <p:nvSpPr>
+          <p:cNvPr id="6" name="Téglalap 5"/>
+          <p:cNvSpPr/>
+          <p:nvPr/>
+        </p:nvSpPr>
+        <p:spPr>
+          <a:xfrm>
+            <a:off x="7613964" y="4689695"/>
+            <a:ext cx="534155" cy="235390"/>
+          </a:xfrm>
+          <a:prstGeom prst="rect">
+            <a:avLst/>
+          </a:prstGeom>
+          <a:solidFill>
+            <a:srgbClr val="FFC000"/>
+          </a:solidFill>
+          <a:ln>
+            <a:noFill/>
+          </a:ln>
+        </p:spPr>
+        <p:style>
+          <a:lnRef idx="2">
+            <a:schemeClr val="accent1">
+              <a:shade val="50000"/>
+            </a:schemeClr>
+          </a:lnRef>
+          <a:fillRef idx="1">
+            <a:schemeClr val="accent1"/>
+          </a:fillRef>
+          <a:effectRef idx="0">
+            <a:schemeClr val="accent1"/>
+          </a:effectRef>
+          <a:fontRef idx="minor">
+            <a:schemeClr val="lt1"/>
+          </a:fontRef>
+        </p:style>
+        <p:txBody>
+          <a:bodyPr rtlCol="0" anchor="ctr"/>
+          <a:lstStyle/>
+          <a:p>
+            <a:pPr algn="ctr"/>
+            <a:endParaRPr lang="hu-HU"/>
+          </a:p>
+        </p:txBody>
+      </p:sp>
+      <p:sp>
+        <p:nvSpPr>
+          <p:cNvPr id="7" name="Téglalap 6"/>
+          <p:cNvSpPr/>
+          <p:nvPr/>
+        </p:nvSpPr>
+        <p:spPr>
+          <a:xfrm>
+            <a:off x="7300111" y="5311366"/>
+            <a:ext cx="534155" cy="235390"/>
+          </a:xfrm>
+          <a:prstGeom prst="rect">
+            <a:avLst/>
+          </a:prstGeom>
+          <a:solidFill>
+            <a:srgbClr val="FF0000"/>
+          </a:solidFill>
+          <a:ln>
+            <a:noFill/>
+          </a:ln>
+        </p:spPr>
+        <p:style>
+          <a:lnRef idx="2">
+            <a:schemeClr val="accent1">
+              <a:shade val="50000"/>
+            </a:schemeClr>
+          </a:lnRef>
+          <a:fillRef idx="1">
+            <a:schemeClr val="accent1"/>
+          </a:fillRef>
+          <a:effectRef idx="0">
+            <a:schemeClr val="accent1"/>
+          </a:effectRef>
+          <a:fontRef idx="minor">
+            <a:schemeClr val="lt1"/>
+          </a:fontRef>
+        </p:style>
+        <p:txBody>
+          <a:bodyPr rtlCol="0" anchor="ctr"/>
+          <a:lstStyle/>
+          <a:p>
+            <a:pPr algn="ctr"/>
+            <a:endParaRPr lang="hu-HU"/>
+          </a:p>
+        </p:txBody>
+      </p:sp>
+      <p:sp>
+        <p:nvSpPr>
+          <p:cNvPr id="8" name="Téglalap 7"/>
+          <p:cNvSpPr/>
+          <p:nvPr/>
+        </p:nvSpPr>
+        <p:spPr>
+          <a:xfrm>
+            <a:off x="7974593" y="5312875"/>
+            <a:ext cx="534155" cy="235390"/>
+          </a:xfrm>
+          <a:prstGeom prst="rect">
+            <a:avLst/>
+          </a:prstGeom>
+          <a:solidFill>
+            <a:srgbClr val="00B050"/>
+          </a:solidFill>
+          <a:ln>
+            <a:noFill/>
+          </a:ln>
+        </p:spPr>
+        <p:style>
+          <a:lnRef idx="2">
+            <a:schemeClr val="accent1">
+              <a:shade val="50000"/>
+            </a:schemeClr>
+          </a:lnRef>
+          <a:fillRef idx="1">
+            <a:schemeClr val="accent1"/>
+          </a:fillRef>
+          <a:effectRef idx="0">
+            <a:schemeClr val="accent1"/>
+          </a:effectRef>
+          <a:fontRef idx="minor">
+            <a:schemeClr val="lt1"/>
+          </a:fontRef>
+        </p:style>
+        <p:txBody>
+          <a:bodyPr rtlCol="0" anchor="ctr"/>
+          <a:lstStyle/>
+          <a:p>
+            <a:pPr algn="ctr"/>
+            <a:endParaRPr lang="hu-HU"/>
+          </a:p>
+        </p:txBody>
+      </p:sp>
+      <p:cxnSp>
+        <p:nvCxnSpPr>
+          <p:cNvPr id="10" name="Egyenes összekötő nyíllal 9"/>
+          <p:cNvCxnSpPr>
+            <a:stCxn id="6" idx="2"/>
+            <a:endCxn id="8" idx="0"/>
+          </p:cNvCxnSpPr>
+          <p:nvPr/>
+        </p:nvCxnSpPr>
+        <p:spPr>
+          <a:xfrm>
+            <a:off x="7881042" y="4925085"/>
+            <a:ext cx="360629" cy="387790"/>
+          </a:xfrm>
+          <a:prstGeom prst="straightConnector1">
+            <a:avLst/>
+          </a:prstGeom>
+          <a:ln>
+            <a:solidFill>
+              <a:srgbClr val="00B050"/>
+            </a:solidFill>
+            <a:tailEnd type="triangle"/>
+          </a:ln>
+        </p:spPr>
+        <p:style>
+          <a:lnRef idx="1">
+            <a:schemeClr val="accent1"/>
+          </a:lnRef>
+          <a:fillRef idx="0">
+            <a:schemeClr val="accent1"/>
+          </a:fillRef>
+          <a:effectRef idx="0">
+            <a:schemeClr val="accent1"/>
+          </a:effectRef>
+          <a:fontRef idx="minor">
+            <a:schemeClr val="tx1"/>
+          </a:fontRef>
+        </p:style>
+      </p:cxnSp>
+      <p:cxnSp>
+        <p:nvCxnSpPr>
+          <p:cNvPr id="12" name="Egyenes összekötő nyíllal 11"/>
+          <p:cNvCxnSpPr>
+            <a:stCxn id="6" idx="2"/>
+            <a:endCxn id="7" idx="0"/>
+          </p:cNvCxnSpPr>
+          <p:nvPr/>
+        </p:nvCxnSpPr>
+        <p:spPr>
+          <a:xfrm flipH="1">
+            <a:off x="7567189" y="4925085"/>
+            <a:ext cx="313853" cy="386281"/>
+          </a:xfrm>
+          <a:prstGeom prst="straightConnector1">
+            <a:avLst/>
+          </a:prstGeom>
+          <a:ln>
+            <a:solidFill>
+              <a:srgbClr val="FF0000"/>
+            </a:solidFill>
+            <a:tailEnd type="triangle"/>
+          </a:ln>
+        </p:spPr>
+        <p:style>
+          <a:lnRef idx="1">
+            <a:schemeClr val="accent1"/>
+          </a:lnRef>
+          <a:fillRef idx="0">
+            <a:schemeClr val="accent1"/>
+          </a:fillRef>
+          <a:effectRef idx="0">
+            <a:schemeClr val="accent1"/>
+          </a:effectRef>
+          <a:fontRef idx="minor">
+            <a:schemeClr val="tx1"/>
+          </a:fontRef>
+        </p:style>
+      </p:cxnSp>
+      <p:pic>
+        <p:nvPicPr>
+          <p:cNvPr id="15" name="Kép 14"/>
+          <p:cNvPicPr>
+            <a:picLocks noChangeAspect="1"/>
+          </p:cNvPicPr>
+          <p:nvPr/>
+        </p:nvPicPr>
+        <p:blipFill>
+          <a:blip r:embed="rId2"/>
+          <a:stretch>
+            <a:fillRect/>
+          </a:stretch>
+        </p:blipFill>
+        <p:spPr>
+          <a:xfrm>
+            <a:off x="9285727" y="4650142"/>
+            <a:ext cx="1748894" cy="1557838"/>
+          </a:xfrm>
+          <a:prstGeom prst="rect">
+            <a:avLst/>
+          </a:prstGeom>
+        </p:spPr>
+      </p:pic>
+      <p:sp>
+        <p:nvSpPr>
+          <p:cNvPr id="16" name="Szövegdoboz 15"/>
+          <p:cNvSpPr txBox="1"/>
+          <p:nvPr/>
+        </p:nvSpPr>
+        <p:spPr>
+          <a:xfrm>
+            <a:off x="3666654" y="3657600"/>
+            <a:ext cx="2177006" cy="369332"/>
+          </a:xfrm>
+          <a:prstGeom prst="rect">
+            <a:avLst/>
+          </a:prstGeom>
+          <a:noFill/>
+        </p:spPr>
+        <p:txBody>
+          <a:bodyPr wrap="none" rtlCol="0">
+            <a:spAutoFit/>
+          </a:bodyPr>
+          <a:lstStyle/>
+          <a:p>
+            <a:r>
+              <a:rPr lang="hu-HU" b="1" dirty="0" err="1"/>
+              <a:t>Alkamazási</a:t>
+            </a:r>
+            <a:r>
+              <a:rPr lang="hu-HU" b="1" dirty="0"/>
+              <a:t> </a:t>
+            </a:r>
+            <a:r>
+              <a:rPr lang="hu-HU" b="1" dirty="0" smtClean="0"/>
+              <a:t>területek</a:t>
+            </a:r>
+            <a:endParaRPr lang="en-GB" b="1" dirty="0"/>
+          </a:p>
+        </p:txBody>
+      </p:sp>
+      <p:pic>
+        <p:nvPicPr>
+          <p:cNvPr id="17" name="Kép 16"/>
+          <p:cNvPicPr>
+            <a:picLocks noChangeAspect="1"/>
+          </p:cNvPicPr>
+          <p:nvPr/>
+        </p:nvPicPr>
+        <p:blipFill>
+          <a:blip r:embed="rId3"/>
+          <a:stretch>
+            <a:fillRect/>
+          </a:stretch>
+        </p:blipFill>
+        <p:spPr>
+          <a:xfrm>
+            <a:off x="272770" y="3570107"/>
+            <a:ext cx="2661719" cy="1237283"/>
+          </a:xfrm>
+          <a:prstGeom prst="rect">
+            <a:avLst/>
+          </a:prstGeom>
+        </p:spPr>
+      </p:pic>
+      <p:pic>
+        <p:nvPicPr>
+          <p:cNvPr id="18" name="Kép 17"/>
+          <p:cNvPicPr>
+            <a:picLocks noChangeAspect="1"/>
+          </p:cNvPicPr>
+          <p:nvPr/>
+        </p:nvPicPr>
+        <p:blipFill>
+          <a:blip r:embed="rId4"/>
+          <a:stretch>
+            <a:fillRect/>
+          </a:stretch>
+        </p:blipFill>
+        <p:spPr>
+          <a:xfrm>
+            <a:off x="507925" y="4709864"/>
+            <a:ext cx="2191410" cy="1559929"/>
+          </a:xfrm>
+          <a:prstGeom prst="rect">
+            <a:avLst/>
+          </a:prstGeom>
+        </p:spPr>
+      </p:pic>
+      <p:pic>
+        <p:nvPicPr>
+          <p:cNvPr id="19" name="Kép 18"/>
+          <p:cNvPicPr>
+            <a:picLocks noChangeAspect="1"/>
+          </p:cNvPicPr>
+          <p:nvPr/>
+        </p:nvPicPr>
+        <p:blipFill>
+          <a:blip r:embed="rId5"/>
+          <a:stretch>
+            <a:fillRect/>
+          </a:stretch>
+        </p:blipFill>
+        <p:spPr>
+          <a:xfrm>
+            <a:off x="3556446" y="3988981"/>
+            <a:ext cx="1167195" cy="1167195"/>
+          </a:xfrm>
+          <a:prstGeom prst="rect">
+            <a:avLst/>
+          </a:prstGeom>
+        </p:spPr>
+      </p:pic>
+      <p:pic>
+        <p:nvPicPr>
+          <p:cNvPr id="20" name="Kép 19"/>
+          <p:cNvPicPr>
+            <a:picLocks noChangeAspect="1"/>
+          </p:cNvPicPr>
+          <p:nvPr/>
+        </p:nvPicPr>
+        <p:blipFill>
+          <a:blip r:embed="rId6"/>
+          <a:stretch>
+            <a:fillRect/>
+          </a:stretch>
+        </p:blipFill>
+        <p:spPr>
+          <a:xfrm>
+            <a:off x="4419197" y="5118225"/>
+            <a:ext cx="1707283" cy="956079"/>
+          </a:xfrm>
+          <a:prstGeom prst="rect">
+            <a:avLst/>
+          </a:prstGeom>
+        </p:spPr>
+      </p:pic>
+      <p:sp>
+        <p:nvSpPr>
+          <p:cNvPr id="21" name="Dia számának helye 20"/>
+          <p:cNvSpPr>
+            <a:spLocks noGrp="1"/>
+          </p:cNvSpPr>
+          <p:nvPr>
+            <p:ph type="sldNum" sz="quarter" idx="12"/>
+          </p:nvPr>
+        </p:nvSpPr>
         <p:spPr/>
         <p:txBody>
           <a:bodyPr/>
           <a:lstStyle/>
           <a:p>
             <a:r>
-              <a:rPr lang="hu-HU" dirty="0" smtClean="0"/>
-              <a:t>Python 2.7</a:t>
-            </a:r>
-          </a:p>
-          <a:p>
-            <a:r>
-              <a:rPr lang="hu-HU" dirty="0" err="1" smtClean="0"/>
-              <a:t>Anaconda</a:t>
-            </a:r>
-            <a:endParaRPr lang="hu-HU" dirty="0" smtClean="0"/>
-          </a:p>
-          <a:p>
-            <a:r>
-              <a:rPr lang="hu-HU" dirty="0" err="1" smtClean="0"/>
-              <a:t>Spyder</a:t>
-            </a:r>
-            <a:endParaRPr lang="hu-HU" dirty="0" smtClean="0"/>
-          </a:p>
-          <a:p>
-            <a:r>
-              <a:rPr lang="hu-HU" dirty="0" err="1" smtClean="0"/>
-              <a:t>Numpy</a:t>
-            </a:r>
-            <a:r>
-              <a:rPr lang="hu-HU" dirty="0" smtClean="0"/>
-              <a:t> könyvtár</a:t>
+              <a:rPr lang="hu-HU" dirty="0"/>
+              <a:t>4/14</a:t>
             </a:r>
             <a:endParaRPr lang="hu-HU" dirty="0"/>
           </a:p>
@@ -4307,7 +9306,7 @@
     </p:spTree>
     <p:extLst>
       <p:ext uri="{BB962C8B-B14F-4D97-AF65-F5344CB8AC3E}">
-        <p14:creationId xmlns:p14="http://schemas.microsoft.com/office/powerpoint/2010/main" val="1671426910"/>
+        <p14:creationId xmlns:p14="http://schemas.microsoft.com/office/powerpoint/2010/main" val="1506316402"/>
       </p:ext>
     </p:extLst>
   </p:cSld>
@@ -4350,12 +9349,8 @@
           <a:lstStyle/>
           <a:p>
             <a:r>
-              <a:rPr lang="hu-HU" dirty="0"/>
-              <a:t>Felhasznált </a:t>
-            </a:r>
-            <a:r>
               <a:rPr lang="hu-HU" dirty="0" smtClean="0"/>
-              <a:t>adatforrások</a:t>
+              <a:t>Megismert fejlesztői eszközök</a:t>
             </a:r>
             <a:endParaRPr lang="hu-HU" dirty="0"/>
           </a:p>
@@ -4376,15 +9371,227 @@
           <a:bodyPr/>
           <a:lstStyle/>
           <a:p>
+            <a:endParaRPr lang="hu-HU" dirty="0" smtClean="0"/>
+          </a:p>
+          <a:p>
             <a:r>
               <a:rPr lang="hu-HU" dirty="0" smtClean="0"/>
-              <a:t>CIFER-10</a:t>
-            </a:r>
+              <a:t>Python 2.7 </a:t>
+            </a:r>
+            <a:endParaRPr lang="hu-HU" dirty="0"/>
+          </a:p>
+          <a:p>
+            <a:endParaRPr lang="hu-HU" dirty="0" smtClean="0"/>
           </a:p>
           <a:p>
             <a:r>
               <a:rPr lang="hu-HU" dirty="0" err="1" smtClean="0"/>
-              <a:t>ImageNET</a:t>
+              <a:t>Anaconda</a:t>
+            </a:r>
+            <a:endParaRPr lang="hu-HU" dirty="0" smtClean="0"/>
+          </a:p>
+          <a:p>
+            <a:endParaRPr lang="hu-HU" dirty="0" smtClean="0"/>
+          </a:p>
+          <a:p>
+            <a:r>
+              <a:rPr lang="hu-HU" dirty="0" err="1" smtClean="0"/>
+              <a:t>Spyder</a:t>
+            </a:r>
+            <a:endParaRPr lang="hu-HU" dirty="0" smtClean="0"/>
+          </a:p>
+          <a:p>
+            <a:endParaRPr lang="hu-HU" dirty="0" smtClean="0"/>
+          </a:p>
+          <a:p>
+            <a:r>
+              <a:rPr lang="hu-HU" dirty="0" err="1" smtClean="0"/>
+              <a:t>Numpy</a:t>
+            </a:r>
+            <a:r>
+              <a:rPr lang="hu-HU" dirty="0" smtClean="0"/>
+              <a:t> </a:t>
+            </a:r>
+            <a:r>
+              <a:rPr lang="hu-HU" dirty="0" smtClean="0"/>
+              <a:t>könyvtár</a:t>
+            </a:r>
+            <a:endParaRPr lang="hu-HU" dirty="0"/>
+          </a:p>
+        </p:txBody>
+      </p:sp>
+      <p:pic>
+        <p:nvPicPr>
+          <p:cNvPr id="4" name="Kép 3"/>
+          <p:cNvPicPr>
+            <a:picLocks noChangeAspect="1"/>
+          </p:cNvPicPr>
+          <p:nvPr/>
+        </p:nvPicPr>
+        <p:blipFill>
+          <a:blip r:embed="rId2"/>
+          <a:stretch>
+            <a:fillRect/>
+          </a:stretch>
+        </p:blipFill>
+        <p:spPr>
+          <a:xfrm>
+            <a:off x="3078179" y="1845734"/>
+            <a:ext cx="2757581" cy="814588"/>
+          </a:xfrm>
+          <a:prstGeom prst="rect">
+            <a:avLst/>
+          </a:prstGeom>
+        </p:spPr>
+      </p:pic>
+      <p:pic>
+        <p:nvPicPr>
+          <p:cNvPr id="5" name="Kép 4"/>
+          <p:cNvPicPr>
+            <a:picLocks noChangeAspect="1"/>
+          </p:cNvPicPr>
+          <p:nvPr/>
+        </p:nvPicPr>
+        <p:blipFill>
+          <a:blip r:embed="rId3"/>
+          <a:stretch>
+            <a:fillRect/>
+          </a:stretch>
+        </p:blipFill>
+        <p:spPr>
+          <a:xfrm>
+            <a:off x="4123736" y="2905571"/>
+            <a:ext cx="1712024" cy="850628"/>
+          </a:xfrm>
+          <a:prstGeom prst="rect">
+            <a:avLst/>
+          </a:prstGeom>
+        </p:spPr>
+      </p:pic>
+      <p:pic>
+        <p:nvPicPr>
+          <p:cNvPr id="6" name="Kép 5"/>
+          <p:cNvPicPr>
+            <a:picLocks noChangeAspect="1"/>
+          </p:cNvPicPr>
+          <p:nvPr/>
+        </p:nvPicPr>
+        <p:blipFill>
+          <a:blip r:embed="rId4"/>
+          <a:stretch>
+            <a:fillRect/>
+          </a:stretch>
+        </p:blipFill>
+        <p:spPr>
+          <a:xfrm>
+            <a:off x="2908014" y="3647558"/>
+            <a:ext cx="947831" cy="947831"/>
+          </a:xfrm>
+          <a:prstGeom prst="rect">
+            <a:avLst/>
+          </a:prstGeom>
+        </p:spPr>
+      </p:pic>
+      <p:pic>
+        <p:nvPicPr>
+          <p:cNvPr id="7" name="Kép 6"/>
+          <p:cNvPicPr>
+            <a:picLocks noChangeAspect="1"/>
+          </p:cNvPicPr>
+          <p:nvPr/>
+        </p:nvPicPr>
+        <p:blipFill>
+          <a:blip r:embed="rId5"/>
+          <a:stretch>
+            <a:fillRect/>
+          </a:stretch>
+        </p:blipFill>
+        <p:spPr>
+          <a:xfrm>
+            <a:off x="4123736" y="4349058"/>
+            <a:ext cx="2146992" cy="1202316"/>
+          </a:xfrm>
+          <a:prstGeom prst="rect">
+            <a:avLst/>
+          </a:prstGeom>
+        </p:spPr>
+      </p:pic>
+      <p:pic>
+        <p:nvPicPr>
+          <p:cNvPr id="8" name="Kép 7"/>
+          <p:cNvPicPr>
+            <a:picLocks noChangeAspect="1"/>
+          </p:cNvPicPr>
+          <p:nvPr/>
+        </p:nvPicPr>
+        <p:blipFill>
+          <a:blip r:embed="rId6"/>
+          <a:stretch>
+            <a:fillRect/>
+          </a:stretch>
+        </p:blipFill>
+        <p:spPr>
+          <a:xfrm>
+            <a:off x="6700047" y="1945282"/>
+            <a:ext cx="5194274" cy="3824263"/>
+          </a:xfrm>
+          <a:prstGeom prst="rect">
+            <a:avLst/>
+          </a:prstGeom>
+          <a:solidFill>
+            <a:srgbClr val="FFFFFF">
+              <a:shade val="85000"/>
+            </a:srgbClr>
+          </a:solidFill>
+          <a:ln w="88900" cap="sq">
+            <a:solidFill>
+              <a:srgbClr val="FFFFFF"/>
+            </a:solidFill>
+            <a:miter lim="800000"/>
+          </a:ln>
+          <a:effectLst>
+            <a:outerShdw blurRad="55000" dist="18000" dir="5400000" algn="tl" rotWithShape="0">
+              <a:srgbClr val="000000">
+                <a:alpha val="40000"/>
+              </a:srgbClr>
+            </a:outerShdw>
+          </a:effectLst>
+          <a:scene3d>
+            <a:camera prst="orthographicFront"/>
+            <a:lightRig rig="twoPt" dir="t">
+              <a:rot lat="0" lon="0" rev="7200000"/>
+            </a:lightRig>
+          </a:scene3d>
+          <a:sp3d>
+            <a:bevelT w="25400" h="19050"/>
+            <a:contourClr>
+              <a:srgbClr val="FFFFFF"/>
+            </a:contourClr>
+          </a:sp3d>
+        </p:spPr>
+      </p:pic>
+      <p:sp>
+        <p:nvSpPr>
+          <p:cNvPr id="9" name="Dia számának helye 8"/>
+          <p:cNvSpPr>
+            <a:spLocks noGrp="1"/>
+          </p:cNvSpPr>
+          <p:nvPr>
+            <p:ph type="sldNum" sz="quarter" idx="12"/>
+          </p:nvPr>
+        </p:nvSpPr>
+        <p:spPr/>
+        <p:txBody>
+          <a:bodyPr/>
+          <a:lstStyle/>
+          <a:p>
+            <a:fld id="{F28FD2EF-1A87-4BCB-A5DC-2FA9CDA63250}" type="slidenum">
+              <a:rPr lang="hu-HU" smtClean="0"/>
+              <a:t>5</a:t>
+            </a:fld>
+            <a:r>
+              <a:rPr lang="hu-HU" dirty="0"/>
+              <a:t>/14</a:t>
             </a:r>
             <a:endParaRPr lang="hu-HU" dirty="0"/>
           </a:p>
@@ -4393,7 +9600,7 @@
     </p:spTree>
     <p:extLst>
       <p:ext uri="{BB962C8B-B14F-4D97-AF65-F5344CB8AC3E}">
-        <p14:creationId xmlns:p14="http://schemas.microsoft.com/office/powerpoint/2010/main" val="592597542"/>
+        <p14:creationId xmlns:p14="http://schemas.microsoft.com/office/powerpoint/2010/main" val="1671426910"/>
       </p:ext>
     </p:extLst>
   </p:cSld>
@@ -4437,18 +9644,11 @@
           <a:p>
             <a:r>
               <a:rPr lang="hu-HU" dirty="0"/>
-              <a:t>Osztályozó algoritmusok </a:t>
+              <a:t>Felhasznált </a:t>
             </a:r>
             <a:r>
               <a:rPr lang="hu-HU" dirty="0" smtClean="0"/>
-              <a:t>bemutatása</a:t>
-            </a:r>
-            <a:br>
-              <a:rPr lang="hu-HU" dirty="0" smtClean="0"/>
-            </a:br>
-            <a:r>
-              <a:rPr lang="hu-HU" dirty="0" smtClean="0"/>
-              <a:t>K-legközelebbi szomszéd</a:t>
+              <a:t>adatforrások</a:t>
             </a:r>
             <a:endParaRPr lang="hu-HU" dirty="0"/>
           </a:p>
@@ -4469,6 +9669,226 @@
           <a:bodyPr/>
           <a:lstStyle/>
           <a:p>
+            <a:r>
+              <a:rPr lang="hu-HU" sz="2400" dirty="0" smtClean="0"/>
+              <a:t>CIFAR-10</a:t>
+            </a:r>
+          </a:p>
+          <a:p>
+            <a:pPr lvl="1"/>
+            <a:r>
+              <a:rPr lang="hu-HU" sz="2000" dirty="0"/>
+              <a:t>60000 </a:t>
+            </a:r>
+            <a:r>
+              <a:rPr lang="hu-HU" sz="2000" dirty="0" smtClean="0"/>
+              <a:t>db 32x32 színes kép </a:t>
+            </a:r>
+          </a:p>
+          <a:p>
+            <a:pPr lvl="1"/>
+            <a:r>
+              <a:rPr lang="hu-HU" sz="2000" dirty="0" smtClean="0"/>
+              <a:t>10 osztály</a:t>
+            </a:r>
+            <a:endParaRPr lang="hu-HU" sz="2000" dirty="0"/>
+          </a:p>
+          <a:p>
+            <a:pPr lvl="1"/>
+            <a:endParaRPr lang="hu-HU" dirty="0" smtClean="0"/>
+          </a:p>
+          <a:p>
+            <a:r>
+              <a:rPr lang="hu-HU" sz="2400" dirty="0" err="1" smtClean="0"/>
+              <a:t>ImageNET</a:t>
+            </a:r>
+            <a:endParaRPr lang="hu-HU" sz="2400" dirty="0"/>
+          </a:p>
+        </p:txBody>
+      </p:sp>
+      <p:pic>
+        <p:nvPicPr>
+          <p:cNvPr id="4" name="Kép 3"/>
+          <p:cNvPicPr>
+            <a:picLocks noChangeAspect="1"/>
+          </p:cNvPicPr>
+          <p:nvPr/>
+        </p:nvPicPr>
+        <p:blipFill>
+          <a:blip r:embed="rId2"/>
+          <a:stretch>
+            <a:fillRect/>
+          </a:stretch>
+        </p:blipFill>
+        <p:spPr>
+          <a:xfrm>
+            <a:off x="7258965" y="659730"/>
+            <a:ext cx="3252109" cy="2543933"/>
+          </a:xfrm>
+          <a:prstGeom prst="rect">
+            <a:avLst/>
+          </a:prstGeom>
+          <a:solidFill>
+            <a:srgbClr val="FFFFFF">
+              <a:shade val="85000"/>
+            </a:srgbClr>
+          </a:solidFill>
+          <a:ln w="88900" cap="sq">
+            <a:solidFill>
+              <a:srgbClr val="FFFFFF"/>
+            </a:solidFill>
+            <a:miter lim="800000"/>
+          </a:ln>
+          <a:effectLst>
+            <a:outerShdw blurRad="55000" dist="18000" dir="5400000" algn="tl" rotWithShape="0">
+              <a:srgbClr val="000000">
+                <a:alpha val="40000"/>
+              </a:srgbClr>
+            </a:outerShdw>
+          </a:effectLst>
+          <a:scene3d>
+            <a:camera prst="orthographicFront"/>
+            <a:lightRig rig="twoPt" dir="t">
+              <a:rot lat="0" lon="0" rev="7200000"/>
+            </a:lightRig>
+          </a:scene3d>
+          <a:sp3d>
+            <a:bevelT w="25400" h="19050"/>
+            <a:contourClr>
+              <a:srgbClr val="FFFFFF"/>
+            </a:contourClr>
+          </a:sp3d>
+        </p:spPr>
+      </p:pic>
+      <p:pic>
+        <p:nvPicPr>
+          <p:cNvPr id="5" name="Kép 4"/>
+          <p:cNvPicPr>
+            <a:picLocks noChangeAspect="1"/>
+          </p:cNvPicPr>
+          <p:nvPr/>
+        </p:nvPicPr>
+        <p:blipFill>
+          <a:blip r:embed="rId3"/>
+          <a:stretch>
+            <a:fillRect/>
+          </a:stretch>
+        </p:blipFill>
+        <p:spPr>
+          <a:xfrm>
+            <a:off x="698766" y="3921545"/>
+            <a:ext cx="4959649" cy="1947549"/>
+          </a:xfrm>
+          <a:prstGeom prst="rect">
+            <a:avLst/>
+          </a:prstGeom>
+          <a:solidFill>
+            <a:srgbClr val="FFFFFF">
+              <a:shade val="85000"/>
+            </a:srgbClr>
+          </a:solidFill>
+          <a:ln w="88900" cap="sq">
+            <a:solidFill>
+              <a:srgbClr val="FFFFFF"/>
+            </a:solidFill>
+            <a:miter lim="800000"/>
+          </a:ln>
+          <a:effectLst>
+            <a:outerShdw blurRad="55000" dist="18000" dir="5400000" algn="tl" rotWithShape="0">
+              <a:srgbClr val="000000">
+                <a:alpha val="40000"/>
+              </a:srgbClr>
+            </a:outerShdw>
+          </a:effectLst>
+          <a:scene3d>
+            <a:camera prst="orthographicFront"/>
+            <a:lightRig rig="twoPt" dir="t">
+              <a:rot lat="0" lon="0" rev="7200000"/>
+            </a:lightRig>
+          </a:scene3d>
+          <a:sp3d>
+            <a:bevelT w="25400" h="19050"/>
+            <a:contourClr>
+              <a:srgbClr val="FFFFFF"/>
+            </a:contourClr>
+          </a:sp3d>
+        </p:spPr>
+      </p:pic>
+      <p:pic>
+        <p:nvPicPr>
+          <p:cNvPr id="6" name="Kép 5"/>
+          <p:cNvPicPr/>
+          <p:nvPr/>
+        </p:nvPicPr>
+        <p:blipFill>
+          <a:blip r:embed="rId4"/>
+          <a:stretch>
+            <a:fillRect/>
+          </a:stretch>
+        </p:blipFill>
+        <p:spPr>
+          <a:xfrm>
+            <a:off x="5966234" y="3487837"/>
+            <a:ext cx="6085268" cy="2061937"/>
+          </a:xfrm>
+          <a:prstGeom prst="rect">
+            <a:avLst/>
+          </a:prstGeom>
+          <a:solidFill>
+            <a:srgbClr val="FFFFFF">
+              <a:shade val="85000"/>
+            </a:srgbClr>
+          </a:solidFill>
+          <a:ln w="88900" cap="sq">
+            <a:solidFill>
+              <a:srgbClr val="FFFFFF"/>
+            </a:solidFill>
+            <a:miter lim="800000"/>
+          </a:ln>
+          <a:effectLst>
+            <a:outerShdw blurRad="55000" dist="18000" dir="5400000" algn="tl" rotWithShape="0">
+              <a:srgbClr val="000000">
+                <a:alpha val="40000"/>
+              </a:srgbClr>
+            </a:outerShdw>
+          </a:effectLst>
+          <a:scene3d>
+            <a:camera prst="orthographicFront"/>
+            <a:lightRig rig="twoPt" dir="t">
+              <a:rot lat="0" lon="0" rev="7200000"/>
+            </a:lightRig>
+          </a:scene3d>
+          <a:sp3d>
+            <a:bevelT w="25400" h="19050"/>
+            <a:contourClr>
+              <a:srgbClr val="FFFFFF"/>
+            </a:contourClr>
+          </a:sp3d>
+        </p:spPr>
+      </p:pic>
+      <p:sp>
+        <p:nvSpPr>
+          <p:cNvPr id="7" name="Dia számának helye 6"/>
+          <p:cNvSpPr>
+            <a:spLocks noGrp="1"/>
+          </p:cNvSpPr>
+          <p:nvPr>
+            <p:ph type="sldNum" sz="quarter" idx="12"/>
+          </p:nvPr>
+        </p:nvSpPr>
+        <p:spPr/>
+        <p:txBody>
+          <a:bodyPr/>
+          <a:lstStyle/>
+          <a:p>
+            <a:fld id="{F28FD2EF-1A87-4BCB-A5DC-2FA9CDA63250}" type="slidenum">
+              <a:rPr lang="hu-HU" smtClean="0"/>
+              <a:t>6</a:t>
+            </a:fld>
+            <a:r>
+              <a:rPr lang="hu-HU" dirty="0"/>
+              <a:t>/14</a:t>
+            </a:r>
             <a:endParaRPr lang="hu-HU" dirty="0"/>
           </a:p>
         </p:txBody>
@@ -4476,7 +9896,7 @@
     </p:spTree>
     <p:extLst>
       <p:ext uri="{BB962C8B-B14F-4D97-AF65-F5344CB8AC3E}">
-        <p14:creationId xmlns:p14="http://schemas.microsoft.com/office/powerpoint/2010/main" val="3803303153"/>
+        <p14:creationId xmlns:p14="http://schemas.microsoft.com/office/powerpoint/2010/main" val="592597542"/>
       </p:ext>
     </p:extLst>
   </p:cSld>
@@ -4520,9 +9940,9 @@
           <a:p>
             <a:r>
               <a:rPr lang="hu-HU" dirty="0" smtClean="0"/>
-              <a:t>SVM</a:t>
-            </a:r>
-            <a:endParaRPr lang="hu-HU" dirty="0"/>
+              <a:t>Példafeladat</a:t>
+            </a:r>
+            <a:endParaRPr lang="en-GB" dirty="0"/>
           </a:p>
         </p:txBody>
       </p:sp>
@@ -4536,19 +9956,382 @@
             <p:ph idx="1"/>
           </p:nvPr>
         </p:nvSpPr>
-        <p:spPr/>
+        <p:spPr>
+          <a:xfrm>
+            <a:off x="1097280" y="2326740"/>
+            <a:ext cx="10058400" cy="3542353"/>
+          </a:xfrm>
+        </p:spPr>
         <p:txBody>
           <a:bodyPr/>
           <a:lstStyle/>
           <a:p>
-            <a:endParaRPr lang="hu-HU"/>
+            <a:r>
+              <a:rPr lang="hu-HU" dirty="0" smtClean="0"/>
+              <a:t>Osztályozzuk a bemenetként kapott képeket a rajtuk szereplő dolgok szerint!</a:t>
+            </a:r>
+            <a:endParaRPr lang="en-GB" dirty="0"/>
+          </a:p>
+        </p:txBody>
+      </p:sp>
+      <p:pic>
+        <p:nvPicPr>
+          <p:cNvPr id="4" name="Kép 3"/>
+          <p:cNvPicPr>
+            <a:picLocks noChangeAspect="1"/>
+          </p:cNvPicPr>
+          <p:nvPr/>
+        </p:nvPicPr>
+        <p:blipFill>
+          <a:blip r:embed="rId2"/>
+          <a:stretch>
+            <a:fillRect/>
+          </a:stretch>
+        </p:blipFill>
+        <p:spPr>
+          <a:xfrm>
+            <a:off x="2403694" y="3285653"/>
+            <a:ext cx="493415" cy="489641"/>
+          </a:xfrm>
+          <a:prstGeom prst="rect">
+            <a:avLst/>
+          </a:prstGeom>
+        </p:spPr>
+      </p:pic>
+      <p:pic>
+        <p:nvPicPr>
+          <p:cNvPr id="5" name="Kép 4"/>
+          <p:cNvPicPr>
+            <a:picLocks noChangeAspect="1"/>
+          </p:cNvPicPr>
+          <p:nvPr/>
+        </p:nvPicPr>
+        <p:blipFill>
+          <a:blip r:embed="rId3"/>
+          <a:stretch>
+            <a:fillRect/>
+          </a:stretch>
+        </p:blipFill>
+        <p:spPr>
+          <a:xfrm>
+            <a:off x="3131594" y="3688384"/>
+            <a:ext cx="589380" cy="589380"/>
+          </a:xfrm>
+          <a:prstGeom prst="rect">
+            <a:avLst/>
+          </a:prstGeom>
+        </p:spPr>
+      </p:pic>
+      <p:pic>
+        <p:nvPicPr>
+          <p:cNvPr id="6" name="Kép 5"/>
+          <p:cNvPicPr>
+            <a:picLocks noChangeAspect="1"/>
+          </p:cNvPicPr>
+          <p:nvPr/>
+        </p:nvPicPr>
+        <p:blipFill>
+          <a:blip r:embed="rId4"/>
+          <a:stretch>
+            <a:fillRect/>
+          </a:stretch>
+        </p:blipFill>
+        <p:spPr>
+          <a:xfrm>
+            <a:off x="2266382" y="4351968"/>
+            <a:ext cx="593002" cy="593002"/>
+          </a:xfrm>
+          <a:prstGeom prst="rect">
+            <a:avLst/>
+          </a:prstGeom>
+        </p:spPr>
+      </p:pic>
+      <p:pic>
+        <p:nvPicPr>
+          <p:cNvPr id="7" name="Kép 6"/>
+          <p:cNvPicPr>
+            <a:picLocks noChangeAspect="1"/>
+          </p:cNvPicPr>
+          <p:nvPr/>
+        </p:nvPicPr>
+        <p:blipFill>
+          <a:blip r:embed="rId5"/>
+          <a:stretch>
+            <a:fillRect/>
+          </a:stretch>
+        </p:blipFill>
+        <p:spPr>
+          <a:xfrm>
+            <a:off x="3207944" y="4867144"/>
+            <a:ext cx="576404" cy="576404"/>
+          </a:xfrm>
+          <a:prstGeom prst="rect">
+            <a:avLst/>
+          </a:prstGeom>
+        </p:spPr>
+      </p:pic>
+      <p:sp>
+        <p:nvSpPr>
+          <p:cNvPr id="8" name="Ellipszis 7"/>
+          <p:cNvSpPr/>
+          <p:nvPr/>
+        </p:nvSpPr>
+        <p:spPr>
+          <a:xfrm>
+            <a:off x="7260879" y="3318429"/>
+            <a:ext cx="2308634" cy="1558974"/>
+          </a:xfrm>
+          <a:prstGeom prst="ellipse">
+            <a:avLst/>
+          </a:prstGeom>
+        </p:spPr>
+        <p:style>
+          <a:lnRef idx="2">
+            <a:schemeClr val="accent2">
+              <a:shade val="50000"/>
+            </a:schemeClr>
+          </a:lnRef>
+          <a:fillRef idx="1">
+            <a:schemeClr val="accent2"/>
+          </a:fillRef>
+          <a:effectRef idx="0">
+            <a:schemeClr val="accent2"/>
+          </a:effectRef>
+          <a:fontRef idx="minor">
+            <a:schemeClr val="lt1"/>
+          </a:fontRef>
+        </p:style>
+        <p:txBody>
+          <a:bodyPr rtlCol="0" anchor="ctr"/>
+          <a:lstStyle/>
+          <a:p>
+            <a:pPr algn="ctr"/>
+            <a:r>
+              <a:rPr lang="hu-HU" dirty="0" smtClean="0"/>
+              <a:t>Kutya</a:t>
+            </a:r>
+            <a:endParaRPr lang="hu-HU" dirty="0"/>
+          </a:p>
+        </p:txBody>
+      </p:sp>
+      <p:sp>
+        <p:nvSpPr>
+          <p:cNvPr id="9" name="Ellipszis 8"/>
+          <p:cNvSpPr/>
+          <p:nvPr/>
+        </p:nvSpPr>
+        <p:spPr>
+          <a:xfrm>
+            <a:off x="5576935" y="4427145"/>
+            <a:ext cx="2362954" cy="1629623"/>
+          </a:xfrm>
+          <a:prstGeom prst="ellipse">
+            <a:avLst/>
+          </a:prstGeom>
+        </p:spPr>
+        <p:style>
+          <a:lnRef idx="2">
+            <a:schemeClr val="accent5">
+              <a:shade val="50000"/>
+            </a:schemeClr>
+          </a:lnRef>
+          <a:fillRef idx="1">
+            <a:schemeClr val="accent5"/>
+          </a:fillRef>
+          <a:effectRef idx="0">
+            <a:schemeClr val="accent5"/>
+          </a:effectRef>
+          <a:fontRef idx="minor">
+            <a:schemeClr val="lt1"/>
+          </a:fontRef>
+        </p:style>
+        <p:txBody>
+          <a:bodyPr rtlCol="0" anchor="ctr"/>
+          <a:lstStyle/>
+          <a:p>
+            <a:pPr algn="ctr"/>
+            <a:r>
+              <a:rPr lang="hu-HU" dirty="0" smtClean="0"/>
+              <a:t>Ló</a:t>
+            </a:r>
+            <a:endParaRPr lang="hu-HU" dirty="0"/>
+          </a:p>
+        </p:txBody>
+      </p:sp>
+      <p:cxnSp>
+        <p:nvCxnSpPr>
+          <p:cNvPr id="11" name="Egyenes összekötő nyíllal 10"/>
+          <p:cNvCxnSpPr>
+            <a:stCxn id="5" idx="3"/>
+            <a:endCxn id="8" idx="2"/>
+          </p:cNvCxnSpPr>
+          <p:nvPr/>
+        </p:nvCxnSpPr>
+        <p:spPr>
+          <a:xfrm>
+            <a:off x="3720974" y="3983074"/>
+            <a:ext cx="3539905" cy="114842"/>
+          </a:xfrm>
+          <a:prstGeom prst="straightConnector1">
+            <a:avLst/>
+          </a:prstGeom>
+          <a:ln>
+            <a:tailEnd type="triangle"/>
+          </a:ln>
+        </p:spPr>
+        <p:style>
+          <a:lnRef idx="1">
+            <a:schemeClr val="accent1"/>
+          </a:lnRef>
+          <a:fillRef idx="0">
+            <a:schemeClr val="accent1"/>
+          </a:fillRef>
+          <a:effectRef idx="0">
+            <a:schemeClr val="accent1"/>
+          </a:effectRef>
+          <a:fontRef idx="minor">
+            <a:schemeClr val="tx1"/>
+          </a:fontRef>
+        </p:style>
+      </p:cxnSp>
+      <p:cxnSp>
+        <p:nvCxnSpPr>
+          <p:cNvPr id="13" name="Egyenes összekötő nyíllal 12"/>
+          <p:cNvCxnSpPr>
+            <a:stCxn id="4" idx="3"/>
+            <a:endCxn id="8" idx="1"/>
+          </p:cNvCxnSpPr>
+          <p:nvPr/>
+        </p:nvCxnSpPr>
+        <p:spPr>
+          <a:xfrm>
+            <a:off x="2897109" y="3530474"/>
+            <a:ext cx="4701862" cy="16261"/>
+          </a:xfrm>
+          <a:prstGeom prst="straightConnector1">
+            <a:avLst/>
+          </a:prstGeom>
+          <a:ln>
+            <a:tailEnd type="triangle"/>
+          </a:ln>
+        </p:spPr>
+        <p:style>
+          <a:lnRef idx="1">
+            <a:schemeClr val="accent1"/>
+          </a:lnRef>
+          <a:fillRef idx="0">
+            <a:schemeClr val="accent1"/>
+          </a:fillRef>
+          <a:effectRef idx="0">
+            <a:schemeClr val="accent1"/>
+          </a:effectRef>
+          <a:fontRef idx="minor">
+            <a:schemeClr val="tx1"/>
+          </a:fontRef>
+        </p:style>
+      </p:cxnSp>
+      <p:cxnSp>
+        <p:nvCxnSpPr>
+          <p:cNvPr id="15" name="Egyenes összekötő nyíllal 14"/>
+          <p:cNvCxnSpPr>
+            <a:stCxn id="6" idx="3"/>
+          </p:cNvCxnSpPr>
+          <p:nvPr/>
+        </p:nvCxnSpPr>
+        <p:spPr>
+          <a:xfrm>
+            <a:off x="2859384" y="4648469"/>
+            <a:ext cx="2771871" cy="296501"/>
+          </a:xfrm>
+          <a:prstGeom prst="straightConnector1">
+            <a:avLst/>
+          </a:prstGeom>
+          <a:ln>
+            <a:tailEnd type="triangle"/>
+          </a:ln>
+        </p:spPr>
+        <p:style>
+          <a:lnRef idx="1">
+            <a:schemeClr val="accent1"/>
+          </a:lnRef>
+          <a:fillRef idx="0">
+            <a:schemeClr val="accent1"/>
+          </a:fillRef>
+          <a:effectRef idx="0">
+            <a:schemeClr val="accent1"/>
+          </a:effectRef>
+          <a:fontRef idx="minor">
+            <a:schemeClr val="tx1"/>
+          </a:fontRef>
+        </p:style>
+      </p:cxnSp>
+      <p:cxnSp>
+        <p:nvCxnSpPr>
+          <p:cNvPr id="17" name="Egyenes összekötő nyíllal 16"/>
+          <p:cNvCxnSpPr>
+            <a:stCxn id="7" idx="3"/>
+            <a:endCxn id="9" idx="2"/>
+          </p:cNvCxnSpPr>
+          <p:nvPr/>
+        </p:nvCxnSpPr>
+        <p:spPr>
+          <a:xfrm>
+            <a:off x="3784348" y="5155346"/>
+            <a:ext cx="1792587" cy="86611"/>
+          </a:xfrm>
+          <a:prstGeom prst="straightConnector1">
+            <a:avLst/>
+          </a:prstGeom>
+          <a:ln>
+            <a:tailEnd type="triangle"/>
+          </a:ln>
+        </p:spPr>
+        <p:style>
+          <a:lnRef idx="1">
+            <a:schemeClr val="accent1"/>
+          </a:lnRef>
+          <a:fillRef idx="0">
+            <a:schemeClr val="accent1"/>
+          </a:fillRef>
+          <a:effectRef idx="0">
+            <a:schemeClr val="accent1"/>
+          </a:effectRef>
+          <a:fontRef idx="minor">
+            <a:schemeClr val="tx1"/>
+          </a:fontRef>
+        </p:style>
+      </p:cxnSp>
+      <p:sp>
+        <p:nvSpPr>
+          <p:cNvPr id="19" name="Dia számának helye 18"/>
+          <p:cNvSpPr>
+            <a:spLocks noGrp="1"/>
+          </p:cNvSpPr>
+          <p:nvPr>
+            <p:ph type="sldNum" sz="quarter" idx="12"/>
+          </p:nvPr>
+        </p:nvSpPr>
+        <p:spPr/>
+        <p:txBody>
+          <a:bodyPr/>
+          <a:lstStyle/>
+          <a:p>
+            <a:fld id="{F28FD2EF-1A87-4BCB-A5DC-2FA9CDA63250}" type="slidenum">
+              <a:rPr lang="hu-HU" smtClean="0"/>
+              <a:t>7</a:t>
+            </a:fld>
+            <a:r>
+              <a:rPr lang="hu-HU" dirty="0"/>
+              <a:t>/14</a:t>
+            </a:r>
+            <a:endParaRPr lang="hu-HU" dirty="0"/>
           </a:p>
         </p:txBody>
       </p:sp>
     </p:spTree>
     <p:extLst>
       <p:ext uri="{BB962C8B-B14F-4D97-AF65-F5344CB8AC3E}">
-        <p14:creationId xmlns:p14="http://schemas.microsoft.com/office/powerpoint/2010/main" val="444939993"/>
+        <p14:creationId xmlns:p14="http://schemas.microsoft.com/office/powerpoint/2010/main" val="2565460159"/>
       </p:ext>
     </p:extLst>
   </p:cSld>
@@ -4591,8 +10374,19 @@
           <a:lstStyle/>
           <a:p>
             <a:r>
+              <a:rPr lang="hu-HU" dirty="0"/>
+              <a:t>Osztályozó algoritmusok </a:t>
+            </a:r>
+            <a:r>
               <a:rPr lang="hu-HU" dirty="0" smtClean="0"/>
-              <a:t>SVM - tanítás</a:t>
+              <a:t>bemutatása</a:t>
+            </a:r>
+            <a:br>
+              <a:rPr lang="hu-HU" dirty="0" smtClean="0"/>
+            </a:br>
+            <a:r>
+              <a:rPr lang="hu-HU" dirty="0" smtClean="0"/>
+              <a:t>K-legközelebbi szomszéd</a:t>
             </a:r>
             <a:endParaRPr lang="hu-HU" dirty="0"/>
           </a:p>
@@ -4608,19 +10402,200 @@
             <p:ph idx="1"/>
           </p:nvPr>
         </p:nvSpPr>
+        <p:spPr>
+          <a:xfrm>
+            <a:off x="1097280" y="2145670"/>
+            <a:ext cx="10058400" cy="3723423"/>
+          </a:xfrm>
+        </p:spPr>
+        <p:txBody>
+          <a:bodyPr>
+            <a:normAutofit/>
+          </a:bodyPr>
+          <a:lstStyle/>
+          <a:p>
+            <a:pPr lvl="1"/>
+            <a:r>
+              <a:rPr lang="hu-HU" sz="2400" dirty="0" smtClean="0"/>
+              <a:t>Paramétertérben tárolt pontok</a:t>
+            </a:r>
+          </a:p>
+          <a:p>
+            <a:pPr lvl="1"/>
+            <a:r>
+              <a:rPr lang="hu-HU" sz="2400" dirty="0" smtClean="0"/>
+              <a:t>Új értékek a pontok alapján </a:t>
+            </a:r>
+            <a:br>
+              <a:rPr lang="hu-HU" sz="2400" dirty="0" smtClean="0"/>
+            </a:br>
+            <a:r>
+              <a:rPr lang="hu-HU" sz="2400" dirty="0" smtClean="0"/>
+              <a:t>határozódnak meg</a:t>
+            </a:r>
+            <a:endParaRPr lang="hu-HU" sz="2400" dirty="0"/>
+          </a:p>
+        </p:txBody>
+      </p:sp>
+      <p:pic>
+        <p:nvPicPr>
+          <p:cNvPr id="4" name="Kép 3"/>
+          <p:cNvPicPr/>
+          <p:nvPr/>
+        </p:nvPicPr>
+        <p:blipFill>
+          <a:blip r:embed="rId2"/>
+          <a:stretch>
+            <a:fillRect/>
+          </a:stretch>
+        </p:blipFill>
+        <p:spPr>
+          <a:xfrm>
+            <a:off x="6355534" y="1801641"/>
+            <a:ext cx="5626182" cy="1113712"/>
+          </a:xfrm>
+          <a:prstGeom prst="rect">
+            <a:avLst/>
+          </a:prstGeom>
+          <a:solidFill>
+            <a:srgbClr val="FFFFFF">
+              <a:shade val="85000"/>
+            </a:srgbClr>
+          </a:solidFill>
+          <a:ln w="88900" cap="sq">
+            <a:solidFill>
+              <a:srgbClr val="FFFFFF"/>
+            </a:solidFill>
+            <a:miter lim="800000"/>
+          </a:ln>
+          <a:effectLst>
+            <a:outerShdw blurRad="55000" dist="18000" dir="5400000" algn="tl" rotWithShape="0">
+              <a:srgbClr val="000000">
+                <a:alpha val="40000"/>
+              </a:srgbClr>
+            </a:outerShdw>
+          </a:effectLst>
+          <a:scene3d>
+            <a:camera prst="orthographicFront"/>
+            <a:lightRig rig="twoPt" dir="t">
+              <a:rot lat="0" lon="0" rev="7200000"/>
+            </a:lightRig>
+          </a:scene3d>
+          <a:sp3d>
+            <a:bevelT w="25400" h="19050"/>
+            <a:contourClr>
+              <a:srgbClr val="FFFFFF"/>
+            </a:contourClr>
+          </a:sp3d>
+        </p:spPr>
+      </p:pic>
+      <p:pic>
+        <p:nvPicPr>
+          <p:cNvPr id="6" name="Kép 5"/>
+          <p:cNvPicPr/>
+          <p:nvPr/>
+        </p:nvPicPr>
+        <p:blipFill>
+          <a:blip r:embed="rId3"/>
+          <a:stretch>
+            <a:fillRect/>
+          </a:stretch>
+        </p:blipFill>
+        <p:spPr>
+          <a:xfrm>
+            <a:off x="6118533" y="3126745"/>
+            <a:ext cx="5863182" cy="2953741"/>
+          </a:xfrm>
+          <a:prstGeom prst="rect">
+            <a:avLst/>
+          </a:prstGeom>
+          <a:solidFill>
+            <a:srgbClr val="FFFFFF">
+              <a:shade val="85000"/>
+            </a:srgbClr>
+          </a:solidFill>
+          <a:ln w="88900" cap="sq">
+            <a:solidFill>
+              <a:srgbClr val="FFFFFF"/>
+            </a:solidFill>
+            <a:miter lim="800000"/>
+          </a:ln>
+          <a:effectLst>
+            <a:outerShdw blurRad="55000" dist="18000" dir="5400000" algn="tl" rotWithShape="0">
+              <a:srgbClr val="000000">
+                <a:alpha val="40000"/>
+              </a:srgbClr>
+            </a:outerShdw>
+          </a:effectLst>
+          <a:scene3d>
+            <a:camera prst="orthographicFront"/>
+            <a:lightRig rig="twoPt" dir="t">
+              <a:rot lat="0" lon="0" rev="7200000"/>
+            </a:lightRig>
+          </a:scene3d>
+          <a:sp3d>
+            <a:bevelT w="25400" h="19050"/>
+            <a:contourClr>
+              <a:srgbClr val="FFFFFF"/>
+            </a:contourClr>
+          </a:sp3d>
+        </p:spPr>
+      </p:pic>
+      <p:pic>
+        <p:nvPicPr>
+          <p:cNvPr id="9" name="Kép 8"/>
+          <p:cNvPicPr>
+            <a:picLocks noChangeAspect="1"/>
+          </p:cNvPicPr>
+          <p:nvPr/>
+        </p:nvPicPr>
+        <p:blipFill>
+          <a:blip r:embed="rId4"/>
+          <a:stretch>
+            <a:fillRect/>
+          </a:stretch>
+        </p:blipFill>
+        <p:spPr>
+          <a:xfrm>
+            <a:off x="126748" y="3965418"/>
+            <a:ext cx="5883124" cy="2316039"/>
+          </a:xfrm>
+          <a:prstGeom prst="rect">
+            <a:avLst/>
+          </a:prstGeom>
+        </p:spPr>
+      </p:pic>
+      <p:sp>
+        <p:nvSpPr>
+          <p:cNvPr id="10" name="Dia számának helye 9"/>
+          <p:cNvSpPr>
+            <a:spLocks noGrp="1"/>
+          </p:cNvSpPr>
+          <p:nvPr>
+            <p:ph type="sldNum" sz="quarter" idx="12"/>
+          </p:nvPr>
+        </p:nvSpPr>
         <p:spPr/>
         <p:txBody>
           <a:bodyPr/>
           <a:lstStyle/>
           <a:p>
-            <a:endParaRPr lang="hu-HU"/>
+            <a:fld id="{F28FD2EF-1A87-4BCB-A5DC-2FA9CDA63250}" type="slidenum">
+              <a:rPr lang="hu-HU" smtClean="0"/>
+              <a:t>8</a:t>
+            </a:fld>
+            <a:r>
+              <a:rPr lang="hu-HU" dirty="0"/>
+              <a:t>/14</a:t>
+            </a:r>
+            <a:endParaRPr lang="hu-HU" dirty="0"/>
           </a:p>
         </p:txBody>
       </p:sp>
     </p:spTree>
     <p:extLst>
       <p:ext uri="{BB962C8B-B14F-4D97-AF65-F5344CB8AC3E}">
-        <p14:creationId xmlns:p14="http://schemas.microsoft.com/office/powerpoint/2010/main" val="3112536188"/>
+        <p14:creationId xmlns:p14="http://schemas.microsoft.com/office/powerpoint/2010/main" val="3803303153"/>
       </p:ext>
     </p:extLst>
   </p:cSld>
@@ -4664,7 +10639,27 @@
           <a:p>
             <a:r>
               <a:rPr lang="hu-HU" dirty="0" smtClean="0"/>
-              <a:t>Neurális háló</a:t>
+              <a:t>SVM – </a:t>
+            </a:r>
+            <a:r>
+              <a:rPr lang="hu-HU" dirty="0" err="1" smtClean="0"/>
+              <a:t>Support</a:t>
+            </a:r>
+            <a:r>
+              <a:rPr lang="hu-HU" dirty="0" smtClean="0"/>
+              <a:t> </a:t>
+            </a:r>
+            <a:r>
+              <a:rPr lang="hu-HU" dirty="0" err="1" smtClean="0"/>
+              <a:t>Vector</a:t>
+            </a:r>
+            <a:r>
+              <a:rPr lang="hu-HU" dirty="0" smtClean="0"/>
+              <a:t> </a:t>
+            </a:r>
+            <a:r>
+              <a:rPr lang="hu-HU" dirty="0" err="1" smtClean="0"/>
+              <a:t>Machine</a:t>
             </a:r>
             <a:endParaRPr lang="hu-HU" dirty="0"/>
           </a:p>
@@ -4680,11 +10675,191 @@
             <p:ph idx="1"/>
           </p:nvPr>
         </p:nvSpPr>
-        <p:spPr/>
+        <p:spPr>
+          <a:xfrm>
+            <a:off x="1097280" y="1979323"/>
+            <a:ext cx="10058400" cy="4023360"/>
+          </a:xfrm>
+        </p:spPr>
         <p:txBody>
           <a:bodyPr/>
           <a:lstStyle/>
           <a:p>
+            <a:r>
+              <a:rPr lang="hu-HU" sz="2400" dirty="0" smtClean="0"/>
+              <a:t>Paramétertérben pontok</a:t>
+            </a:r>
+          </a:p>
+          <a:p>
+            <a:r>
+              <a:rPr lang="hu-HU" sz="2400" dirty="0" err="1" smtClean="0"/>
+              <a:t>Hipersíkkal</a:t>
+            </a:r>
+            <a:r>
+              <a:rPr lang="hu-HU" sz="2400" dirty="0" smtClean="0"/>
+              <a:t> szeparálja a pontokat</a:t>
+            </a:r>
+          </a:p>
+          <a:p>
+            <a:endParaRPr lang="hu-HU" dirty="0"/>
+          </a:p>
+        </p:txBody>
+      </p:sp>
+      <p:pic>
+        <p:nvPicPr>
+          <p:cNvPr id="4" name="Kép 3"/>
+          <p:cNvPicPr>
+            <a:picLocks noChangeAspect="1"/>
+          </p:cNvPicPr>
+          <p:nvPr/>
+        </p:nvPicPr>
+        <p:blipFill>
+          <a:blip r:embed="rId2"/>
+          <a:stretch>
+            <a:fillRect/>
+          </a:stretch>
+        </p:blipFill>
+        <p:spPr>
+          <a:xfrm>
+            <a:off x="4925085" y="3176861"/>
+            <a:ext cx="6886904" cy="2645732"/>
+          </a:xfrm>
+          <a:prstGeom prst="rect">
+            <a:avLst/>
+          </a:prstGeom>
+          <a:solidFill>
+            <a:srgbClr val="FFFFFF">
+              <a:shade val="85000"/>
+            </a:srgbClr>
+          </a:solidFill>
+          <a:ln w="88900" cap="sq">
+            <a:solidFill>
+              <a:srgbClr val="FFFFFF"/>
+            </a:solidFill>
+            <a:miter lim="800000"/>
+          </a:ln>
+          <a:effectLst>
+            <a:outerShdw blurRad="55000" dist="18000" dir="5400000" algn="tl" rotWithShape="0">
+              <a:srgbClr val="000000">
+                <a:alpha val="40000"/>
+              </a:srgbClr>
+            </a:outerShdw>
+          </a:effectLst>
+          <a:scene3d>
+            <a:camera prst="orthographicFront"/>
+            <a:lightRig rig="twoPt" dir="t">
+              <a:rot lat="0" lon="0" rev="7200000"/>
+            </a:lightRig>
+          </a:scene3d>
+          <a:sp3d>
+            <a:bevelT w="25400" h="19050"/>
+            <a:contourClr>
+              <a:srgbClr val="FFFFFF"/>
+            </a:contourClr>
+          </a:sp3d>
+        </p:spPr>
+      </p:pic>
+      <p:pic>
+        <p:nvPicPr>
+          <p:cNvPr id="5" name="Kép 4"/>
+          <p:cNvPicPr>
+            <a:picLocks noChangeAspect="1"/>
+          </p:cNvPicPr>
+          <p:nvPr/>
+        </p:nvPicPr>
+        <p:blipFill>
+          <a:blip r:embed="rId3"/>
+          <a:stretch>
+            <a:fillRect/>
+          </a:stretch>
+        </p:blipFill>
+        <p:spPr>
+          <a:xfrm>
+            <a:off x="6474805" y="2433643"/>
+            <a:ext cx="3171825" cy="590550"/>
+          </a:xfrm>
+          <a:prstGeom prst="rect">
+            <a:avLst/>
+          </a:prstGeom>
+        </p:spPr>
+      </p:pic>
+      <p:pic>
+        <p:nvPicPr>
+          <p:cNvPr id="6" name="Kép 5"/>
+          <p:cNvPicPr>
+            <a:picLocks noChangeAspect="1"/>
+          </p:cNvPicPr>
+          <p:nvPr/>
+        </p:nvPicPr>
+        <p:blipFill>
+          <a:blip r:embed="rId4"/>
+          <a:stretch>
+            <a:fillRect/>
+          </a:stretch>
+        </p:blipFill>
+        <p:spPr>
+          <a:xfrm>
+            <a:off x="153910" y="3003582"/>
+            <a:ext cx="4590107" cy="3367812"/>
+          </a:xfrm>
+          <a:prstGeom prst="rect">
+            <a:avLst/>
+          </a:prstGeom>
+          <a:solidFill>
+            <a:srgbClr val="FFFFFF">
+              <a:shade val="85000"/>
+            </a:srgbClr>
+          </a:solidFill>
+          <a:ln w="88900" cap="sq">
+            <a:solidFill>
+              <a:srgbClr val="FFFFFF"/>
+            </a:solidFill>
+            <a:miter lim="800000"/>
+          </a:ln>
+          <a:effectLst>
+            <a:outerShdw blurRad="55000" dist="18000" dir="5400000" algn="tl" rotWithShape="0">
+              <a:srgbClr val="000000">
+                <a:alpha val="40000"/>
+              </a:srgbClr>
+            </a:outerShdw>
+          </a:effectLst>
+          <a:scene3d>
+            <a:camera prst="orthographicFront"/>
+            <a:lightRig rig="twoPt" dir="t">
+              <a:rot lat="0" lon="0" rev="7200000"/>
+            </a:lightRig>
+          </a:scene3d>
+          <a:sp3d>
+            <a:bevelT w="25400" h="19050"/>
+            <a:contourClr>
+              <a:srgbClr val="FFFFFF"/>
+            </a:contourClr>
+          </a:sp3d>
+        </p:spPr>
+      </p:pic>
+      <p:sp>
+        <p:nvSpPr>
+          <p:cNvPr id="7" name="Dia számának helye 6"/>
+          <p:cNvSpPr>
+            <a:spLocks noGrp="1"/>
+          </p:cNvSpPr>
+          <p:nvPr>
+            <p:ph type="sldNum" sz="quarter" idx="12"/>
+          </p:nvPr>
+        </p:nvSpPr>
+        <p:spPr/>
+        <p:txBody>
+          <a:bodyPr/>
+          <a:lstStyle/>
+          <a:p>
+            <a:fld id="{F28FD2EF-1A87-4BCB-A5DC-2FA9CDA63250}" type="slidenum">
+              <a:rPr lang="hu-HU" smtClean="0"/>
+              <a:t>9</a:t>
+            </a:fld>
+            <a:r>
+              <a:rPr lang="hu-HU" dirty="0"/>
+              <a:t>/14</a:t>
+            </a:r>
             <a:endParaRPr lang="hu-HU" dirty="0"/>
           </a:p>
         </p:txBody>
@@ -4692,7 +10867,7 @@
     </p:spTree>
     <p:extLst>
       <p:ext uri="{BB962C8B-B14F-4D97-AF65-F5344CB8AC3E}">
-        <p14:creationId xmlns:p14="http://schemas.microsoft.com/office/powerpoint/2010/main" val="3301667505"/>
+        <p14:creationId xmlns:p14="http://schemas.microsoft.com/office/powerpoint/2010/main" val="444939993"/>
       </p:ext>
     </p:extLst>
   </p:cSld>
@@ -4983,4 +11158,265 @@
     </a:ext>
   </a:extLst>
 </a:theme>
+</file>
+
+<file path=ppt/theme/theme2.xml><?xml version="1.0" encoding="utf-8"?>
+<a:theme xmlns:a="http://schemas.openxmlformats.org/drawingml/2006/main" name="Office-téma">
+  <a:themeElements>
+    <a:clrScheme name="Office">
+      <a:dk1>
+        <a:sysClr val="windowText" lastClr="000000"/>
+      </a:dk1>
+      <a:lt1>
+        <a:sysClr val="window" lastClr="FFFFFF"/>
+      </a:lt1>
+      <a:dk2>
+        <a:srgbClr val="44546A"/>
+      </a:dk2>
+      <a:lt2>
+        <a:srgbClr val="E7E6E6"/>
+      </a:lt2>
+      <a:accent1>
+        <a:srgbClr val="5B9BD5"/>
+      </a:accent1>
+      <a:accent2>
+        <a:srgbClr val="ED7D31"/>
+      </a:accent2>
+      <a:accent3>
+        <a:srgbClr val="A5A5A5"/>
+      </a:accent3>
+      <a:accent4>
+        <a:srgbClr val="FFC000"/>
+      </a:accent4>
+      <a:accent5>
+        <a:srgbClr val="4472C4"/>
+      </a:accent5>
+      <a:accent6>
+        <a:srgbClr val="70AD47"/>
+      </a:accent6>
+      <a:hlink>
+        <a:srgbClr val="0563C1"/>
+      </a:hlink>
+      <a:folHlink>
+        <a:srgbClr val="954F72"/>
+      </a:folHlink>
+    </a:clrScheme>
+    <a:fontScheme name="Office">
+      <a:majorFont>
+        <a:latin typeface="Calibri Light" panose="020F0302020204030204"/>
+        <a:ea typeface=""/>
+        <a:cs typeface=""/>
+        <a:font script="Jpan" typeface="游ゴシック Light"/>
+        <a:font script="Hang" typeface="맑은 고딕"/>
+        <a:font script="Hans" typeface="等线 Light"/>
+        <a:font script="Hant" typeface="新細明體"/>
+        <a:font script="Arab" typeface="Times New Roman"/>
+        <a:font script="Hebr" typeface="Times New Roman"/>
+        <a:font script="Thai" typeface="Angsana New"/>
+        <a:font script="Ethi" typeface="Nyala"/>
+        <a:font script="Beng" typeface="Vrinda"/>
+        <a:font script="Gujr" typeface="Shruti"/>
+        <a:font script="Khmr" typeface="MoolBoran"/>
+        <a:font script="Knda" typeface="Tunga"/>
+        <a:font script="Guru" typeface="Raavi"/>
+        <a:font script="Cans" typeface="Euphemia"/>
+        <a:font script="Cher" typeface="Plantagenet Cherokee"/>
+        <a:font script="Yiii" typeface="Microsoft Yi Baiti"/>
+        <a:font script="Tibt" typeface="Microsoft Himalaya"/>
+        <a:font script="Thaa" typeface="MV Boli"/>
+        <a:font script="Deva" typeface="Mangal"/>
+        <a:font script="Telu" typeface="Gautami"/>
+        <a:font script="Taml" typeface="Latha"/>
+        <a:font script="Syrc" typeface="Estrangelo Edessa"/>
+        <a:font script="Orya" typeface="Kalinga"/>
+        <a:font script="Mlym" typeface="Kartika"/>
+        <a:font script="Laoo" typeface="DokChampa"/>
+        <a:font script="Sinh" typeface="Iskoola Pota"/>
+        <a:font script="Mong" typeface="Mongolian Baiti"/>
+        <a:font script="Viet" typeface="Times New Roman"/>
+        <a:font script="Uigh" typeface="Microsoft Uighur"/>
+        <a:font script="Geor" typeface="Sylfaen"/>
+      </a:majorFont>
+      <a:minorFont>
+        <a:latin typeface="Calibri" panose="020F0502020204030204"/>
+        <a:ea typeface=""/>
+        <a:cs typeface=""/>
+        <a:font script="Jpan" typeface="游ゴシック"/>
+        <a:font script="Hang" typeface="맑은 고딕"/>
+        <a:font script="Hans" typeface="等线"/>
+        <a:font script="Hant" typeface="新細明體"/>
+        <a:font script="Arab" typeface="Arial"/>
+        <a:font script="Hebr" typeface="Arial"/>
+        <a:font script="Thai" typeface="Cordia New"/>
+        <a:font script="Ethi" typeface="Nyala"/>
+        <a:font script="Beng" typeface="Vrinda"/>
+        <a:font script="Gujr" typeface="Shruti"/>
+        <a:font script="Khmr" typeface="DaunPenh"/>
+        <a:font script="Knda" typeface="Tunga"/>
+        <a:font script="Guru" typeface="Raavi"/>
+        <a:font script="Cans" typeface="Euphemia"/>
+        <a:font script="Cher" typeface="Plantagenet Cherokee"/>
+        <a:font script="Yiii" typeface="Microsoft Yi Baiti"/>
+        <a:font script="Tibt" typeface="Microsoft Himalaya"/>
+        <a:font script="Thaa" typeface="MV Boli"/>
+        <a:font script="Deva" typeface="Mangal"/>
+        <a:font script="Telu" typeface="Gautami"/>
+        <a:font script="Taml" typeface="Latha"/>
+        <a:font script="Syrc" typeface="Estrangelo Edessa"/>
+        <a:font script="Orya" typeface="Kalinga"/>
+        <a:font script="Mlym" typeface="Kartika"/>
+        <a:font script="Laoo" typeface="DokChampa"/>
+        <a:font script="Sinh" typeface="Iskoola Pota"/>
+        <a:font script="Mong" typeface="Mongolian Baiti"/>
+        <a:font script="Viet" typeface="Arial"/>
+        <a:font script="Uigh" typeface="Microsoft Uighur"/>
+        <a:font script="Geor" typeface="Sylfaen"/>
+      </a:minorFont>
+    </a:fontScheme>
+    <a:fmtScheme name="Office">
+      <a:fillStyleLst>
+        <a:solidFill>
+          <a:schemeClr val="phClr"/>
+        </a:solidFill>
+        <a:gradFill rotWithShape="1">
+          <a:gsLst>
+            <a:gs pos="0">
+              <a:schemeClr val="phClr">
+                <a:lumMod val="110000"/>
+                <a:satMod val="105000"/>
+                <a:tint val="67000"/>
+              </a:schemeClr>
+            </a:gs>
+            <a:gs pos="50000">
+              <a:schemeClr val="phClr">
+                <a:lumMod val="105000"/>
+                <a:satMod val="103000"/>
+                <a:tint val="73000"/>
+              </a:schemeClr>
+            </a:gs>
+            <a:gs pos="100000">
+              <a:schemeClr val="phClr">
+                <a:lumMod val="105000"/>
+                <a:satMod val="109000"/>
+                <a:tint val="81000"/>
+              </a:schemeClr>
+            </a:gs>
+          </a:gsLst>
+          <a:lin ang="5400000" scaled="0"/>
+        </a:gradFill>
+        <a:gradFill rotWithShape="1">
+          <a:gsLst>
+            <a:gs pos="0">
+              <a:schemeClr val="phClr">
+                <a:satMod val="103000"/>
+                <a:lumMod val="102000"/>
+                <a:tint val="94000"/>
+              </a:schemeClr>
+            </a:gs>
+            <a:gs pos="50000">
+              <a:schemeClr val="phClr">
+                <a:satMod val="110000"/>
+                <a:lumMod val="100000"/>
+                <a:shade val="100000"/>
+              </a:schemeClr>
+            </a:gs>
+            <a:gs pos="100000">
+              <a:schemeClr val="phClr">
+                <a:lumMod val="99000"/>
+                <a:satMod val="120000"/>
+                <a:shade val="78000"/>
+              </a:schemeClr>
+            </a:gs>
+          </a:gsLst>
+          <a:lin ang="5400000" scaled="0"/>
+        </a:gradFill>
+      </a:fillStyleLst>
+      <a:lnStyleLst>
+        <a:ln w="6350" cap="flat" cmpd="sng" algn="ctr">
+          <a:solidFill>
+            <a:schemeClr val="phClr"/>
+          </a:solidFill>
+          <a:prstDash val="solid"/>
+          <a:miter lim="800000"/>
+        </a:ln>
+        <a:ln w="12700" cap="flat" cmpd="sng" algn="ctr">
+          <a:solidFill>
+            <a:schemeClr val="phClr"/>
+          </a:solidFill>
+          <a:prstDash val="solid"/>
+          <a:miter lim="800000"/>
+        </a:ln>
+        <a:ln w="19050" cap="flat" cmpd="sng" algn="ctr">
+          <a:solidFill>
+            <a:schemeClr val="phClr"/>
+          </a:solidFill>
+          <a:prstDash val="solid"/>
+          <a:miter lim="800000"/>
+        </a:ln>
+      </a:lnStyleLst>
+      <a:effectStyleLst>
+        <a:effectStyle>
+          <a:effectLst/>
+        </a:effectStyle>
+        <a:effectStyle>
+          <a:effectLst/>
+        </a:effectStyle>
+        <a:effectStyle>
+          <a:effectLst>
+            <a:outerShdw blurRad="57150" dist="19050" dir="5400000" algn="ctr" rotWithShape="0">
+              <a:srgbClr val="000000">
+                <a:alpha val="63000"/>
+              </a:srgbClr>
+            </a:outerShdw>
+          </a:effectLst>
+        </a:effectStyle>
+      </a:effectStyleLst>
+      <a:bgFillStyleLst>
+        <a:solidFill>
+          <a:schemeClr val="phClr"/>
+        </a:solidFill>
+        <a:solidFill>
+          <a:schemeClr val="phClr">
+            <a:tint val="95000"/>
+            <a:satMod val="170000"/>
+          </a:schemeClr>
+        </a:solidFill>
+        <a:gradFill rotWithShape="1">
+          <a:gsLst>
+            <a:gs pos="0">
+              <a:schemeClr val="phClr">
+                <a:tint val="93000"/>
+                <a:satMod val="150000"/>
+                <a:shade val="98000"/>
+                <a:lumMod val="102000"/>
+              </a:schemeClr>
+            </a:gs>
+            <a:gs pos="50000">
+              <a:schemeClr val="phClr">
+                <a:tint val="98000"/>
+                <a:satMod val="130000"/>
+                <a:shade val="90000"/>
+                <a:lumMod val="103000"/>
+              </a:schemeClr>
+            </a:gs>
+            <a:gs pos="100000">
+              <a:schemeClr val="phClr">
+                <a:shade val="63000"/>
+                <a:satMod val="120000"/>
+              </a:schemeClr>
+            </a:gs>
+          </a:gsLst>
+          <a:lin ang="5400000" scaled="0"/>
+        </a:gradFill>
+      </a:bgFillStyleLst>
+    </a:fmtScheme>
+  </a:themeElements>
+  <a:objectDefaults/>
+  <a:extraClrSchemeLst/>
+  <a:extLst>
+    <a:ext uri="{05A4C25C-085E-4340-85A3-A5531E510DB2}">
+      <thm15:themeFamily xmlns:thm15="http://schemas.microsoft.com/office/thememl/2012/main" name="Office Theme" id="{62F939B6-93AF-4DB8-9C6B-D6C7DFDC589F}" vid="{4A3C46E8-61CC-4603-A589-7422A47A8E4A}"/>
+    </a:ext>
+  </a:extLst>
+</a:theme>
 </file>